--- a/Documentação/Orientações/Orientações.pptx
+++ b/Documentação/Orientações/Orientações.pptx
@@ -279,7 +279,7 @@
           <a:p>
             <a:fld id="{02AC24A9-CCB6-4F8D-B8DB-C2F3692CFA5A}" type="datetimeFigureOut">
               <a:rPr lang="en-US" smtClean="0"/>
-              <a:t>10/6/2020</a:t>
+              <a:t>10/9/2020</a:t>
             </a:fld>
             <a:endParaRPr lang="en-US" dirty="0"/>
           </a:p>
@@ -338,7 +338,7 @@
           <a:p>
             <a:fld id="{B2DC25EE-239B-4C5F-AAD1-255A7D5F1EE2}" type="slidenum">
               <a:rPr lang="en-US" smtClean="0"/>
-              <a:t>‹#›</a:t>
+              <a:t>‹nº›</a:t>
             </a:fld>
             <a:endParaRPr lang="en-US" dirty="0"/>
           </a:p>
@@ -649,7 +649,7 @@
           <a:p>
             <a:fld id="{02AC24A9-CCB6-4F8D-B8DB-C2F3692CFA5A}" type="datetimeFigureOut">
               <a:rPr lang="en-US" smtClean="0"/>
-              <a:t>10/6/2020</a:t>
+              <a:t>10/9/2020</a:t>
             </a:fld>
             <a:endParaRPr lang="en-US"/>
           </a:p>
@@ -703,7 +703,7 @@
           <a:p>
             <a:fld id="{B2DC25EE-239B-4C5F-AAD1-255A7D5F1EE2}" type="slidenum">
               <a:rPr lang="en-US" smtClean="0"/>
-              <a:t>‹#›</a:t>
+              <a:t>‹nº›</a:t>
             </a:fld>
             <a:endParaRPr lang="en-US"/>
           </a:p>
@@ -858,7 +858,7 @@
           <a:p>
             <a:fld id="{02AC24A9-CCB6-4F8D-B8DB-C2F3692CFA5A}" type="datetimeFigureOut">
               <a:rPr lang="en-US" smtClean="0"/>
-              <a:t>10/6/2020</a:t>
+              <a:t>10/9/2020</a:t>
             </a:fld>
             <a:endParaRPr lang="en-US"/>
           </a:p>
@@ -912,7 +912,7 @@
           <a:p>
             <a:fld id="{B2DC25EE-239B-4C5F-AAD1-255A7D5F1EE2}" type="slidenum">
               <a:rPr lang="en-US" smtClean="0"/>
-              <a:t>‹#›</a:t>
+              <a:t>‹nº›</a:t>
             </a:fld>
             <a:endParaRPr lang="en-US"/>
           </a:p>
@@ -1328,7 +1328,7 @@
           <a:p>
             <a:fld id="{02AC24A9-CCB6-4F8D-B8DB-C2F3692CFA5A}" type="datetimeFigureOut">
               <a:rPr lang="en-US" smtClean="0"/>
-              <a:t>10/6/2020</a:t>
+              <a:t>10/9/2020</a:t>
             </a:fld>
             <a:endParaRPr lang="en-US"/>
           </a:p>
@@ -1387,7 +1387,7 @@
           <a:p>
             <a:fld id="{B2DC25EE-239B-4C5F-AAD1-255A7D5F1EE2}" type="slidenum">
               <a:rPr lang="en-US" smtClean="0"/>
-              <a:t>‹#›</a:t>
+              <a:t>‹nº›</a:t>
             </a:fld>
             <a:endParaRPr lang="en-US"/>
           </a:p>
@@ -1782,7 +1782,7 @@
           <a:p>
             <a:fld id="{02AC24A9-CCB6-4F8D-B8DB-C2F3692CFA5A}" type="datetimeFigureOut">
               <a:rPr lang="en-US" smtClean="0"/>
-              <a:t>10/6/2020</a:t>
+              <a:t>10/9/2020</a:t>
             </a:fld>
             <a:endParaRPr lang="en-US"/>
           </a:p>
@@ -1836,7 +1836,7 @@
           <a:p>
             <a:fld id="{B2DC25EE-239B-4C5F-AAD1-255A7D5F1EE2}" type="slidenum">
               <a:rPr lang="en-US" smtClean="0"/>
-              <a:t>‹#›</a:t>
+              <a:t>‹nº›</a:t>
             </a:fld>
             <a:endParaRPr lang="en-US"/>
           </a:p>
@@ -2314,7 +2314,7 @@
           <a:p>
             <a:fld id="{02AC24A9-CCB6-4F8D-B8DB-C2F3692CFA5A}" type="datetimeFigureOut">
               <a:rPr lang="en-US" smtClean="0"/>
-              <a:t>10/6/2020</a:t>
+              <a:t>10/9/2020</a:t>
             </a:fld>
             <a:endParaRPr lang="en-US"/>
           </a:p>
@@ -2373,7 +2373,7 @@
           <a:p>
             <a:fld id="{B2DC25EE-239B-4C5F-AAD1-255A7D5F1EE2}" type="slidenum">
               <a:rPr lang="en-US" smtClean="0"/>
-              <a:t>‹#›</a:t>
+              <a:t>‹nº›</a:t>
             </a:fld>
             <a:endParaRPr lang="en-US"/>
           </a:p>
@@ -3013,7 +3013,7 @@
           <a:p>
             <a:fld id="{02AC24A9-CCB6-4F8D-B8DB-C2F3692CFA5A}" type="datetimeFigureOut">
               <a:rPr lang="en-US" smtClean="0"/>
-              <a:t>10/6/2020</a:t>
+              <a:t>10/9/2020</a:t>
             </a:fld>
             <a:endParaRPr lang="en-US"/>
           </a:p>
@@ -3072,7 +3072,7 @@
           <a:p>
             <a:fld id="{B2DC25EE-239B-4C5F-AAD1-255A7D5F1EE2}" type="slidenum">
               <a:rPr lang="en-US" smtClean="0"/>
-              <a:t>‹#›</a:t>
+              <a:t>‹nº›</a:t>
             </a:fld>
             <a:endParaRPr lang="en-US"/>
           </a:p>
@@ -3342,7 +3342,7 @@
           <a:p>
             <a:fld id="{02AC24A9-CCB6-4F8D-B8DB-C2F3692CFA5A}" type="datetimeFigureOut">
               <a:rPr lang="en-US" smtClean="0"/>
-              <a:t>10/6/2020</a:t>
+              <a:t>10/9/2020</a:t>
             </a:fld>
             <a:endParaRPr lang="en-US"/>
           </a:p>
@@ -3396,7 +3396,7 @@
           <a:p>
             <a:fld id="{B2DC25EE-239B-4C5F-AAD1-255A7D5F1EE2}" type="slidenum">
               <a:rPr lang="en-US" smtClean="0"/>
-              <a:t>‹#›</a:t>
+              <a:t>‹nº›</a:t>
             </a:fld>
             <a:endParaRPr lang="en-US"/>
           </a:p>
@@ -3455,7 +3455,7 @@
           <a:p>
             <a:fld id="{02AC24A9-CCB6-4F8D-B8DB-C2F3692CFA5A}" type="datetimeFigureOut">
               <a:rPr lang="en-US" smtClean="0"/>
-              <a:t>10/6/2020</a:t>
+              <a:t>10/9/2020</a:t>
             </a:fld>
             <a:endParaRPr lang="en-US"/>
           </a:p>
@@ -3509,7 +3509,7 @@
           <a:p>
             <a:fld id="{B2DC25EE-239B-4C5F-AAD1-255A7D5F1EE2}" type="slidenum">
               <a:rPr lang="en-US" smtClean="0"/>
-              <a:t>‹#›</a:t>
+              <a:t>‹nº›</a:t>
             </a:fld>
             <a:endParaRPr lang="en-US"/>
           </a:p>
@@ -3950,7 +3950,7 @@
           <a:p>
             <a:fld id="{02AC24A9-CCB6-4F8D-B8DB-C2F3692CFA5A}" type="datetimeFigureOut">
               <a:rPr lang="en-US" smtClean="0"/>
-              <a:t>10/6/2020</a:t>
+              <a:t>10/9/2020</a:t>
             </a:fld>
             <a:endParaRPr lang="en-US" dirty="0"/>
           </a:p>
@@ -4004,7 +4004,7 @@
           <a:p>
             <a:fld id="{B2DC25EE-239B-4C5F-AAD1-255A7D5F1EE2}" type="slidenum">
               <a:rPr lang="en-US" smtClean="0"/>
-              <a:t>‹#›</a:t>
+              <a:t>‹nº›</a:t>
             </a:fld>
             <a:endParaRPr lang="en-US"/>
           </a:p>
@@ -4427,7 +4427,7 @@
           <a:p>
             <a:fld id="{02AC24A9-CCB6-4F8D-B8DB-C2F3692CFA5A}" type="datetimeFigureOut">
               <a:rPr lang="en-US" smtClean="0"/>
-              <a:t>10/6/2020</a:t>
+              <a:t>10/9/2020</a:t>
             </a:fld>
             <a:endParaRPr lang="en-US"/>
           </a:p>
@@ -4481,7 +4481,7 @@
           <a:p>
             <a:fld id="{B2DC25EE-239B-4C5F-AAD1-255A7D5F1EE2}" type="slidenum">
               <a:rPr lang="en-US" smtClean="0"/>
-              <a:t>‹#›</a:t>
+              <a:t>‹nº›</a:t>
             </a:fld>
             <a:endParaRPr lang="en-US"/>
           </a:p>
@@ -4670,7 +4670,7 @@
           <a:p>
             <a:fld id="{02AC24A9-CCB6-4F8D-B8DB-C2F3692CFA5A}" type="datetimeFigureOut">
               <a:rPr lang="en-US" smtClean="0"/>
-              <a:t>10/6/2020</a:t>
+              <a:t>10/9/2020</a:t>
             </a:fld>
             <a:endParaRPr lang="en-US"/>
           </a:p>
@@ -4760,7 +4760,7 @@
           <a:p>
             <a:fld id="{B2DC25EE-239B-4C5F-AAD1-255A7D5F1EE2}" type="slidenum">
               <a:rPr lang="en-US" smtClean="0"/>
-              <a:t>‹#›</a:t>
+              <a:t>‹nº›</a:t>
             </a:fld>
             <a:endParaRPr lang="en-US"/>
           </a:p>
@@ -6485,7 +6485,7 @@
         </p:blipFill>
         <p:spPr>
           <a:xfrm>
-            <a:off x="10710040" y="4929496"/>
+            <a:off x="10684487" y="4872596"/>
             <a:ext cx="283580" cy="273935"/>
           </a:xfrm>
           <a:prstGeom prst="rect">
@@ -6585,10 +6585,10 @@
       </p:pic>
       <p:pic>
         <p:nvPicPr>
-          <p:cNvPr id="2" name="Picture 11" descr="Icon&#10;&#10;Description automatically generated">
-            <a:extLst>
-              <a:ext uri="{FF2B5EF4-FFF2-40B4-BE49-F238E27FC236}">
-                <a16:creationId xmlns:a16="http://schemas.microsoft.com/office/drawing/2014/main" id="{43AFA532-054D-4721-9990-5806016D5A2B}"/>
+          <p:cNvPr id="4" name="Picture 9" descr="Icon&#10;&#10;Description automatically generated">
+            <a:extLst>
+              <a:ext uri="{FF2B5EF4-FFF2-40B4-BE49-F238E27FC236}">
+                <a16:creationId xmlns:a16="http://schemas.microsoft.com/office/drawing/2014/main" id="{A010762D-ACD2-4E16-918B-F70E2FC85E33}"/>
               </a:ext>
             </a:extLst>
           </p:cNvPr>
@@ -6598,15 +6598,15 @@
           <p:nvPr/>
         </p:nvPicPr>
         <p:blipFill>
-          <a:blip r:embed="rId4"/>
+          <a:blip r:embed="rId3"/>
           <a:stretch>
             <a:fillRect/>
           </a:stretch>
         </p:blipFill>
         <p:spPr>
           <a:xfrm>
-            <a:off x="9824685" y="5629991"/>
-            <a:ext cx="283580" cy="273935"/>
+            <a:off x="11180891" y="5167962"/>
+            <a:ext cx="360745" cy="351100"/>
           </a:xfrm>
           <a:prstGeom prst="rect">
             <a:avLst/>
@@ -6615,10 +6615,10 @@
       </p:pic>
       <p:pic>
         <p:nvPicPr>
-          <p:cNvPr id="3" name="Picture 11" descr="Icon&#10;&#10;Description automatically generated">
-            <a:extLst>
-              <a:ext uri="{FF2B5EF4-FFF2-40B4-BE49-F238E27FC236}">
-                <a16:creationId xmlns:a16="http://schemas.microsoft.com/office/drawing/2014/main" id="{647E8F42-E67E-47CD-832C-BD69243CC74F}"/>
+          <p:cNvPr id="5" name="Picture 9" descr="Icon&#10;&#10;Description automatically generated">
+            <a:extLst>
+              <a:ext uri="{FF2B5EF4-FFF2-40B4-BE49-F238E27FC236}">
+                <a16:creationId xmlns:a16="http://schemas.microsoft.com/office/drawing/2014/main" id="{B7089E27-8384-4D52-A4BA-40D0E6D413C3}"/>
               </a:ext>
             </a:extLst>
           </p:cNvPr>
@@ -6628,15 +6628,15 @@
           <p:nvPr/>
         </p:nvPicPr>
         <p:blipFill>
-          <a:blip r:embed="rId4"/>
+          <a:blip r:embed="rId3"/>
           <a:stretch>
             <a:fillRect/>
           </a:stretch>
         </p:blipFill>
         <p:spPr>
           <a:xfrm>
-            <a:off x="11145893" y="5278497"/>
-            <a:ext cx="283580" cy="273935"/>
+            <a:off x="9860451" y="5527240"/>
+            <a:ext cx="360745" cy="351100"/>
           </a:xfrm>
           <a:prstGeom prst="rect">
             <a:avLst/>

--- a/Documentação/Orientações/Orientações.pptx
+++ b/Documentação/Orientações/Orientações.pptx
@@ -279,7 +279,7 @@
           <a:p>
             <a:fld id="{02AC24A9-CCB6-4F8D-B8DB-C2F3692CFA5A}" type="datetimeFigureOut">
               <a:rPr lang="en-US" smtClean="0"/>
-              <a:t>10/9/2020</a:t>
+              <a:t>10/10/2020</a:t>
             </a:fld>
             <a:endParaRPr lang="en-US" dirty="0"/>
           </a:p>
@@ -338,7 +338,7 @@
           <a:p>
             <a:fld id="{B2DC25EE-239B-4C5F-AAD1-255A7D5F1EE2}" type="slidenum">
               <a:rPr lang="en-US" smtClean="0"/>
-              <a:t>‹nº›</a:t>
+              <a:t>‹#›</a:t>
             </a:fld>
             <a:endParaRPr lang="en-US" dirty="0"/>
           </a:p>
@@ -649,7 +649,7 @@
           <a:p>
             <a:fld id="{02AC24A9-CCB6-4F8D-B8DB-C2F3692CFA5A}" type="datetimeFigureOut">
               <a:rPr lang="en-US" smtClean="0"/>
-              <a:t>10/9/2020</a:t>
+              <a:t>10/10/2020</a:t>
             </a:fld>
             <a:endParaRPr lang="en-US"/>
           </a:p>
@@ -703,7 +703,7 @@
           <a:p>
             <a:fld id="{B2DC25EE-239B-4C5F-AAD1-255A7D5F1EE2}" type="slidenum">
               <a:rPr lang="en-US" smtClean="0"/>
-              <a:t>‹nº›</a:t>
+              <a:t>‹#›</a:t>
             </a:fld>
             <a:endParaRPr lang="en-US"/>
           </a:p>
@@ -858,7 +858,7 @@
           <a:p>
             <a:fld id="{02AC24A9-CCB6-4F8D-B8DB-C2F3692CFA5A}" type="datetimeFigureOut">
               <a:rPr lang="en-US" smtClean="0"/>
-              <a:t>10/9/2020</a:t>
+              <a:t>10/10/2020</a:t>
             </a:fld>
             <a:endParaRPr lang="en-US"/>
           </a:p>
@@ -912,7 +912,7 @@
           <a:p>
             <a:fld id="{B2DC25EE-239B-4C5F-AAD1-255A7D5F1EE2}" type="slidenum">
               <a:rPr lang="en-US" smtClean="0"/>
-              <a:t>‹nº›</a:t>
+              <a:t>‹#›</a:t>
             </a:fld>
             <a:endParaRPr lang="en-US"/>
           </a:p>
@@ -1328,7 +1328,7 @@
           <a:p>
             <a:fld id="{02AC24A9-CCB6-4F8D-B8DB-C2F3692CFA5A}" type="datetimeFigureOut">
               <a:rPr lang="en-US" smtClean="0"/>
-              <a:t>10/9/2020</a:t>
+              <a:t>10/10/2020</a:t>
             </a:fld>
             <a:endParaRPr lang="en-US"/>
           </a:p>
@@ -1387,7 +1387,7 @@
           <a:p>
             <a:fld id="{B2DC25EE-239B-4C5F-AAD1-255A7D5F1EE2}" type="slidenum">
               <a:rPr lang="en-US" smtClean="0"/>
-              <a:t>‹nº›</a:t>
+              <a:t>‹#›</a:t>
             </a:fld>
             <a:endParaRPr lang="en-US"/>
           </a:p>
@@ -1782,7 +1782,7 @@
           <a:p>
             <a:fld id="{02AC24A9-CCB6-4F8D-B8DB-C2F3692CFA5A}" type="datetimeFigureOut">
               <a:rPr lang="en-US" smtClean="0"/>
-              <a:t>10/9/2020</a:t>
+              <a:t>10/10/2020</a:t>
             </a:fld>
             <a:endParaRPr lang="en-US"/>
           </a:p>
@@ -1836,7 +1836,7 @@
           <a:p>
             <a:fld id="{B2DC25EE-239B-4C5F-AAD1-255A7D5F1EE2}" type="slidenum">
               <a:rPr lang="en-US" smtClean="0"/>
-              <a:t>‹nº›</a:t>
+              <a:t>‹#›</a:t>
             </a:fld>
             <a:endParaRPr lang="en-US"/>
           </a:p>
@@ -2314,7 +2314,7 @@
           <a:p>
             <a:fld id="{02AC24A9-CCB6-4F8D-B8DB-C2F3692CFA5A}" type="datetimeFigureOut">
               <a:rPr lang="en-US" smtClean="0"/>
-              <a:t>10/9/2020</a:t>
+              <a:t>10/10/2020</a:t>
             </a:fld>
             <a:endParaRPr lang="en-US"/>
           </a:p>
@@ -2373,7 +2373,7 @@
           <a:p>
             <a:fld id="{B2DC25EE-239B-4C5F-AAD1-255A7D5F1EE2}" type="slidenum">
               <a:rPr lang="en-US" smtClean="0"/>
-              <a:t>‹nº›</a:t>
+              <a:t>‹#›</a:t>
             </a:fld>
             <a:endParaRPr lang="en-US"/>
           </a:p>
@@ -3013,7 +3013,7 @@
           <a:p>
             <a:fld id="{02AC24A9-CCB6-4F8D-B8DB-C2F3692CFA5A}" type="datetimeFigureOut">
               <a:rPr lang="en-US" smtClean="0"/>
-              <a:t>10/9/2020</a:t>
+              <a:t>10/10/2020</a:t>
             </a:fld>
             <a:endParaRPr lang="en-US"/>
           </a:p>
@@ -3072,7 +3072,7 @@
           <a:p>
             <a:fld id="{B2DC25EE-239B-4C5F-AAD1-255A7D5F1EE2}" type="slidenum">
               <a:rPr lang="en-US" smtClean="0"/>
-              <a:t>‹nº›</a:t>
+              <a:t>‹#›</a:t>
             </a:fld>
             <a:endParaRPr lang="en-US"/>
           </a:p>
@@ -3342,7 +3342,7 @@
           <a:p>
             <a:fld id="{02AC24A9-CCB6-4F8D-B8DB-C2F3692CFA5A}" type="datetimeFigureOut">
               <a:rPr lang="en-US" smtClean="0"/>
-              <a:t>10/9/2020</a:t>
+              <a:t>10/10/2020</a:t>
             </a:fld>
             <a:endParaRPr lang="en-US"/>
           </a:p>
@@ -3396,7 +3396,7 @@
           <a:p>
             <a:fld id="{B2DC25EE-239B-4C5F-AAD1-255A7D5F1EE2}" type="slidenum">
               <a:rPr lang="en-US" smtClean="0"/>
-              <a:t>‹nº›</a:t>
+              <a:t>‹#›</a:t>
             </a:fld>
             <a:endParaRPr lang="en-US"/>
           </a:p>
@@ -3455,7 +3455,7 @@
           <a:p>
             <a:fld id="{02AC24A9-CCB6-4F8D-B8DB-C2F3692CFA5A}" type="datetimeFigureOut">
               <a:rPr lang="en-US" smtClean="0"/>
-              <a:t>10/9/2020</a:t>
+              <a:t>10/10/2020</a:t>
             </a:fld>
             <a:endParaRPr lang="en-US"/>
           </a:p>
@@ -3509,7 +3509,7 @@
           <a:p>
             <a:fld id="{B2DC25EE-239B-4C5F-AAD1-255A7D5F1EE2}" type="slidenum">
               <a:rPr lang="en-US" smtClean="0"/>
-              <a:t>‹nº›</a:t>
+              <a:t>‹#›</a:t>
             </a:fld>
             <a:endParaRPr lang="en-US"/>
           </a:p>
@@ -3950,7 +3950,7 @@
           <a:p>
             <a:fld id="{02AC24A9-CCB6-4F8D-B8DB-C2F3692CFA5A}" type="datetimeFigureOut">
               <a:rPr lang="en-US" smtClean="0"/>
-              <a:t>10/9/2020</a:t>
+              <a:t>10/10/2020</a:t>
             </a:fld>
             <a:endParaRPr lang="en-US" dirty="0"/>
           </a:p>
@@ -4004,7 +4004,7 @@
           <a:p>
             <a:fld id="{B2DC25EE-239B-4C5F-AAD1-255A7D5F1EE2}" type="slidenum">
               <a:rPr lang="en-US" smtClean="0"/>
-              <a:t>‹nº›</a:t>
+              <a:t>‹#›</a:t>
             </a:fld>
             <a:endParaRPr lang="en-US"/>
           </a:p>
@@ -4427,7 +4427,7 @@
           <a:p>
             <a:fld id="{02AC24A9-CCB6-4F8D-B8DB-C2F3692CFA5A}" type="datetimeFigureOut">
               <a:rPr lang="en-US" smtClean="0"/>
-              <a:t>10/9/2020</a:t>
+              <a:t>10/10/2020</a:t>
             </a:fld>
             <a:endParaRPr lang="en-US"/>
           </a:p>
@@ -4481,7 +4481,7 @@
           <a:p>
             <a:fld id="{B2DC25EE-239B-4C5F-AAD1-255A7D5F1EE2}" type="slidenum">
               <a:rPr lang="en-US" smtClean="0"/>
-              <a:t>‹nº›</a:t>
+              <a:t>‹#›</a:t>
             </a:fld>
             <a:endParaRPr lang="en-US"/>
           </a:p>
@@ -4670,7 +4670,7 @@
           <a:p>
             <a:fld id="{02AC24A9-CCB6-4F8D-B8DB-C2F3692CFA5A}" type="datetimeFigureOut">
               <a:rPr lang="en-US" smtClean="0"/>
-              <a:t>10/9/2020</a:t>
+              <a:t>10/10/2020</a:t>
             </a:fld>
             <a:endParaRPr lang="en-US"/>
           </a:p>
@@ -4760,7 +4760,7 @@
           <a:p>
             <a:fld id="{B2DC25EE-239B-4C5F-AAD1-255A7D5F1EE2}" type="slidenum">
               <a:rPr lang="en-US" smtClean="0"/>
-              <a:t>‹nº›</a:t>
+              <a:t>‹#›</a:t>
             </a:fld>
             <a:endParaRPr lang="en-US"/>
           </a:p>
@@ -5883,36 +5883,6 @@
           </a:prstGeom>
         </p:spPr>
       </p:pic>
-      <p:pic>
-        <p:nvPicPr>
-          <p:cNvPr id="27" name="Picture 11" descr="Icon&#10;&#10;Description automatically generated">
-            <a:extLst>
-              <a:ext uri="{FF2B5EF4-FFF2-40B4-BE49-F238E27FC236}">
-                <a16:creationId xmlns:a16="http://schemas.microsoft.com/office/drawing/2014/main" id="{866B7DA9-E3CC-4E20-80DF-52438986BDE4}"/>
-              </a:ext>
-            </a:extLst>
-          </p:cNvPr>
-          <p:cNvPicPr>
-            <a:picLocks noChangeAspect="1"/>
-          </p:cNvPicPr>
-          <p:nvPr/>
-        </p:nvPicPr>
-        <p:blipFill>
-          <a:blip r:embed="rId4"/>
-          <a:stretch>
-            <a:fillRect/>
-          </a:stretch>
-        </p:blipFill>
-        <p:spPr>
-          <a:xfrm>
-            <a:off x="2361234" y="3783957"/>
-            <a:ext cx="283580" cy="273935"/>
-          </a:xfrm>
-          <a:prstGeom prst="rect">
-            <a:avLst/>
-          </a:prstGeom>
-        </p:spPr>
-      </p:pic>
       <p:sp>
         <p:nvSpPr>
           <p:cNvPr id="12" name="Rectangle 11">
@@ -5980,7 +5950,7 @@
           <p:nvPr/>
         </p:nvPicPr>
         <p:blipFill>
-          <a:blip r:embed="rId5"/>
+          <a:blip r:embed="rId4"/>
           <a:stretch>
             <a:fillRect/>
           </a:stretch>
@@ -6010,7 +5980,7 @@
           <p:nvPr/>
         </p:nvPicPr>
         <p:blipFill>
-          <a:blip r:embed="rId5"/>
+          <a:blip r:embed="rId4"/>
           <a:stretch>
             <a:fillRect/>
           </a:stretch>
@@ -6100,7 +6070,7 @@
           <p:nvPr/>
         </p:nvPicPr>
         <p:blipFill>
-          <a:blip r:embed="rId5"/>
+          <a:blip r:embed="rId4"/>
           <a:stretch>
             <a:fillRect/>
           </a:stretch>
@@ -6160,7 +6130,7 @@
           <p:nvPr/>
         </p:nvPicPr>
         <p:blipFill>
-          <a:blip r:embed="rId5"/>
+          <a:blip r:embed="rId4"/>
           <a:stretch>
             <a:fillRect/>
           </a:stretch>
@@ -6190,7 +6160,7 @@
           <p:nvPr/>
         </p:nvPicPr>
         <p:blipFill>
-          <a:blip r:embed="rId4"/>
+          <a:blip r:embed="rId5"/>
           <a:stretch>
             <a:fillRect/>
           </a:stretch>
@@ -6478,7 +6448,7 @@
           <p:nvPr/>
         </p:nvPicPr>
         <p:blipFill>
-          <a:blip r:embed="rId4"/>
+          <a:blip r:embed="rId5"/>
           <a:stretch>
             <a:fillRect/>
           </a:stretch>
@@ -6495,10 +6465,10 @@
       </p:pic>
       <p:pic>
         <p:nvPicPr>
-          <p:cNvPr id="57" name="Picture 11" descr="Icon&#10;&#10;Description automatically generated">
-            <a:extLst>
-              <a:ext uri="{FF2B5EF4-FFF2-40B4-BE49-F238E27FC236}">
-                <a16:creationId xmlns:a16="http://schemas.microsoft.com/office/drawing/2014/main" id="{23997025-AFCA-4ED0-8DBE-F1E67C6B2DE5}"/>
+          <p:cNvPr id="58" name="Picture 15" descr="Icon&#10;&#10;Description automatically generated">
+            <a:extLst>
+              <a:ext uri="{FF2B5EF4-FFF2-40B4-BE49-F238E27FC236}">
+                <a16:creationId xmlns:a16="http://schemas.microsoft.com/office/drawing/2014/main" id="{C9C79A4F-9100-49CE-B7B5-A01823F33F54}"/>
               </a:ext>
             </a:extLst>
           </p:cNvPr>
@@ -6515,36 +6485,6 @@
         </p:blipFill>
         <p:spPr>
           <a:xfrm>
-            <a:off x="9194234" y="3192463"/>
-            <a:ext cx="283580" cy="273935"/>
-          </a:xfrm>
-          <a:prstGeom prst="rect">
-            <a:avLst/>
-          </a:prstGeom>
-        </p:spPr>
-      </p:pic>
-      <p:pic>
-        <p:nvPicPr>
-          <p:cNvPr id="58" name="Picture 15" descr="Icon&#10;&#10;Description automatically generated">
-            <a:extLst>
-              <a:ext uri="{FF2B5EF4-FFF2-40B4-BE49-F238E27FC236}">
-                <a16:creationId xmlns:a16="http://schemas.microsoft.com/office/drawing/2014/main" id="{C9C79A4F-9100-49CE-B7B5-A01823F33F54}"/>
-              </a:ext>
-            </a:extLst>
-          </p:cNvPr>
-          <p:cNvPicPr>
-            <a:picLocks noChangeAspect="1"/>
-          </p:cNvPicPr>
-          <p:nvPr/>
-        </p:nvPicPr>
-        <p:blipFill>
-          <a:blip r:embed="rId5"/>
-          <a:stretch>
-            <a:fillRect/>
-          </a:stretch>
-        </p:blipFill>
-        <p:spPr>
-          <a:xfrm>
             <a:off x="10715335" y="3552773"/>
             <a:ext cx="322162" cy="293226"/>
           </a:xfrm>
@@ -6636,6 +6576,66 @@
         <p:spPr>
           <a:xfrm>
             <a:off x="9860451" y="5527240"/>
+            <a:ext cx="360745" cy="351100"/>
+          </a:xfrm>
+          <a:prstGeom prst="rect">
+            <a:avLst/>
+          </a:prstGeom>
+        </p:spPr>
+      </p:pic>
+      <p:pic>
+        <p:nvPicPr>
+          <p:cNvPr id="2" name="Picture 9" descr="Icon&#10;&#10;Description automatically generated">
+            <a:extLst>
+              <a:ext uri="{FF2B5EF4-FFF2-40B4-BE49-F238E27FC236}">
+                <a16:creationId xmlns:a16="http://schemas.microsoft.com/office/drawing/2014/main" id="{0641A489-4088-4547-A7CB-F55B386DC83B}"/>
+              </a:ext>
+            </a:extLst>
+          </p:cNvPr>
+          <p:cNvPicPr>
+            <a:picLocks noChangeAspect="1"/>
+          </p:cNvPicPr>
+          <p:nvPr/>
+        </p:nvPicPr>
+        <p:blipFill>
+          <a:blip r:embed="rId3"/>
+          <a:stretch>
+            <a:fillRect/>
+          </a:stretch>
+        </p:blipFill>
+        <p:spPr>
+          <a:xfrm>
+            <a:off x="2349612" y="3729273"/>
+            <a:ext cx="360745" cy="351100"/>
+          </a:xfrm>
+          <a:prstGeom prst="rect">
+            <a:avLst/>
+          </a:prstGeom>
+        </p:spPr>
+      </p:pic>
+      <p:pic>
+        <p:nvPicPr>
+          <p:cNvPr id="3" name="Picture 9" descr="Icon&#10;&#10;Description automatically generated">
+            <a:extLst>
+              <a:ext uri="{FF2B5EF4-FFF2-40B4-BE49-F238E27FC236}">
+                <a16:creationId xmlns:a16="http://schemas.microsoft.com/office/drawing/2014/main" id="{ADA9468D-30FE-4B0D-8B94-78BEC3D7975F}"/>
+              </a:ext>
+            </a:extLst>
+          </p:cNvPr>
+          <p:cNvPicPr>
+            <a:picLocks noChangeAspect="1"/>
+          </p:cNvPicPr>
+          <p:nvPr/>
+        </p:nvPicPr>
+        <p:blipFill>
+          <a:blip r:embed="rId3"/>
+          <a:stretch>
+            <a:fillRect/>
+          </a:stretch>
+        </p:blipFill>
+        <p:spPr>
+          <a:xfrm>
+            <a:off x="9185472" y="3164614"/>
             <a:ext cx="360745" cy="351100"/>
           </a:xfrm>
           <a:prstGeom prst="rect">
@@ -6999,10 +6999,10 @@
       </p:pic>
       <p:pic>
         <p:nvPicPr>
-          <p:cNvPr id="6" name="Picture 11" descr="Icon&#10;&#10;Description automatically generated">
-            <a:extLst>
-              <a:ext uri="{FF2B5EF4-FFF2-40B4-BE49-F238E27FC236}">
-                <a16:creationId xmlns:a16="http://schemas.microsoft.com/office/drawing/2014/main" id="{C5134A0C-2F9D-461C-AA98-D0EC18B9D36C}"/>
+          <p:cNvPr id="7" name="Picture 15" descr="Icon&#10;&#10;Description automatically generated">
+            <a:extLst>
+              <a:ext uri="{FF2B5EF4-FFF2-40B4-BE49-F238E27FC236}">
+                <a16:creationId xmlns:a16="http://schemas.microsoft.com/office/drawing/2014/main" id="{4414CAE9-7D55-4DA0-9A44-BA397F67C2BD}"/>
               </a:ext>
             </a:extLst>
           </p:cNvPr>
@@ -7019,36 +7019,6 @@
         </p:blipFill>
         <p:spPr>
           <a:xfrm>
-            <a:off x="3200400" y="6031375"/>
-            <a:ext cx="283580" cy="273935"/>
-          </a:xfrm>
-          <a:prstGeom prst="rect">
-            <a:avLst/>
-          </a:prstGeom>
-        </p:spPr>
-      </p:pic>
-      <p:pic>
-        <p:nvPicPr>
-          <p:cNvPr id="7" name="Picture 15" descr="Icon&#10;&#10;Description automatically generated">
-            <a:extLst>
-              <a:ext uri="{FF2B5EF4-FFF2-40B4-BE49-F238E27FC236}">
-                <a16:creationId xmlns:a16="http://schemas.microsoft.com/office/drawing/2014/main" id="{4414CAE9-7D55-4DA0-9A44-BA397F67C2BD}"/>
-              </a:ext>
-            </a:extLst>
-          </p:cNvPr>
-          <p:cNvPicPr>
-            <a:picLocks noChangeAspect="1"/>
-          </p:cNvPicPr>
-          <p:nvPr/>
-        </p:nvPicPr>
-        <p:blipFill>
-          <a:blip r:embed="rId5"/>
-          <a:stretch>
-            <a:fillRect/>
-          </a:stretch>
-        </p:blipFill>
-        <p:spPr>
-          <a:xfrm>
             <a:off x="6190524" y="4922133"/>
             <a:ext cx="312517" cy="302871"/>
           </a:xfrm>
@@ -7179,10 +7149,10 @@
       </p:pic>
       <p:pic>
         <p:nvPicPr>
-          <p:cNvPr id="25" name="Picture 15" descr="Icon&#10;&#10;Description automatically generated">
-            <a:extLst>
-              <a:ext uri="{FF2B5EF4-FFF2-40B4-BE49-F238E27FC236}">
-                <a16:creationId xmlns:a16="http://schemas.microsoft.com/office/drawing/2014/main" id="{4437882C-E62D-447C-A114-B1731AD2BAB1}"/>
+          <p:cNvPr id="8" name="Picture 9" descr="Icon&#10;&#10;Description automatically generated">
+            <a:extLst>
+              <a:ext uri="{FF2B5EF4-FFF2-40B4-BE49-F238E27FC236}">
+                <a16:creationId xmlns:a16="http://schemas.microsoft.com/office/drawing/2014/main" id="{B4B370D7-8D8B-43D6-846D-09FF44CA9EF9}"/>
               </a:ext>
             </a:extLst>
           </p:cNvPr>
@@ -7192,15 +7162,15 @@
           <p:nvPr/>
         </p:nvPicPr>
         <p:blipFill>
-          <a:blip r:embed="rId5"/>
+          <a:blip r:embed="rId3"/>
           <a:stretch>
             <a:fillRect/>
           </a:stretch>
         </p:blipFill>
         <p:spPr>
           <a:xfrm>
-            <a:off x="6894650" y="3427069"/>
-            <a:ext cx="312517" cy="302871"/>
+            <a:off x="10106626" y="543045"/>
+            <a:ext cx="360745" cy="351100"/>
           </a:xfrm>
           <a:prstGeom prst="rect">
             <a:avLst/>
@@ -7209,10 +7179,10 @@
       </p:pic>
       <p:pic>
         <p:nvPicPr>
-          <p:cNvPr id="26" name="Picture 11" descr="Icon&#10;&#10;Description automatically generated">
-            <a:extLst>
-              <a:ext uri="{FF2B5EF4-FFF2-40B4-BE49-F238E27FC236}">
-                <a16:creationId xmlns:a16="http://schemas.microsoft.com/office/drawing/2014/main" id="{7B44414F-0D31-4540-AF2A-0057132619AC}"/>
+          <p:cNvPr id="9" name="Picture 15" descr="Icon&#10;&#10;Description automatically generated">
+            <a:extLst>
+              <a:ext uri="{FF2B5EF4-FFF2-40B4-BE49-F238E27FC236}">
+                <a16:creationId xmlns:a16="http://schemas.microsoft.com/office/drawing/2014/main" id="{6D351F39-0186-491B-89C4-35C6D9498A2A}"/>
               </a:ext>
             </a:extLst>
           </p:cNvPr>
@@ -7229,8 +7199,8 @@
         </p:blipFill>
         <p:spPr>
           <a:xfrm>
-            <a:off x="4232474" y="3812893"/>
-            <a:ext cx="283580" cy="273935"/>
+            <a:off x="10125917" y="1411145"/>
+            <a:ext cx="322162" cy="293226"/>
           </a:xfrm>
           <a:prstGeom prst="rect">
             <a:avLst/>
@@ -7239,70 +7209,10 @@
       </p:pic>
       <p:pic>
         <p:nvPicPr>
-          <p:cNvPr id="27" name="Picture 11" descr="Icon&#10;&#10;Description automatically generated">
-            <a:extLst>
-              <a:ext uri="{FF2B5EF4-FFF2-40B4-BE49-F238E27FC236}">
-                <a16:creationId xmlns:a16="http://schemas.microsoft.com/office/drawing/2014/main" id="{8E0B1506-FD28-427C-BE61-6DC22ABEC9B0}"/>
-              </a:ext>
-            </a:extLst>
-          </p:cNvPr>
-          <p:cNvPicPr>
-            <a:picLocks noChangeAspect="1"/>
-          </p:cNvPicPr>
-          <p:nvPr/>
-        </p:nvPicPr>
-        <p:blipFill>
-          <a:blip r:embed="rId4"/>
-          <a:stretch>
-            <a:fillRect/>
-          </a:stretch>
-        </p:blipFill>
-        <p:spPr>
-          <a:xfrm>
-            <a:off x="8862347" y="3050892"/>
-            <a:ext cx="283580" cy="273935"/>
-          </a:xfrm>
-          <a:prstGeom prst="rect">
-            <a:avLst/>
-          </a:prstGeom>
-        </p:spPr>
-      </p:pic>
-      <p:pic>
-        <p:nvPicPr>
-          <p:cNvPr id="8" name="Picture 9" descr="Icon&#10;&#10;Description automatically generated">
-            <a:extLst>
-              <a:ext uri="{FF2B5EF4-FFF2-40B4-BE49-F238E27FC236}">
-                <a16:creationId xmlns:a16="http://schemas.microsoft.com/office/drawing/2014/main" id="{B4B370D7-8D8B-43D6-846D-09FF44CA9EF9}"/>
-              </a:ext>
-            </a:extLst>
-          </p:cNvPr>
-          <p:cNvPicPr>
-            <a:picLocks noChangeAspect="1"/>
-          </p:cNvPicPr>
-          <p:nvPr/>
-        </p:nvPicPr>
-        <p:blipFill>
-          <a:blip r:embed="rId3"/>
-          <a:stretch>
-            <a:fillRect/>
-          </a:stretch>
-        </p:blipFill>
-        <p:spPr>
-          <a:xfrm>
-            <a:off x="10106626" y="543045"/>
-            <a:ext cx="360745" cy="351100"/>
-          </a:xfrm>
-          <a:prstGeom prst="rect">
-            <a:avLst/>
-          </a:prstGeom>
-        </p:spPr>
-      </p:pic>
-      <p:pic>
-        <p:nvPicPr>
-          <p:cNvPr id="9" name="Picture 15" descr="Icon&#10;&#10;Description automatically generated">
-            <a:extLst>
-              <a:ext uri="{FF2B5EF4-FFF2-40B4-BE49-F238E27FC236}">
-                <a16:creationId xmlns:a16="http://schemas.microsoft.com/office/drawing/2014/main" id="{6D351F39-0186-491B-89C4-35C6D9498A2A}"/>
+          <p:cNvPr id="10" name="Picture 11" descr="Icon&#10;&#10;Description automatically generated">
+            <a:extLst>
+              <a:ext uri="{FF2B5EF4-FFF2-40B4-BE49-F238E27FC236}">
+                <a16:creationId xmlns:a16="http://schemas.microsoft.com/office/drawing/2014/main" id="{EF99B988-4C33-4092-9CBA-B35B2DD50C56}"/>
               </a:ext>
             </a:extLst>
           </p:cNvPr>
@@ -7313,36 +7223,6 @@
         </p:nvPicPr>
         <p:blipFill>
           <a:blip r:embed="rId5"/>
-          <a:stretch>
-            <a:fillRect/>
-          </a:stretch>
-        </p:blipFill>
-        <p:spPr>
-          <a:xfrm>
-            <a:off x="10125917" y="1411145"/>
-            <a:ext cx="322162" cy="293226"/>
-          </a:xfrm>
-          <a:prstGeom prst="rect">
-            <a:avLst/>
-          </a:prstGeom>
-        </p:spPr>
-      </p:pic>
-      <p:pic>
-        <p:nvPicPr>
-          <p:cNvPr id="10" name="Picture 11" descr="Icon&#10;&#10;Description automatically generated">
-            <a:extLst>
-              <a:ext uri="{FF2B5EF4-FFF2-40B4-BE49-F238E27FC236}">
-                <a16:creationId xmlns:a16="http://schemas.microsoft.com/office/drawing/2014/main" id="{EF99B988-4C33-4092-9CBA-B35B2DD50C56}"/>
-              </a:ext>
-            </a:extLst>
-          </p:cNvPr>
-          <p:cNvPicPr>
-            <a:picLocks noChangeAspect="1"/>
-          </p:cNvPicPr>
-          <p:nvPr/>
-        </p:nvPicPr>
-        <p:blipFill>
-          <a:blip r:embed="rId4"/>
           <a:stretch>
             <a:fillRect/>
           </a:stretch>
@@ -7518,6 +7398,126 @@
         <p:spPr>
           <a:xfrm>
             <a:off x="3158288" y="5654467"/>
+            <a:ext cx="360745" cy="351100"/>
+          </a:xfrm>
+          <a:prstGeom prst="rect">
+            <a:avLst/>
+          </a:prstGeom>
+        </p:spPr>
+      </p:pic>
+      <p:pic>
+        <p:nvPicPr>
+          <p:cNvPr id="2" name="Picture 9" descr="Icon&#10;&#10;Description automatically generated">
+            <a:extLst>
+              <a:ext uri="{FF2B5EF4-FFF2-40B4-BE49-F238E27FC236}">
+                <a16:creationId xmlns:a16="http://schemas.microsoft.com/office/drawing/2014/main" id="{0856C06D-C6C0-4736-9D2E-6E4B3F21B1DD}"/>
+              </a:ext>
+            </a:extLst>
+          </p:cNvPr>
+          <p:cNvPicPr>
+            <a:picLocks noChangeAspect="1"/>
+          </p:cNvPicPr>
+          <p:nvPr/>
+        </p:nvPicPr>
+        <p:blipFill>
+          <a:blip r:embed="rId3"/>
+          <a:stretch>
+            <a:fillRect/>
+          </a:stretch>
+        </p:blipFill>
+        <p:spPr>
+          <a:xfrm>
+            <a:off x="8820872" y="2978289"/>
+            <a:ext cx="360745" cy="351100"/>
+          </a:xfrm>
+          <a:prstGeom prst="rect">
+            <a:avLst/>
+          </a:prstGeom>
+        </p:spPr>
+      </p:pic>
+      <p:pic>
+        <p:nvPicPr>
+          <p:cNvPr id="4" name="Picture 9" descr="Icon&#10;&#10;Description automatically generated">
+            <a:extLst>
+              <a:ext uri="{FF2B5EF4-FFF2-40B4-BE49-F238E27FC236}">
+                <a16:creationId xmlns:a16="http://schemas.microsoft.com/office/drawing/2014/main" id="{A0DAC361-A4FF-47EF-ADB9-203C127C86AC}"/>
+              </a:ext>
+            </a:extLst>
+          </p:cNvPr>
+          <p:cNvPicPr>
+            <a:picLocks noChangeAspect="1"/>
+          </p:cNvPicPr>
+          <p:nvPr/>
+        </p:nvPicPr>
+        <p:blipFill>
+          <a:blip r:embed="rId3"/>
+          <a:stretch>
+            <a:fillRect/>
+          </a:stretch>
+        </p:blipFill>
+        <p:spPr>
+          <a:xfrm>
+            <a:off x="6930289" y="3410748"/>
+            <a:ext cx="360745" cy="351100"/>
+          </a:xfrm>
+          <a:prstGeom prst="rect">
+            <a:avLst/>
+          </a:prstGeom>
+        </p:spPr>
+      </p:pic>
+      <p:pic>
+        <p:nvPicPr>
+          <p:cNvPr id="13" name="Picture 9" descr="Icon&#10;&#10;Description automatically generated">
+            <a:extLst>
+              <a:ext uri="{FF2B5EF4-FFF2-40B4-BE49-F238E27FC236}">
+                <a16:creationId xmlns:a16="http://schemas.microsoft.com/office/drawing/2014/main" id="{DBFD0A3D-ECB3-437A-A3C0-FD7A7FF022A0}"/>
+              </a:ext>
+            </a:extLst>
+          </p:cNvPr>
+          <p:cNvPicPr>
+            <a:picLocks noChangeAspect="1"/>
+          </p:cNvPicPr>
+          <p:nvPr/>
+        </p:nvPicPr>
+        <p:blipFill>
+          <a:blip r:embed="rId3"/>
+          <a:stretch>
+            <a:fillRect/>
+          </a:stretch>
+        </p:blipFill>
+        <p:spPr>
+          <a:xfrm>
+            <a:off x="4263138" y="3761848"/>
+            <a:ext cx="360745" cy="351100"/>
+          </a:xfrm>
+          <a:prstGeom prst="rect">
+            <a:avLst/>
+          </a:prstGeom>
+        </p:spPr>
+      </p:pic>
+      <p:pic>
+        <p:nvPicPr>
+          <p:cNvPr id="15" name="Picture 9" descr="Icon&#10;&#10;Description automatically generated">
+            <a:extLst>
+              <a:ext uri="{FF2B5EF4-FFF2-40B4-BE49-F238E27FC236}">
+                <a16:creationId xmlns:a16="http://schemas.microsoft.com/office/drawing/2014/main" id="{1FA75C6B-5149-4971-B8B1-884B4D818C59}"/>
+              </a:ext>
+            </a:extLst>
+          </p:cNvPr>
+          <p:cNvPicPr>
+            <a:picLocks noChangeAspect="1"/>
+          </p:cNvPicPr>
+          <p:nvPr/>
+        </p:nvPicPr>
+        <p:blipFill>
+          <a:blip r:embed="rId3"/>
+          <a:stretch>
+            <a:fillRect/>
+          </a:stretch>
+        </p:blipFill>
+        <p:spPr>
+          <a:xfrm>
+            <a:off x="3158288" y="5994480"/>
             <a:ext cx="360745" cy="351100"/>
           </a:xfrm>
           <a:prstGeom prst="rect">

--- a/Documentação/Orientações/Orientações.pptx
+++ b/Documentação/Orientações/Orientações.pptx
@@ -279,7 +279,7 @@
           <a:p>
             <a:fld id="{02AC24A9-CCB6-4F8D-B8DB-C2F3692CFA5A}" type="datetimeFigureOut">
               <a:rPr lang="en-US" smtClean="0"/>
-              <a:t>10/10/2020</a:t>
+              <a:t>10/13/2020</a:t>
             </a:fld>
             <a:endParaRPr lang="en-US" dirty="0"/>
           </a:p>
@@ -649,7 +649,7 @@
           <a:p>
             <a:fld id="{02AC24A9-CCB6-4F8D-B8DB-C2F3692CFA5A}" type="datetimeFigureOut">
               <a:rPr lang="en-US" smtClean="0"/>
-              <a:t>10/10/2020</a:t>
+              <a:t>10/13/2020</a:t>
             </a:fld>
             <a:endParaRPr lang="en-US"/>
           </a:p>
@@ -858,7 +858,7 @@
           <a:p>
             <a:fld id="{02AC24A9-CCB6-4F8D-B8DB-C2F3692CFA5A}" type="datetimeFigureOut">
               <a:rPr lang="en-US" smtClean="0"/>
-              <a:t>10/10/2020</a:t>
+              <a:t>10/13/2020</a:t>
             </a:fld>
             <a:endParaRPr lang="en-US"/>
           </a:p>
@@ -1328,7 +1328,7 @@
           <a:p>
             <a:fld id="{02AC24A9-CCB6-4F8D-B8DB-C2F3692CFA5A}" type="datetimeFigureOut">
               <a:rPr lang="en-US" smtClean="0"/>
-              <a:t>10/10/2020</a:t>
+              <a:t>10/13/2020</a:t>
             </a:fld>
             <a:endParaRPr lang="en-US"/>
           </a:p>
@@ -1782,7 +1782,7 @@
           <a:p>
             <a:fld id="{02AC24A9-CCB6-4F8D-B8DB-C2F3692CFA5A}" type="datetimeFigureOut">
               <a:rPr lang="en-US" smtClean="0"/>
-              <a:t>10/10/2020</a:t>
+              <a:t>10/13/2020</a:t>
             </a:fld>
             <a:endParaRPr lang="en-US"/>
           </a:p>
@@ -2314,7 +2314,7 @@
           <a:p>
             <a:fld id="{02AC24A9-CCB6-4F8D-B8DB-C2F3692CFA5A}" type="datetimeFigureOut">
               <a:rPr lang="en-US" smtClean="0"/>
-              <a:t>10/10/2020</a:t>
+              <a:t>10/13/2020</a:t>
             </a:fld>
             <a:endParaRPr lang="en-US"/>
           </a:p>
@@ -3013,7 +3013,7 @@
           <a:p>
             <a:fld id="{02AC24A9-CCB6-4F8D-B8DB-C2F3692CFA5A}" type="datetimeFigureOut">
               <a:rPr lang="en-US" smtClean="0"/>
-              <a:t>10/10/2020</a:t>
+              <a:t>10/13/2020</a:t>
             </a:fld>
             <a:endParaRPr lang="en-US"/>
           </a:p>
@@ -3342,7 +3342,7 @@
           <a:p>
             <a:fld id="{02AC24A9-CCB6-4F8D-B8DB-C2F3692CFA5A}" type="datetimeFigureOut">
               <a:rPr lang="en-US" smtClean="0"/>
-              <a:t>10/10/2020</a:t>
+              <a:t>10/13/2020</a:t>
             </a:fld>
             <a:endParaRPr lang="en-US"/>
           </a:p>
@@ -3455,7 +3455,7 @@
           <a:p>
             <a:fld id="{02AC24A9-CCB6-4F8D-B8DB-C2F3692CFA5A}" type="datetimeFigureOut">
               <a:rPr lang="en-US" smtClean="0"/>
-              <a:t>10/10/2020</a:t>
+              <a:t>10/13/2020</a:t>
             </a:fld>
             <a:endParaRPr lang="en-US"/>
           </a:p>
@@ -3950,7 +3950,7 @@
           <a:p>
             <a:fld id="{02AC24A9-CCB6-4F8D-B8DB-C2F3692CFA5A}" type="datetimeFigureOut">
               <a:rPr lang="en-US" smtClean="0"/>
-              <a:t>10/10/2020</a:t>
+              <a:t>10/13/2020</a:t>
             </a:fld>
             <a:endParaRPr lang="en-US" dirty="0"/>
           </a:p>
@@ -4427,7 +4427,7 @@
           <a:p>
             <a:fld id="{02AC24A9-CCB6-4F8D-B8DB-C2F3692CFA5A}" type="datetimeFigureOut">
               <a:rPr lang="en-US" smtClean="0"/>
-              <a:t>10/10/2020</a:t>
+              <a:t>10/13/2020</a:t>
             </a:fld>
             <a:endParaRPr lang="en-US"/>
           </a:p>
@@ -4670,7 +4670,7 @@
           <a:p>
             <a:fld id="{02AC24A9-CCB6-4F8D-B8DB-C2F3692CFA5A}" type="datetimeFigureOut">
               <a:rPr lang="en-US" smtClean="0"/>
-              <a:t>10/10/2020</a:t>
+              <a:t>10/13/2020</a:t>
             </a:fld>
             <a:endParaRPr lang="en-US"/>
           </a:p>

--- a/Documentação/Orientações/Orientações.pptx
+++ b/Documentação/Orientações/Orientações.pptx
@@ -279,7 +279,7 @@
           <a:p>
             <a:fld id="{02AC24A9-CCB6-4F8D-B8DB-C2F3692CFA5A}" type="datetimeFigureOut">
               <a:rPr lang="en-US" smtClean="0"/>
-              <a:t>10/13/2020</a:t>
+              <a:t>10/15/2020</a:t>
             </a:fld>
             <a:endParaRPr lang="en-US" dirty="0"/>
           </a:p>
@@ -649,7 +649,7 @@
           <a:p>
             <a:fld id="{02AC24A9-CCB6-4F8D-B8DB-C2F3692CFA5A}" type="datetimeFigureOut">
               <a:rPr lang="en-US" smtClean="0"/>
-              <a:t>10/13/2020</a:t>
+              <a:t>10/15/2020</a:t>
             </a:fld>
             <a:endParaRPr lang="en-US"/>
           </a:p>
@@ -858,7 +858,7 @@
           <a:p>
             <a:fld id="{02AC24A9-CCB6-4F8D-B8DB-C2F3692CFA5A}" type="datetimeFigureOut">
               <a:rPr lang="en-US" smtClean="0"/>
-              <a:t>10/13/2020</a:t>
+              <a:t>10/15/2020</a:t>
             </a:fld>
             <a:endParaRPr lang="en-US"/>
           </a:p>
@@ -1328,7 +1328,7 @@
           <a:p>
             <a:fld id="{02AC24A9-CCB6-4F8D-B8DB-C2F3692CFA5A}" type="datetimeFigureOut">
               <a:rPr lang="en-US" smtClean="0"/>
-              <a:t>10/13/2020</a:t>
+              <a:t>10/15/2020</a:t>
             </a:fld>
             <a:endParaRPr lang="en-US"/>
           </a:p>
@@ -1782,7 +1782,7 @@
           <a:p>
             <a:fld id="{02AC24A9-CCB6-4F8D-B8DB-C2F3692CFA5A}" type="datetimeFigureOut">
               <a:rPr lang="en-US" smtClean="0"/>
-              <a:t>10/13/2020</a:t>
+              <a:t>10/15/2020</a:t>
             </a:fld>
             <a:endParaRPr lang="en-US"/>
           </a:p>
@@ -2314,7 +2314,7 @@
           <a:p>
             <a:fld id="{02AC24A9-CCB6-4F8D-B8DB-C2F3692CFA5A}" type="datetimeFigureOut">
               <a:rPr lang="en-US" smtClean="0"/>
-              <a:t>10/13/2020</a:t>
+              <a:t>10/15/2020</a:t>
             </a:fld>
             <a:endParaRPr lang="en-US"/>
           </a:p>
@@ -3013,7 +3013,7 @@
           <a:p>
             <a:fld id="{02AC24A9-CCB6-4F8D-B8DB-C2F3692CFA5A}" type="datetimeFigureOut">
               <a:rPr lang="en-US" smtClean="0"/>
-              <a:t>10/13/2020</a:t>
+              <a:t>10/15/2020</a:t>
             </a:fld>
             <a:endParaRPr lang="en-US"/>
           </a:p>
@@ -3342,7 +3342,7 @@
           <a:p>
             <a:fld id="{02AC24A9-CCB6-4F8D-B8DB-C2F3692CFA5A}" type="datetimeFigureOut">
               <a:rPr lang="en-US" smtClean="0"/>
-              <a:t>10/13/2020</a:t>
+              <a:t>10/15/2020</a:t>
             </a:fld>
             <a:endParaRPr lang="en-US"/>
           </a:p>
@@ -3455,7 +3455,7 @@
           <a:p>
             <a:fld id="{02AC24A9-CCB6-4F8D-B8DB-C2F3692CFA5A}" type="datetimeFigureOut">
               <a:rPr lang="en-US" smtClean="0"/>
-              <a:t>10/13/2020</a:t>
+              <a:t>10/15/2020</a:t>
             </a:fld>
             <a:endParaRPr lang="en-US"/>
           </a:p>
@@ -3950,7 +3950,7 @@
           <a:p>
             <a:fld id="{02AC24A9-CCB6-4F8D-B8DB-C2F3692CFA5A}" type="datetimeFigureOut">
               <a:rPr lang="en-US" smtClean="0"/>
-              <a:t>10/13/2020</a:t>
+              <a:t>10/15/2020</a:t>
             </a:fld>
             <a:endParaRPr lang="en-US" dirty="0"/>
           </a:p>
@@ -4427,7 +4427,7 @@
           <a:p>
             <a:fld id="{02AC24A9-CCB6-4F8D-B8DB-C2F3692CFA5A}" type="datetimeFigureOut">
               <a:rPr lang="en-US" smtClean="0"/>
-              <a:t>10/13/2020</a:t>
+              <a:t>10/15/2020</a:t>
             </a:fld>
             <a:endParaRPr lang="en-US"/>
           </a:p>
@@ -4670,7 +4670,7 @@
           <a:p>
             <a:fld id="{02AC24A9-CCB6-4F8D-B8DB-C2F3692CFA5A}" type="datetimeFigureOut">
               <a:rPr lang="en-US" smtClean="0"/>
-              <a:t>10/13/2020</a:t>
+              <a:t>10/15/2020</a:t>
             </a:fld>
             <a:endParaRPr lang="en-US"/>
           </a:p>
@@ -5937,66 +5937,6 @@
       </p:sp>
       <p:pic>
         <p:nvPicPr>
-          <p:cNvPr id="14" name="Picture 15" descr="Icon&#10;&#10;Description automatically generated">
-            <a:extLst>
-              <a:ext uri="{FF2B5EF4-FFF2-40B4-BE49-F238E27FC236}">
-                <a16:creationId xmlns:a16="http://schemas.microsoft.com/office/drawing/2014/main" id="{289127C1-275B-4572-8E48-FDA343BD1738}"/>
-              </a:ext>
-            </a:extLst>
-          </p:cNvPr>
-          <p:cNvPicPr>
-            <a:picLocks noChangeAspect="1"/>
-          </p:cNvPicPr>
-          <p:nvPr/>
-        </p:nvPicPr>
-        <p:blipFill>
-          <a:blip r:embed="rId4"/>
-          <a:stretch>
-            <a:fillRect/>
-          </a:stretch>
-        </p:blipFill>
-        <p:spPr>
-          <a:xfrm>
-            <a:off x="10714298" y="2086337"/>
-            <a:ext cx="312517" cy="302871"/>
-          </a:xfrm>
-          <a:prstGeom prst="rect">
-            <a:avLst/>
-          </a:prstGeom>
-        </p:spPr>
-      </p:pic>
-      <p:pic>
-        <p:nvPicPr>
-          <p:cNvPr id="34" name="Picture 15" descr="Icon&#10;&#10;Description automatically generated">
-            <a:extLst>
-              <a:ext uri="{FF2B5EF4-FFF2-40B4-BE49-F238E27FC236}">
-                <a16:creationId xmlns:a16="http://schemas.microsoft.com/office/drawing/2014/main" id="{5A551499-B81A-4724-8AE8-772FFF274CE7}"/>
-              </a:ext>
-            </a:extLst>
-          </p:cNvPr>
-          <p:cNvPicPr>
-            <a:picLocks noChangeAspect="1"/>
-          </p:cNvPicPr>
-          <p:nvPr/>
-        </p:nvPicPr>
-        <p:blipFill>
-          <a:blip r:embed="rId4"/>
-          <a:stretch>
-            <a:fillRect/>
-          </a:stretch>
-        </p:blipFill>
-        <p:spPr>
-          <a:xfrm>
-            <a:off x="10145209" y="2423931"/>
-            <a:ext cx="312517" cy="302871"/>
-          </a:xfrm>
-          <a:prstGeom prst="rect">
-            <a:avLst/>
-          </a:prstGeom>
-        </p:spPr>
-      </p:pic>
-      <p:pic>
-        <p:nvPicPr>
           <p:cNvPr id="40" name="Picture 9" descr="Icon&#10;&#10;Description automatically generated">
             <a:extLst>
               <a:ext uri="{FF2B5EF4-FFF2-40B4-BE49-F238E27FC236}">
@@ -6049,36 +5989,6 @@
           <a:xfrm>
             <a:off x="8881639" y="4507374"/>
             <a:ext cx="360745" cy="351100"/>
-          </a:xfrm>
-          <a:prstGeom prst="rect">
-            <a:avLst/>
-          </a:prstGeom>
-        </p:spPr>
-      </p:pic>
-      <p:pic>
-        <p:nvPicPr>
-          <p:cNvPr id="49" name="Picture 15" descr="Icon&#10;&#10;Description automatically generated">
-            <a:extLst>
-              <a:ext uri="{FF2B5EF4-FFF2-40B4-BE49-F238E27FC236}">
-                <a16:creationId xmlns:a16="http://schemas.microsoft.com/office/drawing/2014/main" id="{37EC6A88-389D-4937-8EB4-93609411D2BE}"/>
-              </a:ext>
-            </a:extLst>
-          </p:cNvPr>
-          <p:cNvPicPr>
-            <a:picLocks noChangeAspect="1"/>
-          </p:cNvPicPr>
-          <p:nvPr/>
-        </p:nvPicPr>
-        <p:blipFill>
-          <a:blip r:embed="rId4"/>
-          <a:stretch>
-            <a:fillRect/>
-          </a:stretch>
-        </p:blipFill>
-        <p:spPr>
-          <a:xfrm>
-            <a:off x="8881638" y="6002437"/>
-            <a:ext cx="312517" cy="302871"/>
           </a:xfrm>
           <a:prstGeom prst="rect">
             <a:avLst/>
@@ -6455,38 +6365,8 @@
         </p:blipFill>
         <p:spPr>
           <a:xfrm>
-            <a:off x="10684487" y="4872596"/>
+            <a:off x="10684487" y="4922024"/>
             <a:ext cx="283580" cy="273935"/>
-          </a:xfrm>
-          <a:prstGeom prst="rect">
-            <a:avLst/>
-          </a:prstGeom>
-        </p:spPr>
-      </p:pic>
-      <p:pic>
-        <p:nvPicPr>
-          <p:cNvPr id="58" name="Picture 15" descr="Icon&#10;&#10;Description automatically generated">
-            <a:extLst>
-              <a:ext uri="{FF2B5EF4-FFF2-40B4-BE49-F238E27FC236}">
-                <a16:creationId xmlns:a16="http://schemas.microsoft.com/office/drawing/2014/main" id="{C9C79A4F-9100-49CE-B7B5-A01823F33F54}"/>
-              </a:ext>
-            </a:extLst>
-          </p:cNvPr>
-          <p:cNvPicPr>
-            <a:picLocks noChangeAspect="1"/>
-          </p:cNvPicPr>
-          <p:nvPr/>
-        </p:nvPicPr>
-        <p:blipFill>
-          <a:blip r:embed="rId4"/>
-          <a:stretch>
-            <a:fillRect/>
-          </a:stretch>
-        </p:blipFill>
-        <p:spPr>
-          <a:xfrm>
-            <a:off x="10715335" y="3552773"/>
-            <a:ext cx="322162" cy="293226"/>
           </a:xfrm>
           <a:prstGeom prst="rect">
             <a:avLst/>
@@ -6545,8 +6425,8 @@
         </p:blipFill>
         <p:spPr>
           <a:xfrm>
-            <a:off x="11180891" y="5167962"/>
-            <a:ext cx="360745" cy="351100"/>
+            <a:off x="11180812" y="5258063"/>
+            <a:ext cx="327950" cy="319182"/>
           </a:xfrm>
           <a:prstGeom prst="rect">
             <a:avLst/>
@@ -6575,8 +6455,8 @@
         </p:blipFill>
         <p:spPr>
           <a:xfrm>
-            <a:off x="9860451" y="5527240"/>
-            <a:ext cx="360745" cy="351100"/>
+            <a:off x="9860372" y="5617341"/>
+            <a:ext cx="327950" cy="319182"/>
           </a:xfrm>
           <a:prstGeom prst="rect">
             <a:avLst/>
@@ -6643,6 +6523,162 @@
           </a:prstGeom>
         </p:spPr>
       </p:pic>
+      <p:sp>
+        <p:nvSpPr>
+          <p:cNvPr id="13" name="Rectangle 12">
+            <a:extLst>
+              <a:ext uri="{FF2B5EF4-FFF2-40B4-BE49-F238E27FC236}">
+                <a16:creationId xmlns:a16="http://schemas.microsoft.com/office/drawing/2014/main" id="{817C4192-73F7-4C9F-AF6A-149C6B90EEA8}"/>
+              </a:ext>
+            </a:extLst>
+          </p:cNvPr>
+          <p:cNvSpPr/>
+          <p:nvPr/>
+        </p:nvSpPr>
+        <p:spPr>
+          <a:xfrm>
+            <a:off x="5422564" y="3670720"/>
+            <a:ext cx="5758248" cy="45719"/>
+          </a:xfrm>
+          <a:prstGeom prst="rect">
+            <a:avLst/>
+          </a:prstGeom>
+          <a:solidFill>
+            <a:srgbClr val="00B050"/>
+          </a:solidFill>
+          <a:ln>
+            <a:noFill/>
+          </a:ln>
+        </p:spPr>
+        <p:style>
+          <a:lnRef idx="2">
+            <a:schemeClr val="accent1">
+              <a:shade val="50000"/>
+            </a:schemeClr>
+          </a:lnRef>
+          <a:fillRef idx="1">
+            <a:schemeClr val="accent1"/>
+          </a:fillRef>
+          <a:effectRef idx="0">
+            <a:schemeClr val="accent1"/>
+          </a:effectRef>
+          <a:fontRef idx="minor">
+            <a:schemeClr val="lt1"/>
+          </a:fontRef>
+        </p:style>
+        <p:txBody>
+          <a:bodyPr rtlCol="0" anchor="ctr"/>
+          <a:lstStyle/>
+          <a:p>
+            <a:pPr algn="ctr"/>
+            <a:endParaRPr lang="pt-BR"/>
+          </a:p>
+        </p:txBody>
+      </p:sp>
+      <p:sp>
+        <p:nvSpPr>
+          <p:cNvPr id="15" name="Rectangle 14">
+            <a:extLst>
+              <a:ext uri="{FF2B5EF4-FFF2-40B4-BE49-F238E27FC236}">
+                <a16:creationId xmlns:a16="http://schemas.microsoft.com/office/drawing/2014/main" id="{6310B8D3-5933-430D-BC76-878B954D9032}"/>
+              </a:ext>
+            </a:extLst>
+          </p:cNvPr>
+          <p:cNvSpPr/>
+          <p:nvPr/>
+        </p:nvSpPr>
+        <p:spPr>
+          <a:xfrm>
+            <a:off x="5422564" y="2595408"/>
+            <a:ext cx="5758248" cy="45719"/>
+          </a:xfrm>
+          <a:prstGeom prst="rect">
+            <a:avLst/>
+          </a:prstGeom>
+          <a:solidFill>
+            <a:srgbClr val="00B050"/>
+          </a:solidFill>
+          <a:ln>
+            <a:noFill/>
+          </a:ln>
+        </p:spPr>
+        <p:style>
+          <a:lnRef idx="2">
+            <a:schemeClr val="accent1">
+              <a:shade val="50000"/>
+            </a:schemeClr>
+          </a:lnRef>
+          <a:fillRef idx="1">
+            <a:schemeClr val="accent1"/>
+          </a:fillRef>
+          <a:effectRef idx="0">
+            <a:schemeClr val="accent1"/>
+          </a:effectRef>
+          <a:fontRef idx="minor">
+            <a:schemeClr val="lt1"/>
+          </a:fontRef>
+        </p:style>
+        <p:txBody>
+          <a:bodyPr rtlCol="0" anchor="ctr"/>
+          <a:lstStyle/>
+          <a:p>
+            <a:pPr algn="ctr"/>
+            <a:endParaRPr lang="pt-BR"/>
+          </a:p>
+        </p:txBody>
+      </p:sp>
+      <p:sp>
+        <p:nvSpPr>
+          <p:cNvPr id="17" name="Rectangle 16">
+            <a:extLst>
+              <a:ext uri="{FF2B5EF4-FFF2-40B4-BE49-F238E27FC236}">
+                <a16:creationId xmlns:a16="http://schemas.microsoft.com/office/drawing/2014/main" id="{983B4702-F9A2-45AA-8182-5604900D9465}"/>
+              </a:ext>
+            </a:extLst>
+          </p:cNvPr>
+          <p:cNvSpPr/>
+          <p:nvPr/>
+        </p:nvSpPr>
+        <p:spPr>
+          <a:xfrm>
+            <a:off x="3913364" y="6128705"/>
+            <a:ext cx="5758248" cy="45719"/>
+          </a:xfrm>
+          <a:prstGeom prst="rect">
+            <a:avLst/>
+          </a:prstGeom>
+          <a:solidFill>
+            <a:srgbClr val="00B050"/>
+          </a:solidFill>
+          <a:ln>
+            <a:noFill/>
+          </a:ln>
+        </p:spPr>
+        <p:style>
+          <a:lnRef idx="2">
+            <a:schemeClr val="accent1">
+              <a:shade val="50000"/>
+            </a:schemeClr>
+          </a:lnRef>
+          <a:fillRef idx="1">
+            <a:schemeClr val="accent1"/>
+          </a:fillRef>
+          <a:effectRef idx="0">
+            <a:schemeClr val="accent1"/>
+          </a:effectRef>
+          <a:fontRef idx="minor">
+            <a:schemeClr val="lt1"/>
+          </a:fontRef>
+        </p:style>
+        <p:txBody>
+          <a:bodyPr rtlCol="0" anchor="ctr"/>
+          <a:lstStyle/>
+          <a:p>
+            <a:pPr algn="ctr"/>
+            <a:endParaRPr lang="pt-BR"/>
+          </a:p>
+        </p:txBody>
+      </p:sp>
     </p:spTree>
     <p:extLst>
       <p:ext uri="{BB962C8B-B14F-4D97-AF65-F5344CB8AC3E}">

--- a/Documentação/Orientações/Orientações.pptx
+++ b/Documentação/Orientações/Orientações.pptx
@@ -279,7 +279,7 @@
           <a:p>
             <a:fld id="{02AC24A9-CCB6-4F8D-B8DB-C2F3692CFA5A}" type="datetimeFigureOut">
               <a:rPr lang="en-US" smtClean="0"/>
-              <a:t>10/15/2020</a:t>
+              <a:t>10/9/2020</a:t>
             </a:fld>
             <a:endParaRPr lang="en-US" dirty="0"/>
           </a:p>
@@ -338,7 +338,7 @@
           <a:p>
             <a:fld id="{B2DC25EE-239B-4C5F-AAD1-255A7D5F1EE2}" type="slidenum">
               <a:rPr lang="en-US" smtClean="0"/>
-              <a:t>‹#›</a:t>
+              <a:t>‹nº›</a:t>
             </a:fld>
             <a:endParaRPr lang="en-US" dirty="0"/>
           </a:p>
@@ -649,7 +649,7 @@
           <a:p>
             <a:fld id="{02AC24A9-CCB6-4F8D-B8DB-C2F3692CFA5A}" type="datetimeFigureOut">
               <a:rPr lang="en-US" smtClean="0"/>
-              <a:t>10/15/2020</a:t>
+              <a:t>10/9/2020</a:t>
             </a:fld>
             <a:endParaRPr lang="en-US"/>
           </a:p>
@@ -703,7 +703,7 @@
           <a:p>
             <a:fld id="{B2DC25EE-239B-4C5F-AAD1-255A7D5F1EE2}" type="slidenum">
               <a:rPr lang="en-US" smtClean="0"/>
-              <a:t>‹#›</a:t>
+              <a:t>‹nº›</a:t>
             </a:fld>
             <a:endParaRPr lang="en-US"/>
           </a:p>
@@ -858,7 +858,7 @@
           <a:p>
             <a:fld id="{02AC24A9-CCB6-4F8D-B8DB-C2F3692CFA5A}" type="datetimeFigureOut">
               <a:rPr lang="en-US" smtClean="0"/>
-              <a:t>10/15/2020</a:t>
+              <a:t>10/9/2020</a:t>
             </a:fld>
             <a:endParaRPr lang="en-US"/>
           </a:p>
@@ -912,7 +912,7 @@
           <a:p>
             <a:fld id="{B2DC25EE-239B-4C5F-AAD1-255A7D5F1EE2}" type="slidenum">
               <a:rPr lang="en-US" smtClean="0"/>
-              <a:t>‹#›</a:t>
+              <a:t>‹nº›</a:t>
             </a:fld>
             <a:endParaRPr lang="en-US"/>
           </a:p>
@@ -1328,7 +1328,7 @@
           <a:p>
             <a:fld id="{02AC24A9-CCB6-4F8D-B8DB-C2F3692CFA5A}" type="datetimeFigureOut">
               <a:rPr lang="en-US" smtClean="0"/>
-              <a:t>10/15/2020</a:t>
+              <a:t>10/9/2020</a:t>
             </a:fld>
             <a:endParaRPr lang="en-US"/>
           </a:p>
@@ -1387,7 +1387,7 @@
           <a:p>
             <a:fld id="{B2DC25EE-239B-4C5F-AAD1-255A7D5F1EE2}" type="slidenum">
               <a:rPr lang="en-US" smtClean="0"/>
-              <a:t>‹#›</a:t>
+              <a:t>‹nº›</a:t>
             </a:fld>
             <a:endParaRPr lang="en-US"/>
           </a:p>
@@ -1782,7 +1782,7 @@
           <a:p>
             <a:fld id="{02AC24A9-CCB6-4F8D-B8DB-C2F3692CFA5A}" type="datetimeFigureOut">
               <a:rPr lang="en-US" smtClean="0"/>
-              <a:t>10/15/2020</a:t>
+              <a:t>10/9/2020</a:t>
             </a:fld>
             <a:endParaRPr lang="en-US"/>
           </a:p>
@@ -1836,7 +1836,7 @@
           <a:p>
             <a:fld id="{B2DC25EE-239B-4C5F-AAD1-255A7D5F1EE2}" type="slidenum">
               <a:rPr lang="en-US" smtClean="0"/>
-              <a:t>‹#›</a:t>
+              <a:t>‹nº›</a:t>
             </a:fld>
             <a:endParaRPr lang="en-US"/>
           </a:p>
@@ -2314,7 +2314,7 @@
           <a:p>
             <a:fld id="{02AC24A9-CCB6-4F8D-B8DB-C2F3692CFA5A}" type="datetimeFigureOut">
               <a:rPr lang="en-US" smtClean="0"/>
-              <a:t>10/15/2020</a:t>
+              <a:t>10/9/2020</a:t>
             </a:fld>
             <a:endParaRPr lang="en-US"/>
           </a:p>
@@ -2373,7 +2373,7 @@
           <a:p>
             <a:fld id="{B2DC25EE-239B-4C5F-AAD1-255A7D5F1EE2}" type="slidenum">
               <a:rPr lang="en-US" smtClean="0"/>
-              <a:t>‹#›</a:t>
+              <a:t>‹nº›</a:t>
             </a:fld>
             <a:endParaRPr lang="en-US"/>
           </a:p>
@@ -3013,7 +3013,7 @@
           <a:p>
             <a:fld id="{02AC24A9-CCB6-4F8D-B8DB-C2F3692CFA5A}" type="datetimeFigureOut">
               <a:rPr lang="en-US" smtClean="0"/>
-              <a:t>10/15/2020</a:t>
+              <a:t>10/9/2020</a:t>
             </a:fld>
             <a:endParaRPr lang="en-US"/>
           </a:p>
@@ -3072,7 +3072,7 @@
           <a:p>
             <a:fld id="{B2DC25EE-239B-4C5F-AAD1-255A7D5F1EE2}" type="slidenum">
               <a:rPr lang="en-US" smtClean="0"/>
-              <a:t>‹#›</a:t>
+              <a:t>‹nº›</a:t>
             </a:fld>
             <a:endParaRPr lang="en-US"/>
           </a:p>
@@ -3342,7 +3342,7 @@
           <a:p>
             <a:fld id="{02AC24A9-CCB6-4F8D-B8DB-C2F3692CFA5A}" type="datetimeFigureOut">
               <a:rPr lang="en-US" smtClean="0"/>
-              <a:t>10/15/2020</a:t>
+              <a:t>10/9/2020</a:t>
             </a:fld>
             <a:endParaRPr lang="en-US"/>
           </a:p>
@@ -3396,7 +3396,7 @@
           <a:p>
             <a:fld id="{B2DC25EE-239B-4C5F-AAD1-255A7D5F1EE2}" type="slidenum">
               <a:rPr lang="en-US" smtClean="0"/>
-              <a:t>‹#›</a:t>
+              <a:t>‹nº›</a:t>
             </a:fld>
             <a:endParaRPr lang="en-US"/>
           </a:p>
@@ -3455,7 +3455,7 @@
           <a:p>
             <a:fld id="{02AC24A9-CCB6-4F8D-B8DB-C2F3692CFA5A}" type="datetimeFigureOut">
               <a:rPr lang="en-US" smtClean="0"/>
-              <a:t>10/15/2020</a:t>
+              <a:t>10/9/2020</a:t>
             </a:fld>
             <a:endParaRPr lang="en-US"/>
           </a:p>
@@ -3509,7 +3509,7 @@
           <a:p>
             <a:fld id="{B2DC25EE-239B-4C5F-AAD1-255A7D5F1EE2}" type="slidenum">
               <a:rPr lang="en-US" smtClean="0"/>
-              <a:t>‹#›</a:t>
+              <a:t>‹nº›</a:t>
             </a:fld>
             <a:endParaRPr lang="en-US"/>
           </a:p>
@@ -3950,7 +3950,7 @@
           <a:p>
             <a:fld id="{02AC24A9-CCB6-4F8D-B8DB-C2F3692CFA5A}" type="datetimeFigureOut">
               <a:rPr lang="en-US" smtClean="0"/>
-              <a:t>10/15/2020</a:t>
+              <a:t>10/9/2020</a:t>
             </a:fld>
             <a:endParaRPr lang="en-US" dirty="0"/>
           </a:p>
@@ -4004,7 +4004,7 @@
           <a:p>
             <a:fld id="{B2DC25EE-239B-4C5F-AAD1-255A7D5F1EE2}" type="slidenum">
               <a:rPr lang="en-US" smtClean="0"/>
-              <a:t>‹#›</a:t>
+              <a:t>‹nº›</a:t>
             </a:fld>
             <a:endParaRPr lang="en-US"/>
           </a:p>
@@ -4427,7 +4427,7 @@
           <a:p>
             <a:fld id="{02AC24A9-CCB6-4F8D-B8DB-C2F3692CFA5A}" type="datetimeFigureOut">
               <a:rPr lang="en-US" smtClean="0"/>
-              <a:t>10/15/2020</a:t>
+              <a:t>10/9/2020</a:t>
             </a:fld>
             <a:endParaRPr lang="en-US"/>
           </a:p>
@@ -4481,7 +4481,7 @@
           <a:p>
             <a:fld id="{B2DC25EE-239B-4C5F-AAD1-255A7D5F1EE2}" type="slidenum">
               <a:rPr lang="en-US" smtClean="0"/>
-              <a:t>‹#›</a:t>
+              <a:t>‹nº›</a:t>
             </a:fld>
             <a:endParaRPr lang="en-US"/>
           </a:p>
@@ -4670,7 +4670,7 @@
           <a:p>
             <a:fld id="{02AC24A9-CCB6-4F8D-B8DB-C2F3692CFA5A}" type="datetimeFigureOut">
               <a:rPr lang="en-US" smtClean="0"/>
-              <a:t>10/15/2020</a:t>
+              <a:t>10/9/2020</a:t>
             </a:fld>
             <a:endParaRPr lang="en-US"/>
           </a:p>
@@ -4760,7 +4760,7 @@
           <a:p>
             <a:fld id="{B2DC25EE-239B-4C5F-AAD1-255A7D5F1EE2}" type="slidenum">
               <a:rPr lang="en-US" smtClean="0"/>
-              <a:t>‹#›</a:t>
+              <a:t>‹nº›</a:t>
             </a:fld>
             <a:endParaRPr lang="en-US"/>
           </a:p>
@@ -5883,6 +5883,36 @@
           </a:prstGeom>
         </p:spPr>
       </p:pic>
+      <p:pic>
+        <p:nvPicPr>
+          <p:cNvPr id="27" name="Picture 11" descr="Icon&#10;&#10;Description automatically generated">
+            <a:extLst>
+              <a:ext uri="{FF2B5EF4-FFF2-40B4-BE49-F238E27FC236}">
+                <a16:creationId xmlns:a16="http://schemas.microsoft.com/office/drawing/2014/main" id="{866B7DA9-E3CC-4E20-80DF-52438986BDE4}"/>
+              </a:ext>
+            </a:extLst>
+          </p:cNvPr>
+          <p:cNvPicPr>
+            <a:picLocks noChangeAspect="1"/>
+          </p:cNvPicPr>
+          <p:nvPr/>
+        </p:nvPicPr>
+        <p:blipFill>
+          <a:blip r:embed="rId4"/>
+          <a:stretch>
+            <a:fillRect/>
+          </a:stretch>
+        </p:blipFill>
+        <p:spPr>
+          <a:xfrm>
+            <a:off x="2361234" y="3783957"/>
+            <a:ext cx="283580" cy="273935"/>
+          </a:xfrm>
+          <a:prstGeom prst="rect">
+            <a:avLst/>
+          </a:prstGeom>
+        </p:spPr>
+      </p:pic>
       <p:sp>
         <p:nvSpPr>
           <p:cNvPr id="12" name="Rectangle 11">
@@ -5937,6 +5967,66 @@
       </p:sp>
       <p:pic>
         <p:nvPicPr>
+          <p:cNvPr id="14" name="Picture 15" descr="Icon&#10;&#10;Description automatically generated">
+            <a:extLst>
+              <a:ext uri="{FF2B5EF4-FFF2-40B4-BE49-F238E27FC236}">
+                <a16:creationId xmlns:a16="http://schemas.microsoft.com/office/drawing/2014/main" id="{289127C1-275B-4572-8E48-FDA343BD1738}"/>
+              </a:ext>
+            </a:extLst>
+          </p:cNvPr>
+          <p:cNvPicPr>
+            <a:picLocks noChangeAspect="1"/>
+          </p:cNvPicPr>
+          <p:nvPr/>
+        </p:nvPicPr>
+        <p:blipFill>
+          <a:blip r:embed="rId5"/>
+          <a:stretch>
+            <a:fillRect/>
+          </a:stretch>
+        </p:blipFill>
+        <p:spPr>
+          <a:xfrm>
+            <a:off x="10714298" y="2086337"/>
+            <a:ext cx="312517" cy="302871"/>
+          </a:xfrm>
+          <a:prstGeom prst="rect">
+            <a:avLst/>
+          </a:prstGeom>
+        </p:spPr>
+      </p:pic>
+      <p:pic>
+        <p:nvPicPr>
+          <p:cNvPr id="34" name="Picture 15" descr="Icon&#10;&#10;Description automatically generated">
+            <a:extLst>
+              <a:ext uri="{FF2B5EF4-FFF2-40B4-BE49-F238E27FC236}">
+                <a16:creationId xmlns:a16="http://schemas.microsoft.com/office/drawing/2014/main" id="{5A551499-B81A-4724-8AE8-772FFF274CE7}"/>
+              </a:ext>
+            </a:extLst>
+          </p:cNvPr>
+          <p:cNvPicPr>
+            <a:picLocks noChangeAspect="1"/>
+          </p:cNvPicPr>
+          <p:nvPr/>
+        </p:nvPicPr>
+        <p:blipFill>
+          <a:blip r:embed="rId5"/>
+          <a:stretch>
+            <a:fillRect/>
+          </a:stretch>
+        </p:blipFill>
+        <p:spPr>
+          <a:xfrm>
+            <a:off x="10145209" y="2423931"/>
+            <a:ext cx="312517" cy="302871"/>
+          </a:xfrm>
+          <a:prstGeom prst="rect">
+            <a:avLst/>
+          </a:prstGeom>
+        </p:spPr>
+      </p:pic>
+      <p:pic>
+        <p:nvPicPr>
           <p:cNvPr id="40" name="Picture 9" descr="Icon&#10;&#10;Description automatically generated">
             <a:extLst>
               <a:ext uri="{FF2B5EF4-FFF2-40B4-BE49-F238E27FC236}">
@@ -5997,6 +6087,36 @@
       </p:pic>
       <p:pic>
         <p:nvPicPr>
+          <p:cNvPr id="49" name="Picture 15" descr="Icon&#10;&#10;Description automatically generated">
+            <a:extLst>
+              <a:ext uri="{FF2B5EF4-FFF2-40B4-BE49-F238E27FC236}">
+                <a16:creationId xmlns:a16="http://schemas.microsoft.com/office/drawing/2014/main" id="{37EC6A88-389D-4937-8EB4-93609411D2BE}"/>
+              </a:ext>
+            </a:extLst>
+          </p:cNvPr>
+          <p:cNvPicPr>
+            <a:picLocks noChangeAspect="1"/>
+          </p:cNvPicPr>
+          <p:nvPr/>
+        </p:nvPicPr>
+        <p:blipFill>
+          <a:blip r:embed="rId5"/>
+          <a:stretch>
+            <a:fillRect/>
+          </a:stretch>
+        </p:blipFill>
+        <p:spPr>
+          <a:xfrm>
+            <a:off x="8881638" y="6002437"/>
+            <a:ext cx="312517" cy="302871"/>
+          </a:xfrm>
+          <a:prstGeom prst="rect">
+            <a:avLst/>
+          </a:prstGeom>
+        </p:spPr>
+      </p:pic>
+      <p:pic>
+        <p:nvPicPr>
           <p:cNvPr id="50" name="Picture 9" descr="Icon&#10;&#10;Description automatically generated">
             <a:extLst>
               <a:ext uri="{FF2B5EF4-FFF2-40B4-BE49-F238E27FC236}">
@@ -6040,7 +6160,7 @@
           <p:nvPr/>
         </p:nvPicPr>
         <p:blipFill>
-          <a:blip r:embed="rId4"/>
+          <a:blip r:embed="rId5"/>
           <a:stretch>
             <a:fillRect/>
           </a:stretch>
@@ -6070,7 +6190,7 @@
           <p:nvPr/>
         </p:nvPicPr>
         <p:blipFill>
-          <a:blip r:embed="rId5"/>
+          <a:blip r:embed="rId4"/>
           <a:stretch>
             <a:fillRect/>
           </a:stretch>
@@ -6358,6 +6478,66 @@
           <p:nvPr/>
         </p:nvPicPr>
         <p:blipFill>
+          <a:blip r:embed="rId4"/>
+          <a:stretch>
+            <a:fillRect/>
+          </a:stretch>
+        </p:blipFill>
+        <p:spPr>
+          <a:xfrm>
+            <a:off x="10684487" y="4872596"/>
+            <a:ext cx="283580" cy="273935"/>
+          </a:xfrm>
+          <a:prstGeom prst="rect">
+            <a:avLst/>
+          </a:prstGeom>
+        </p:spPr>
+      </p:pic>
+      <p:pic>
+        <p:nvPicPr>
+          <p:cNvPr id="57" name="Picture 11" descr="Icon&#10;&#10;Description automatically generated">
+            <a:extLst>
+              <a:ext uri="{FF2B5EF4-FFF2-40B4-BE49-F238E27FC236}">
+                <a16:creationId xmlns:a16="http://schemas.microsoft.com/office/drawing/2014/main" id="{23997025-AFCA-4ED0-8DBE-F1E67C6B2DE5}"/>
+              </a:ext>
+            </a:extLst>
+          </p:cNvPr>
+          <p:cNvPicPr>
+            <a:picLocks noChangeAspect="1"/>
+          </p:cNvPicPr>
+          <p:nvPr/>
+        </p:nvPicPr>
+        <p:blipFill>
+          <a:blip r:embed="rId4"/>
+          <a:stretch>
+            <a:fillRect/>
+          </a:stretch>
+        </p:blipFill>
+        <p:spPr>
+          <a:xfrm>
+            <a:off x="9194234" y="3192463"/>
+            <a:ext cx="283580" cy="273935"/>
+          </a:xfrm>
+          <a:prstGeom prst="rect">
+            <a:avLst/>
+          </a:prstGeom>
+        </p:spPr>
+      </p:pic>
+      <p:pic>
+        <p:nvPicPr>
+          <p:cNvPr id="58" name="Picture 15" descr="Icon&#10;&#10;Description automatically generated">
+            <a:extLst>
+              <a:ext uri="{FF2B5EF4-FFF2-40B4-BE49-F238E27FC236}">
+                <a16:creationId xmlns:a16="http://schemas.microsoft.com/office/drawing/2014/main" id="{C9C79A4F-9100-49CE-B7B5-A01823F33F54}"/>
+              </a:ext>
+            </a:extLst>
+          </p:cNvPr>
+          <p:cNvPicPr>
+            <a:picLocks noChangeAspect="1"/>
+          </p:cNvPicPr>
+          <p:nvPr/>
+        </p:nvPicPr>
+        <p:blipFill>
           <a:blip r:embed="rId5"/>
           <a:stretch>
             <a:fillRect/>
@@ -6365,8 +6545,8 @@
         </p:blipFill>
         <p:spPr>
           <a:xfrm>
-            <a:off x="10684487" y="4922024"/>
-            <a:ext cx="283580" cy="273935"/>
+            <a:off x="10715335" y="3552773"/>
+            <a:ext cx="322162" cy="293226"/>
           </a:xfrm>
           <a:prstGeom prst="rect">
             <a:avLst/>
@@ -6425,8 +6605,8 @@
         </p:blipFill>
         <p:spPr>
           <a:xfrm>
-            <a:off x="11180812" y="5258063"/>
-            <a:ext cx="327950" cy="319182"/>
+            <a:off x="11180891" y="5167962"/>
+            <a:ext cx="360745" cy="351100"/>
           </a:xfrm>
           <a:prstGeom prst="rect">
             <a:avLst/>
@@ -6455,230 +6635,14 @@
         </p:blipFill>
         <p:spPr>
           <a:xfrm>
-            <a:off x="9860372" y="5617341"/>
-            <a:ext cx="327950" cy="319182"/>
+            <a:off x="9860451" y="5527240"/>
+            <a:ext cx="360745" cy="351100"/>
           </a:xfrm>
           <a:prstGeom prst="rect">
             <a:avLst/>
           </a:prstGeom>
         </p:spPr>
       </p:pic>
-      <p:pic>
-        <p:nvPicPr>
-          <p:cNvPr id="2" name="Picture 9" descr="Icon&#10;&#10;Description automatically generated">
-            <a:extLst>
-              <a:ext uri="{FF2B5EF4-FFF2-40B4-BE49-F238E27FC236}">
-                <a16:creationId xmlns:a16="http://schemas.microsoft.com/office/drawing/2014/main" id="{0641A489-4088-4547-A7CB-F55B386DC83B}"/>
-              </a:ext>
-            </a:extLst>
-          </p:cNvPr>
-          <p:cNvPicPr>
-            <a:picLocks noChangeAspect="1"/>
-          </p:cNvPicPr>
-          <p:nvPr/>
-        </p:nvPicPr>
-        <p:blipFill>
-          <a:blip r:embed="rId3"/>
-          <a:stretch>
-            <a:fillRect/>
-          </a:stretch>
-        </p:blipFill>
-        <p:spPr>
-          <a:xfrm>
-            <a:off x="2349612" y="3729273"/>
-            <a:ext cx="360745" cy="351100"/>
-          </a:xfrm>
-          <a:prstGeom prst="rect">
-            <a:avLst/>
-          </a:prstGeom>
-        </p:spPr>
-      </p:pic>
-      <p:pic>
-        <p:nvPicPr>
-          <p:cNvPr id="3" name="Picture 9" descr="Icon&#10;&#10;Description automatically generated">
-            <a:extLst>
-              <a:ext uri="{FF2B5EF4-FFF2-40B4-BE49-F238E27FC236}">
-                <a16:creationId xmlns:a16="http://schemas.microsoft.com/office/drawing/2014/main" id="{ADA9468D-30FE-4B0D-8B94-78BEC3D7975F}"/>
-              </a:ext>
-            </a:extLst>
-          </p:cNvPr>
-          <p:cNvPicPr>
-            <a:picLocks noChangeAspect="1"/>
-          </p:cNvPicPr>
-          <p:nvPr/>
-        </p:nvPicPr>
-        <p:blipFill>
-          <a:blip r:embed="rId3"/>
-          <a:stretch>
-            <a:fillRect/>
-          </a:stretch>
-        </p:blipFill>
-        <p:spPr>
-          <a:xfrm>
-            <a:off x="9185472" y="3164614"/>
-            <a:ext cx="360745" cy="351100"/>
-          </a:xfrm>
-          <a:prstGeom prst="rect">
-            <a:avLst/>
-          </a:prstGeom>
-        </p:spPr>
-      </p:pic>
-      <p:sp>
-        <p:nvSpPr>
-          <p:cNvPr id="13" name="Rectangle 12">
-            <a:extLst>
-              <a:ext uri="{FF2B5EF4-FFF2-40B4-BE49-F238E27FC236}">
-                <a16:creationId xmlns:a16="http://schemas.microsoft.com/office/drawing/2014/main" id="{817C4192-73F7-4C9F-AF6A-149C6B90EEA8}"/>
-              </a:ext>
-            </a:extLst>
-          </p:cNvPr>
-          <p:cNvSpPr/>
-          <p:nvPr/>
-        </p:nvSpPr>
-        <p:spPr>
-          <a:xfrm>
-            <a:off x="5422564" y="3670720"/>
-            <a:ext cx="5758248" cy="45719"/>
-          </a:xfrm>
-          <a:prstGeom prst="rect">
-            <a:avLst/>
-          </a:prstGeom>
-          <a:solidFill>
-            <a:srgbClr val="00B050"/>
-          </a:solidFill>
-          <a:ln>
-            <a:noFill/>
-          </a:ln>
-        </p:spPr>
-        <p:style>
-          <a:lnRef idx="2">
-            <a:schemeClr val="accent1">
-              <a:shade val="50000"/>
-            </a:schemeClr>
-          </a:lnRef>
-          <a:fillRef idx="1">
-            <a:schemeClr val="accent1"/>
-          </a:fillRef>
-          <a:effectRef idx="0">
-            <a:schemeClr val="accent1"/>
-          </a:effectRef>
-          <a:fontRef idx="minor">
-            <a:schemeClr val="lt1"/>
-          </a:fontRef>
-        </p:style>
-        <p:txBody>
-          <a:bodyPr rtlCol="0" anchor="ctr"/>
-          <a:lstStyle/>
-          <a:p>
-            <a:pPr algn="ctr"/>
-            <a:endParaRPr lang="pt-BR"/>
-          </a:p>
-        </p:txBody>
-      </p:sp>
-      <p:sp>
-        <p:nvSpPr>
-          <p:cNvPr id="15" name="Rectangle 14">
-            <a:extLst>
-              <a:ext uri="{FF2B5EF4-FFF2-40B4-BE49-F238E27FC236}">
-                <a16:creationId xmlns:a16="http://schemas.microsoft.com/office/drawing/2014/main" id="{6310B8D3-5933-430D-BC76-878B954D9032}"/>
-              </a:ext>
-            </a:extLst>
-          </p:cNvPr>
-          <p:cNvSpPr/>
-          <p:nvPr/>
-        </p:nvSpPr>
-        <p:spPr>
-          <a:xfrm>
-            <a:off x="5422564" y="2595408"/>
-            <a:ext cx="5758248" cy="45719"/>
-          </a:xfrm>
-          <a:prstGeom prst="rect">
-            <a:avLst/>
-          </a:prstGeom>
-          <a:solidFill>
-            <a:srgbClr val="00B050"/>
-          </a:solidFill>
-          <a:ln>
-            <a:noFill/>
-          </a:ln>
-        </p:spPr>
-        <p:style>
-          <a:lnRef idx="2">
-            <a:schemeClr val="accent1">
-              <a:shade val="50000"/>
-            </a:schemeClr>
-          </a:lnRef>
-          <a:fillRef idx="1">
-            <a:schemeClr val="accent1"/>
-          </a:fillRef>
-          <a:effectRef idx="0">
-            <a:schemeClr val="accent1"/>
-          </a:effectRef>
-          <a:fontRef idx="minor">
-            <a:schemeClr val="lt1"/>
-          </a:fontRef>
-        </p:style>
-        <p:txBody>
-          <a:bodyPr rtlCol="0" anchor="ctr"/>
-          <a:lstStyle/>
-          <a:p>
-            <a:pPr algn="ctr"/>
-            <a:endParaRPr lang="pt-BR"/>
-          </a:p>
-        </p:txBody>
-      </p:sp>
-      <p:sp>
-        <p:nvSpPr>
-          <p:cNvPr id="17" name="Rectangle 16">
-            <a:extLst>
-              <a:ext uri="{FF2B5EF4-FFF2-40B4-BE49-F238E27FC236}">
-                <a16:creationId xmlns:a16="http://schemas.microsoft.com/office/drawing/2014/main" id="{983B4702-F9A2-45AA-8182-5604900D9465}"/>
-              </a:ext>
-            </a:extLst>
-          </p:cNvPr>
-          <p:cNvSpPr/>
-          <p:nvPr/>
-        </p:nvSpPr>
-        <p:spPr>
-          <a:xfrm>
-            <a:off x="3913364" y="6128705"/>
-            <a:ext cx="5758248" cy="45719"/>
-          </a:xfrm>
-          <a:prstGeom prst="rect">
-            <a:avLst/>
-          </a:prstGeom>
-          <a:solidFill>
-            <a:srgbClr val="00B050"/>
-          </a:solidFill>
-          <a:ln>
-            <a:noFill/>
-          </a:ln>
-        </p:spPr>
-        <p:style>
-          <a:lnRef idx="2">
-            <a:schemeClr val="accent1">
-              <a:shade val="50000"/>
-            </a:schemeClr>
-          </a:lnRef>
-          <a:fillRef idx="1">
-            <a:schemeClr val="accent1"/>
-          </a:fillRef>
-          <a:effectRef idx="0">
-            <a:schemeClr val="accent1"/>
-          </a:effectRef>
-          <a:fontRef idx="minor">
-            <a:schemeClr val="lt1"/>
-          </a:fontRef>
-        </p:style>
-        <p:txBody>
-          <a:bodyPr rtlCol="0" anchor="ctr"/>
-          <a:lstStyle/>
-          <a:p>
-            <a:pPr algn="ctr"/>
-            <a:endParaRPr lang="pt-BR"/>
-          </a:p>
-        </p:txBody>
-      </p:sp>
     </p:spTree>
     <p:extLst>
       <p:ext uri="{BB962C8B-B14F-4D97-AF65-F5344CB8AC3E}">
@@ -7035,10 +6999,10 @@
       </p:pic>
       <p:pic>
         <p:nvPicPr>
-          <p:cNvPr id="7" name="Picture 15" descr="Icon&#10;&#10;Description automatically generated">
-            <a:extLst>
-              <a:ext uri="{FF2B5EF4-FFF2-40B4-BE49-F238E27FC236}">
-                <a16:creationId xmlns:a16="http://schemas.microsoft.com/office/drawing/2014/main" id="{4414CAE9-7D55-4DA0-9A44-BA397F67C2BD}"/>
+          <p:cNvPr id="6" name="Picture 11" descr="Icon&#10;&#10;Description automatically generated">
+            <a:extLst>
+              <a:ext uri="{FF2B5EF4-FFF2-40B4-BE49-F238E27FC236}">
+                <a16:creationId xmlns:a16="http://schemas.microsoft.com/office/drawing/2014/main" id="{C5134A0C-2F9D-461C-AA98-D0EC18B9D36C}"/>
               </a:ext>
             </a:extLst>
           </p:cNvPr>
@@ -7055,6 +7019,36 @@
         </p:blipFill>
         <p:spPr>
           <a:xfrm>
+            <a:off x="3200400" y="6031375"/>
+            <a:ext cx="283580" cy="273935"/>
+          </a:xfrm>
+          <a:prstGeom prst="rect">
+            <a:avLst/>
+          </a:prstGeom>
+        </p:spPr>
+      </p:pic>
+      <p:pic>
+        <p:nvPicPr>
+          <p:cNvPr id="7" name="Picture 15" descr="Icon&#10;&#10;Description automatically generated">
+            <a:extLst>
+              <a:ext uri="{FF2B5EF4-FFF2-40B4-BE49-F238E27FC236}">
+                <a16:creationId xmlns:a16="http://schemas.microsoft.com/office/drawing/2014/main" id="{4414CAE9-7D55-4DA0-9A44-BA397F67C2BD}"/>
+              </a:ext>
+            </a:extLst>
+          </p:cNvPr>
+          <p:cNvPicPr>
+            <a:picLocks noChangeAspect="1"/>
+          </p:cNvPicPr>
+          <p:nvPr/>
+        </p:nvPicPr>
+        <p:blipFill>
+          <a:blip r:embed="rId5"/>
+          <a:stretch>
+            <a:fillRect/>
+          </a:stretch>
+        </p:blipFill>
+        <p:spPr>
+          <a:xfrm>
             <a:off x="6190524" y="4922133"/>
             <a:ext cx="312517" cy="302871"/>
           </a:xfrm>
@@ -7185,6 +7179,96 @@
       </p:pic>
       <p:pic>
         <p:nvPicPr>
+          <p:cNvPr id="25" name="Picture 15" descr="Icon&#10;&#10;Description automatically generated">
+            <a:extLst>
+              <a:ext uri="{FF2B5EF4-FFF2-40B4-BE49-F238E27FC236}">
+                <a16:creationId xmlns:a16="http://schemas.microsoft.com/office/drawing/2014/main" id="{4437882C-E62D-447C-A114-B1731AD2BAB1}"/>
+              </a:ext>
+            </a:extLst>
+          </p:cNvPr>
+          <p:cNvPicPr>
+            <a:picLocks noChangeAspect="1"/>
+          </p:cNvPicPr>
+          <p:nvPr/>
+        </p:nvPicPr>
+        <p:blipFill>
+          <a:blip r:embed="rId5"/>
+          <a:stretch>
+            <a:fillRect/>
+          </a:stretch>
+        </p:blipFill>
+        <p:spPr>
+          <a:xfrm>
+            <a:off x="6894650" y="3427069"/>
+            <a:ext cx="312517" cy="302871"/>
+          </a:xfrm>
+          <a:prstGeom prst="rect">
+            <a:avLst/>
+          </a:prstGeom>
+        </p:spPr>
+      </p:pic>
+      <p:pic>
+        <p:nvPicPr>
+          <p:cNvPr id="26" name="Picture 11" descr="Icon&#10;&#10;Description automatically generated">
+            <a:extLst>
+              <a:ext uri="{FF2B5EF4-FFF2-40B4-BE49-F238E27FC236}">
+                <a16:creationId xmlns:a16="http://schemas.microsoft.com/office/drawing/2014/main" id="{7B44414F-0D31-4540-AF2A-0057132619AC}"/>
+              </a:ext>
+            </a:extLst>
+          </p:cNvPr>
+          <p:cNvPicPr>
+            <a:picLocks noChangeAspect="1"/>
+          </p:cNvPicPr>
+          <p:nvPr/>
+        </p:nvPicPr>
+        <p:blipFill>
+          <a:blip r:embed="rId4"/>
+          <a:stretch>
+            <a:fillRect/>
+          </a:stretch>
+        </p:blipFill>
+        <p:spPr>
+          <a:xfrm>
+            <a:off x="4232474" y="3812893"/>
+            <a:ext cx="283580" cy="273935"/>
+          </a:xfrm>
+          <a:prstGeom prst="rect">
+            <a:avLst/>
+          </a:prstGeom>
+        </p:spPr>
+      </p:pic>
+      <p:pic>
+        <p:nvPicPr>
+          <p:cNvPr id="27" name="Picture 11" descr="Icon&#10;&#10;Description automatically generated">
+            <a:extLst>
+              <a:ext uri="{FF2B5EF4-FFF2-40B4-BE49-F238E27FC236}">
+                <a16:creationId xmlns:a16="http://schemas.microsoft.com/office/drawing/2014/main" id="{8E0B1506-FD28-427C-BE61-6DC22ABEC9B0}"/>
+              </a:ext>
+            </a:extLst>
+          </p:cNvPr>
+          <p:cNvPicPr>
+            <a:picLocks noChangeAspect="1"/>
+          </p:cNvPicPr>
+          <p:nvPr/>
+        </p:nvPicPr>
+        <p:blipFill>
+          <a:blip r:embed="rId4"/>
+          <a:stretch>
+            <a:fillRect/>
+          </a:stretch>
+        </p:blipFill>
+        <p:spPr>
+          <a:xfrm>
+            <a:off x="8862347" y="3050892"/>
+            <a:ext cx="283580" cy="273935"/>
+          </a:xfrm>
+          <a:prstGeom prst="rect">
+            <a:avLst/>
+          </a:prstGeom>
+        </p:spPr>
+      </p:pic>
+      <p:pic>
+        <p:nvPicPr>
           <p:cNvPr id="8" name="Picture 9" descr="Icon&#10;&#10;Description automatically generated">
             <a:extLst>
               <a:ext uri="{FF2B5EF4-FFF2-40B4-BE49-F238E27FC236}">
@@ -7228,7 +7312,7 @@
           <p:nvPr/>
         </p:nvPicPr>
         <p:blipFill>
-          <a:blip r:embed="rId4"/>
+          <a:blip r:embed="rId5"/>
           <a:stretch>
             <a:fillRect/>
           </a:stretch>
@@ -7258,7 +7342,7 @@
           <p:nvPr/>
         </p:nvPicPr>
         <p:blipFill>
-          <a:blip r:embed="rId5"/>
+          <a:blip r:embed="rId4"/>
           <a:stretch>
             <a:fillRect/>
           </a:stretch>
@@ -7434,126 +7518,6 @@
         <p:spPr>
           <a:xfrm>
             <a:off x="3158288" y="5654467"/>
-            <a:ext cx="360745" cy="351100"/>
-          </a:xfrm>
-          <a:prstGeom prst="rect">
-            <a:avLst/>
-          </a:prstGeom>
-        </p:spPr>
-      </p:pic>
-      <p:pic>
-        <p:nvPicPr>
-          <p:cNvPr id="2" name="Picture 9" descr="Icon&#10;&#10;Description automatically generated">
-            <a:extLst>
-              <a:ext uri="{FF2B5EF4-FFF2-40B4-BE49-F238E27FC236}">
-                <a16:creationId xmlns:a16="http://schemas.microsoft.com/office/drawing/2014/main" id="{0856C06D-C6C0-4736-9D2E-6E4B3F21B1DD}"/>
-              </a:ext>
-            </a:extLst>
-          </p:cNvPr>
-          <p:cNvPicPr>
-            <a:picLocks noChangeAspect="1"/>
-          </p:cNvPicPr>
-          <p:nvPr/>
-        </p:nvPicPr>
-        <p:blipFill>
-          <a:blip r:embed="rId3"/>
-          <a:stretch>
-            <a:fillRect/>
-          </a:stretch>
-        </p:blipFill>
-        <p:spPr>
-          <a:xfrm>
-            <a:off x="8820872" y="2978289"/>
-            <a:ext cx="360745" cy="351100"/>
-          </a:xfrm>
-          <a:prstGeom prst="rect">
-            <a:avLst/>
-          </a:prstGeom>
-        </p:spPr>
-      </p:pic>
-      <p:pic>
-        <p:nvPicPr>
-          <p:cNvPr id="4" name="Picture 9" descr="Icon&#10;&#10;Description automatically generated">
-            <a:extLst>
-              <a:ext uri="{FF2B5EF4-FFF2-40B4-BE49-F238E27FC236}">
-                <a16:creationId xmlns:a16="http://schemas.microsoft.com/office/drawing/2014/main" id="{A0DAC361-A4FF-47EF-ADB9-203C127C86AC}"/>
-              </a:ext>
-            </a:extLst>
-          </p:cNvPr>
-          <p:cNvPicPr>
-            <a:picLocks noChangeAspect="1"/>
-          </p:cNvPicPr>
-          <p:nvPr/>
-        </p:nvPicPr>
-        <p:blipFill>
-          <a:blip r:embed="rId3"/>
-          <a:stretch>
-            <a:fillRect/>
-          </a:stretch>
-        </p:blipFill>
-        <p:spPr>
-          <a:xfrm>
-            <a:off x="6930289" y="3410748"/>
-            <a:ext cx="360745" cy="351100"/>
-          </a:xfrm>
-          <a:prstGeom prst="rect">
-            <a:avLst/>
-          </a:prstGeom>
-        </p:spPr>
-      </p:pic>
-      <p:pic>
-        <p:nvPicPr>
-          <p:cNvPr id="13" name="Picture 9" descr="Icon&#10;&#10;Description automatically generated">
-            <a:extLst>
-              <a:ext uri="{FF2B5EF4-FFF2-40B4-BE49-F238E27FC236}">
-                <a16:creationId xmlns:a16="http://schemas.microsoft.com/office/drawing/2014/main" id="{DBFD0A3D-ECB3-437A-A3C0-FD7A7FF022A0}"/>
-              </a:ext>
-            </a:extLst>
-          </p:cNvPr>
-          <p:cNvPicPr>
-            <a:picLocks noChangeAspect="1"/>
-          </p:cNvPicPr>
-          <p:nvPr/>
-        </p:nvPicPr>
-        <p:blipFill>
-          <a:blip r:embed="rId3"/>
-          <a:stretch>
-            <a:fillRect/>
-          </a:stretch>
-        </p:blipFill>
-        <p:spPr>
-          <a:xfrm>
-            <a:off x="4263138" y="3761848"/>
-            <a:ext cx="360745" cy="351100"/>
-          </a:xfrm>
-          <a:prstGeom prst="rect">
-            <a:avLst/>
-          </a:prstGeom>
-        </p:spPr>
-      </p:pic>
-      <p:pic>
-        <p:nvPicPr>
-          <p:cNvPr id="15" name="Picture 9" descr="Icon&#10;&#10;Description automatically generated">
-            <a:extLst>
-              <a:ext uri="{FF2B5EF4-FFF2-40B4-BE49-F238E27FC236}">
-                <a16:creationId xmlns:a16="http://schemas.microsoft.com/office/drawing/2014/main" id="{1FA75C6B-5149-4971-B8B1-884B4D818C59}"/>
-              </a:ext>
-            </a:extLst>
-          </p:cNvPr>
-          <p:cNvPicPr>
-            <a:picLocks noChangeAspect="1"/>
-          </p:cNvPicPr>
-          <p:nvPr/>
-        </p:nvPicPr>
-        <p:blipFill>
-          <a:blip r:embed="rId3"/>
-          <a:stretch>
-            <a:fillRect/>
-          </a:stretch>
-        </p:blipFill>
-        <p:spPr>
-          <a:xfrm>
-            <a:off x="3158288" y="5994480"/>
             <a:ext cx="360745" cy="351100"/>
           </a:xfrm>
           <a:prstGeom prst="rect">

--- a/Documentação/Orientações/Orientações.pptx
+++ b/Documentação/Orientações/Orientações.pptx
@@ -279,7 +279,7 @@
           <a:p>
             <a:fld id="{02AC24A9-CCB6-4F8D-B8DB-C2F3692CFA5A}" type="datetimeFigureOut">
               <a:rPr lang="en-US" smtClean="0"/>
-              <a:t>10/9/2020</a:t>
+              <a:t>10/16/2020</a:t>
             </a:fld>
             <a:endParaRPr lang="en-US" dirty="0"/>
           </a:p>
@@ -649,7 +649,7 @@
           <a:p>
             <a:fld id="{02AC24A9-CCB6-4F8D-B8DB-C2F3692CFA5A}" type="datetimeFigureOut">
               <a:rPr lang="en-US" smtClean="0"/>
-              <a:t>10/9/2020</a:t>
+              <a:t>10/16/2020</a:t>
             </a:fld>
             <a:endParaRPr lang="en-US"/>
           </a:p>
@@ -858,7 +858,7 @@
           <a:p>
             <a:fld id="{02AC24A9-CCB6-4F8D-B8DB-C2F3692CFA5A}" type="datetimeFigureOut">
               <a:rPr lang="en-US" smtClean="0"/>
-              <a:t>10/9/2020</a:t>
+              <a:t>10/16/2020</a:t>
             </a:fld>
             <a:endParaRPr lang="en-US"/>
           </a:p>
@@ -1328,7 +1328,7 @@
           <a:p>
             <a:fld id="{02AC24A9-CCB6-4F8D-B8DB-C2F3692CFA5A}" type="datetimeFigureOut">
               <a:rPr lang="en-US" smtClean="0"/>
-              <a:t>10/9/2020</a:t>
+              <a:t>10/16/2020</a:t>
             </a:fld>
             <a:endParaRPr lang="en-US"/>
           </a:p>
@@ -1782,7 +1782,7 @@
           <a:p>
             <a:fld id="{02AC24A9-CCB6-4F8D-B8DB-C2F3692CFA5A}" type="datetimeFigureOut">
               <a:rPr lang="en-US" smtClean="0"/>
-              <a:t>10/9/2020</a:t>
+              <a:t>10/16/2020</a:t>
             </a:fld>
             <a:endParaRPr lang="en-US"/>
           </a:p>
@@ -2314,7 +2314,7 @@
           <a:p>
             <a:fld id="{02AC24A9-CCB6-4F8D-B8DB-C2F3692CFA5A}" type="datetimeFigureOut">
               <a:rPr lang="en-US" smtClean="0"/>
-              <a:t>10/9/2020</a:t>
+              <a:t>10/16/2020</a:t>
             </a:fld>
             <a:endParaRPr lang="en-US"/>
           </a:p>
@@ -3013,7 +3013,7 @@
           <a:p>
             <a:fld id="{02AC24A9-CCB6-4F8D-B8DB-C2F3692CFA5A}" type="datetimeFigureOut">
               <a:rPr lang="en-US" smtClean="0"/>
-              <a:t>10/9/2020</a:t>
+              <a:t>10/16/2020</a:t>
             </a:fld>
             <a:endParaRPr lang="en-US"/>
           </a:p>
@@ -3342,7 +3342,7 @@
           <a:p>
             <a:fld id="{02AC24A9-CCB6-4F8D-B8DB-C2F3692CFA5A}" type="datetimeFigureOut">
               <a:rPr lang="en-US" smtClean="0"/>
-              <a:t>10/9/2020</a:t>
+              <a:t>10/16/2020</a:t>
             </a:fld>
             <a:endParaRPr lang="en-US"/>
           </a:p>
@@ -3455,7 +3455,7 @@
           <a:p>
             <a:fld id="{02AC24A9-CCB6-4F8D-B8DB-C2F3692CFA5A}" type="datetimeFigureOut">
               <a:rPr lang="en-US" smtClean="0"/>
-              <a:t>10/9/2020</a:t>
+              <a:t>10/16/2020</a:t>
             </a:fld>
             <a:endParaRPr lang="en-US"/>
           </a:p>
@@ -3950,7 +3950,7 @@
           <a:p>
             <a:fld id="{02AC24A9-CCB6-4F8D-B8DB-C2F3692CFA5A}" type="datetimeFigureOut">
               <a:rPr lang="en-US" smtClean="0"/>
-              <a:t>10/9/2020</a:t>
+              <a:t>10/16/2020</a:t>
             </a:fld>
             <a:endParaRPr lang="en-US" dirty="0"/>
           </a:p>
@@ -4427,7 +4427,7 @@
           <a:p>
             <a:fld id="{02AC24A9-CCB6-4F8D-B8DB-C2F3692CFA5A}" type="datetimeFigureOut">
               <a:rPr lang="en-US" smtClean="0"/>
-              <a:t>10/9/2020</a:t>
+              <a:t>10/16/2020</a:t>
             </a:fld>
             <a:endParaRPr lang="en-US"/>
           </a:p>
@@ -4670,7 +4670,7 @@
           <a:p>
             <a:fld id="{02AC24A9-CCB6-4F8D-B8DB-C2F3692CFA5A}" type="datetimeFigureOut">
               <a:rPr lang="en-US" smtClean="0"/>
-              <a:t>10/9/2020</a:t>
+              <a:t>10/16/2020</a:t>
             </a:fld>
             <a:endParaRPr lang="en-US"/>
           </a:p>
@@ -5883,36 +5883,6 @@
           </a:prstGeom>
         </p:spPr>
       </p:pic>
-      <p:pic>
-        <p:nvPicPr>
-          <p:cNvPr id="27" name="Picture 11" descr="Icon&#10;&#10;Description automatically generated">
-            <a:extLst>
-              <a:ext uri="{FF2B5EF4-FFF2-40B4-BE49-F238E27FC236}">
-                <a16:creationId xmlns:a16="http://schemas.microsoft.com/office/drawing/2014/main" id="{866B7DA9-E3CC-4E20-80DF-52438986BDE4}"/>
-              </a:ext>
-            </a:extLst>
-          </p:cNvPr>
-          <p:cNvPicPr>
-            <a:picLocks noChangeAspect="1"/>
-          </p:cNvPicPr>
-          <p:nvPr/>
-        </p:nvPicPr>
-        <p:blipFill>
-          <a:blip r:embed="rId4"/>
-          <a:stretch>
-            <a:fillRect/>
-          </a:stretch>
-        </p:blipFill>
-        <p:spPr>
-          <a:xfrm>
-            <a:off x="2361234" y="3783957"/>
-            <a:ext cx="283580" cy="273935"/>
-          </a:xfrm>
-          <a:prstGeom prst="rect">
-            <a:avLst/>
-          </a:prstGeom>
-        </p:spPr>
-      </p:pic>
       <p:sp>
         <p:nvSpPr>
           <p:cNvPr id="12" name="Rectangle 11">
@@ -5967,10 +5937,130 @@
       </p:sp>
       <p:pic>
         <p:nvPicPr>
-          <p:cNvPr id="14" name="Picture 15" descr="Icon&#10;&#10;Description automatically generated">
-            <a:extLst>
-              <a:ext uri="{FF2B5EF4-FFF2-40B4-BE49-F238E27FC236}">
-                <a16:creationId xmlns:a16="http://schemas.microsoft.com/office/drawing/2014/main" id="{289127C1-275B-4572-8E48-FDA343BD1738}"/>
+          <p:cNvPr id="40" name="Picture 9" descr="Icon&#10;&#10;Description automatically generated">
+            <a:extLst>
+              <a:ext uri="{FF2B5EF4-FFF2-40B4-BE49-F238E27FC236}">
+                <a16:creationId xmlns:a16="http://schemas.microsoft.com/office/drawing/2014/main" id="{BF73BED1-9D82-42B4-9E2F-A61C80A43B54}"/>
+              </a:ext>
+            </a:extLst>
+          </p:cNvPr>
+          <p:cNvPicPr>
+            <a:picLocks noChangeAspect="1"/>
+          </p:cNvPicPr>
+          <p:nvPr/>
+        </p:nvPicPr>
+        <p:blipFill>
+          <a:blip r:embed="rId3"/>
+          <a:stretch>
+            <a:fillRect/>
+          </a:stretch>
+        </p:blipFill>
+        <p:spPr>
+          <a:xfrm>
+            <a:off x="8389715" y="2790462"/>
+            <a:ext cx="360745" cy="351100"/>
+          </a:xfrm>
+          <a:prstGeom prst="rect">
+            <a:avLst/>
+          </a:prstGeom>
+        </p:spPr>
+      </p:pic>
+      <p:pic>
+        <p:nvPicPr>
+          <p:cNvPr id="43" name="Picture 9" descr="Icon&#10;&#10;Description automatically generated">
+            <a:extLst>
+              <a:ext uri="{FF2B5EF4-FFF2-40B4-BE49-F238E27FC236}">
+                <a16:creationId xmlns:a16="http://schemas.microsoft.com/office/drawing/2014/main" id="{D87A33E2-8CBD-4A73-BFE5-6D5B1F345F5A}"/>
+              </a:ext>
+            </a:extLst>
+          </p:cNvPr>
+          <p:cNvPicPr>
+            <a:picLocks noChangeAspect="1"/>
+          </p:cNvPicPr>
+          <p:nvPr/>
+        </p:nvPicPr>
+        <p:blipFill>
+          <a:blip r:embed="rId3"/>
+          <a:stretch>
+            <a:fillRect/>
+          </a:stretch>
+        </p:blipFill>
+        <p:spPr>
+          <a:xfrm>
+            <a:off x="8881639" y="4507374"/>
+            <a:ext cx="360745" cy="351100"/>
+          </a:xfrm>
+          <a:prstGeom prst="rect">
+            <a:avLst/>
+          </a:prstGeom>
+        </p:spPr>
+      </p:pic>
+      <p:pic>
+        <p:nvPicPr>
+          <p:cNvPr id="50" name="Picture 9" descr="Icon&#10;&#10;Description automatically generated">
+            <a:extLst>
+              <a:ext uri="{FF2B5EF4-FFF2-40B4-BE49-F238E27FC236}">
+                <a16:creationId xmlns:a16="http://schemas.microsoft.com/office/drawing/2014/main" id="{1EF6B3DC-8371-48DB-8B9B-7E9AB8BE4CFB}"/>
+              </a:ext>
+            </a:extLst>
+          </p:cNvPr>
+          <p:cNvPicPr>
+            <a:picLocks noChangeAspect="1"/>
+          </p:cNvPicPr>
+          <p:nvPr/>
+        </p:nvPicPr>
+        <p:blipFill>
+          <a:blip r:embed="rId3"/>
+          <a:stretch>
+            <a:fillRect/>
+          </a:stretch>
+        </p:blipFill>
+        <p:spPr>
+          <a:xfrm>
+            <a:off x="7648298" y="138872"/>
+            <a:ext cx="360745" cy="351100"/>
+          </a:xfrm>
+          <a:prstGeom prst="rect">
+            <a:avLst/>
+          </a:prstGeom>
+        </p:spPr>
+      </p:pic>
+      <p:pic>
+        <p:nvPicPr>
+          <p:cNvPr id="51" name="Picture 15" descr="Icon&#10;&#10;Description automatically generated">
+            <a:extLst>
+              <a:ext uri="{FF2B5EF4-FFF2-40B4-BE49-F238E27FC236}">
+                <a16:creationId xmlns:a16="http://schemas.microsoft.com/office/drawing/2014/main" id="{DA3002D1-A1FD-40A9-8BB6-FC0F8AA8ED06}"/>
+              </a:ext>
+            </a:extLst>
+          </p:cNvPr>
+          <p:cNvPicPr>
+            <a:picLocks noChangeAspect="1"/>
+          </p:cNvPicPr>
+          <p:nvPr/>
+        </p:nvPicPr>
+        <p:blipFill>
+          <a:blip r:embed="rId4"/>
+          <a:stretch>
+            <a:fillRect/>
+          </a:stretch>
+        </p:blipFill>
+        <p:spPr>
+          <a:xfrm>
+            <a:off x="7662438" y="1006973"/>
+            <a:ext cx="322162" cy="293226"/>
+          </a:xfrm>
+          <a:prstGeom prst="rect">
+            <a:avLst/>
+          </a:prstGeom>
+        </p:spPr>
+      </p:pic>
+      <p:pic>
+        <p:nvPicPr>
+          <p:cNvPr id="52" name="Picture 11" descr="Icon&#10;&#10;Description automatically generated">
+            <a:extLst>
+              <a:ext uri="{FF2B5EF4-FFF2-40B4-BE49-F238E27FC236}">
+                <a16:creationId xmlns:a16="http://schemas.microsoft.com/office/drawing/2014/main" id="{9B2D1A92-FBF3-4B03-8E26-2A695BAE6E65}"/>
               </a:ext>
             </a:extLst>
           </p:cNvPr>
@@ -5987,217 +6077,7 @@
         </p:blipFill>
         <p:spPr>
           <a:xfrm>
-            <a:off x="10714298" y="2086337"/>
-            <a:ext cx="312517" cy="302871"/>
-          </a:xfrm>
-          <a:prstGeom prst="rect">
-            <a:avLst/>
-          </a:prstGeom>
-        </p:spPr>
-      </p:pic>
-      <p:pic>
-        <p:nvPicPr>
-          <p:cNvPr id="34" name="Picture 15" descr="Icon&#10;&#10;Description automatically generated">
-            <a:extLst>
-              <a:ext uri="{FF2B5EF4-FFF2-40B4-BE49-F238E27FC236}">
-                <a16:creationId xmlns:a16="http://schemas.microsoft.com/office/drawing/2014/main" id="{5A551499-B81A-4724-8AE8-772FFF274CE7}"/>
-              </a:ext>
-            </a:extLst>
-          </p:cNvPr>
-          <p:cNvPicPr>
-            <a:picLocks noChangeAspect="1"/>
-          </p:cNvPicPr>
-          <p:nvPr/>
-        </p:nvPicPr>
-        <p:blipFill>
-          <a:blip r:embed="rId5"/>
-          <a:stretch>
-            <a:fillRect/>
-          </a:stretch>
-        </p:blipFill>
-        <p:spPr>
-          <a:xfrm>
-            <a:off x="10145209" y="2423931"/>
-            <a:ext cx="312517" cy="302871"/>
-          </a:xfrm>
-          <a:prstGeom prst="rect">
-            <a:avLst/>
-          </a:prstGeom>
-        </p:spPr>
-      </p:pic>
-      <p:pic>
-        <p:nvPicPr>
-          <p:cNvPr id="40" name="Picture 9" descr="Icon&#10;&#10;Description automatically generated">
-            <a:extLst>
-              <a:ext uri="{FF2B5EF4-FFF2-40B4-BE49-F238E27FC236}">
-                <a16:creationId xmlns:a16="http://schemas.microsoft.com/office/drawing/2014/main" id="{BF73BED1-9D82-42B4-9E2F-A61C80A43B54}"/>
-              </a:ext>
-            </a:extLst>
-          </p:cNvPr>
-          <p:cNvPicPr>
-            <a:picLocks noChangeAspect="1"/>
-          </p:cNvPicPr>
-          <p:nvPr/>
-        </p:nvPicPr>
-        <p:blipFill>
-          <a:blip r:embed="rId3"/>
-          <a:stretch>
-            <a:fillRect/>
-          </a:stretch>
-        </p:blipFill>
-        <p:spPr>
-          <a:xfrm>
-            <a:off x="8389715" y="2790462"/>
-            <a:ext cx="360745" cy="351100"/>
-          </a:xfrm>
-          <a:prstGeom prst="rect">
-            <a:avLst/>
-          </a:prstGeom>
-        </p:spPr>
-      </p:pic>
-      <p:pic>
-        <p:nvPicPr>
-          <p:cNvPr id="43" name="Picture 9" descr="Icon&#10;&#10;Description automatically generated">
-            <a:extLst>
-              <a:ext uri="{FF2B5EF4-FFF2-40B4-BE49-F238E27FC236}">
-                <a16:creationId xmlns:a16="http://schemas.microsoft.com/office/drawing/2014/main" id="{D87A33E2-8CBD-4A73-BFE5-6D5B1F345F5A}"/>
-              </a:ext>
-            </a:extLst>
-          </p:cNvPr>
-          <p:cNvPicPr>
-            <a:picLocks noChangeAspect="1"/>
-          </p:cNvPicPr>
-          <p:nvPr/>
-        </p:nvPicPr>
-        <p:blipFill>
-          <a:blip r:embed="rId3"/>
-          <a:stretch>
-            <a:fillRect/>
-          </a:stretch>
-        </p:blipFill>
-        <p:spPr>
-          <a:xfrm>
-            <a:off x="8881639" y="4507374"/>
-            <a:ext cx="360745" cy="351100"/>
-          </a:xfrm>
-          <a:prstGeom prst="rect">
-            <a:avLst/>
-          </a:prstGeom>
-        </p:spPr>
-      </p:pic>
-      <p:pic>
-        <p:nvPicPr>
-          <p:cNvPr id="49" name="Picture 15" descr="Icon&#10;&#10;Description automatically generated">
-            <a:extLst>
-              <a:ext uri="{FF2B5EF4-FFF2-40B4-BE49-F238E27FC236}">
-                <a16:creationId xmlns:a16="http://schemas.microsoft.com/office/drawing/2014/main" id="{37EC6A88-389D-4937-8EB4-93609411D2BE}"/>
-              </a:ext>
-            </a:extLst>
-          </p:cNvPr>
-          <p:cNvPicPr>
-            <a:picLocks noChangeAspect="1"/>
-          </p:cNvPicPr>
-          <p:nvPr/>
-        </p:nvPicPr>
-        <p:blipFill>
-          <a:blip r:embed="rId5"/>
-          <a:stretch>
-            <a:fillRect/>
-          </a:stretch>
-        </p:blipFill>
-        <p:spPr>
-          <a:xfrm>
-            <a:off x="8881638" y="6002437"/>
-            <a:ext cx="312517" cy="302871"/>
-          </a:xfrm>
-          <a:prstGeom prst="rect">
-            <a:avLst/>
-          </a:prstGeom>
-        </p:spPr>
-      </p:pic>
-      <p:pic>
-        <p:nvPicPr>
-          <p:cNvPr id="50" name="Picture 9" descr="Icon&#10;&#10;Description automatically generated">
-            <a:extLst>
-              <a:ext uri="{FF2B5EF4-FFF2-40B4-BE49-F238E27FC236}">
-                <a16:creationId xmlns:a16="http://schemas.microsoft.com/office/drawing/2014/main" id="{1EF6B3DC-8371-48DB-8B9B-7E9AB8BE4CFB}"/>
-              </a:ext>
-            </a:extLst>
-          </p:cNvPr>
-          <p:cNvPicPr>
-            <a:picLocks noChangeAspect="1"/>
-          </p:cNvPicPr>
-          <p:nvPr/>
-        </p:nvPicPr>
-        <p:blipFill>
-          <a:blip r:embed="rId3"/>
-          <a:stretch>
-            <a:fillRect/>
-          </a:stretch>
-        </p:blipFill>
-        <p:spPr>
-          <a:xfrm>
-            <a:off x="8524753" y="128285"/>
-            <a:ext cx="360745" cy="351100"/>
-          </a:xfrm>
-          <a:prstGeom prst="rect">
-            <a:avLst/>
-          </a:prstGeom>
-        </p:spPr>
-      </p:pic>
-      <p:pic>
-        <p:nvPicPr>
-          <p:cNvPr id="51" name="Picture 15" descr="Icon&#10;&#10;Description automatically generated">
-            <a:extLst>
-              <a:ext uri="{FF2B5EF4-FFF2-40B4-BE49-F238E27FC236}">
-                <a16:creationId xmlns:a16="http://schemas.microsoft.com/office/drawing/2014/main" id="{DA3002D1-A1FD-40A9-8BB6-FC0F8AA8ED06}"/>
-              </a:ext>
-            </a:extLst>
-          </p:cNvPr>
-          <p:cNvPicPr>
-            <a:picLocks noChangeAspect="1"/>
-          </p:cNvPicPr>
-          <p:nvPr/>
-        </p:nvPicPr>
-        <p:blipFill>
-          <a:blip r:embed="rId5"/>
-          <a:stretch>
-            <a:fillRect/>
-          </a:stretch>
-        </p:blipFill>
-        <p:spPr>
-          <a:xfrm>
-            <a:off x="8544044" y="996386"/>
-            <a:ext cx="322162" cy="293226"/>
-          </a:xfrm>
-          <a:prstGeom prst="rect">
-            <a:avLst/>
-          </a:prstGeom>
-        </p:spPr>
-      </p:pic>
-      <p:pic>
-        <p:nvPicPr>
-          <p:cNvPr id="52" name="Picture 11" descr="Icon&#10;&#10;Description automatically generated">
-            <a:extLst>
-              <a:ext uri="{FF2B5EF4-FFF2-40B4-BE49-F238E27FC236}">
-                <a16:creationId xmlns:a16="http://schemas.microsoft.com/office/drawing/2014/main" id="{9B2D1A92-FBF3-4B03-8E26-2A695BAE6E65}"/>
-              </a:ext>
-            </a:extLst>
-          </p:cNvPr>
-          <p:cNvPicPr>
-            <a:picLocks noChangeAspect="1"/>
-          </p:cNvPicPr>
-          <p:nvPr/>
-        </p:nvPicPr>
-        <p:blipFill>
-          <a:blip r:embed="rId4"/>
-          <a:stretch>
-            <a:fillRect/>
-          </a:stretch>
-        </p:blipFill>
-        <p:spPr>
-          <a:xfrm>
-            <a:off x="8563331" y="562335"/>
+            <a:off x="7681725" y="572922"/>
             <a:ext cx="283580" cy="273935"/>
           </a:xfrm>
           <a:prstGeom prst="rect">
@@ -6219,7 +6099,7 @@
         </p:nvSpPr>
         <p:spPr>
           <a:xfrm>
-            <a:off x="8862349" y="123462"/>
+            <a:off x="7980743" y="134049"/>
             <a:ext cx="900896" cy="369332"/>
           </a:xfrm>
           <a:prstGeom prst="rect">
@@ -6267,7 +6147,7 @@
         </p:nvSpPr>
         <p:spPr>
           <a:xfrm>
-            <a:off x="8862348" y="557512"/>
+            <a:off x="7980742" y="568099"/>
             <a:ext cx="1045579" cy="369332"/>
           </a:xfrm>
           <a:prstGeom prst="rect">
@@ -6312,7 +6192,7 @@
         </p:nvSpPr>
         <p:spPr>
           <a:xfrm>
-            <a:off x="8881638" y="962626"/>
+            <a:off x="8000032" y="973213"/>
             <a:ext cx="968415" cy="369332"/>
           </a:xfrm>
           <a:prstGeom prst="rect">
@@ -6465,10 +6345,316 @@
       </p:pic>
       <p:pic>
         <p:nvPicPr>
-          <p:cNvPr id="56" name="Picture 11" descr="Icon&#10;&#10;Description automatically generated">
-            <a:extLst>
-              <a:ext uri="{FF2B5EF4-FFF2-40B4-BE49-F238E27FC236}">
-                <a16:creationId xmlns:a16="http://schemas.microsoft.com/office/drawing/2014/main" id="{00312B6B-C93F-49CA-A053-FBF204D9CCE1}"/>
+          <p:cNvPr id="60" name="Picture 9" descr="Icon&#10;&#10;Description automatically generated">
+            <a:extLst>
+              <a:ext uri="{FF2B5EF4-FFF2-40B4-BE49-F238E27FC236}">
+                <a16:creationId xmlns:a16="http://schemas.microsoft.com/office/drawing/2014/main" id="{83F18A33-1B03-44AF-9B42-B388697078FC}"/>
+              </a:ext>
+            </a:extLst>
+          </p:cNvPr>
+          <p:cNvPicPr>
+            <a:picLocks noChangeAspect="1"/>
+          </p:cNvPicPr>
+          <p:nvPr/>
+        </p:nvPicPr>
+        <p:blipFill>
+          <a:blip r:embed="rId3"/>
+          <a:stretch>
+            <a:fillRect/>
+          </a:stretch>
+        </p:blipFill>
+        <p:spPr>
+          <a:xfrm>
+            <a:off x="1739664" y="4432697"/>
+            <a:ext cx="360745" cy="351100"/>
+          </a:xfrm>
+          <a:prstGeom prst="rect">
+            <a:avLst/>
+          </a:prstGeom>
+        </p:spPr>
+      </p:pic>
+      <p:pic>
+        <p:nvPicPr>
+          <p:cNvPr id="4" name="Picture 9" descr="Icon&#10;&#10;Description automatically generated">
+            <a:extLst>
+              <a:ext uri="{FF2B5EF4-FFF2-40B4-BE49-F238E27FC236}">
+                <a16:creationId xmlns:a16="http://schemas.microsoft.com/office/drawing/2014/main" id="{A010762D-ACD2-4E16-918B-F70E2FC85E33}"/>
+              </a:ext>
+            </a:extLst>
+          </p:cNvPr>
+          <p:cNvPicPr>
+            <a:picLocks noChangeAspect="1"/>
+          </p:cNvPicPr>
+          <p:nvPr/>
+        </p:nvPicPr>
+        <p:blipFill>
+          <a:blip r:embed="rId3"/>
+          <a:stretch>
+            <a:fillRect/>
+          </a:stretch>
+        </p:blipFill>
+        <p:spPr>
+          <a:xfrm>
+            <a:off x="11180812" y="5258063"/>
+            <a:ext cx="327950" cy="319182"/>
+          </a:xfrm>
+          <a:prstGeom prst="rect">
+            <a:avLst/>
+          </a:prstGeom>
+        </p:spPr>
+      </p:pic>
+      <p:pic>
+        <p:nvPicPr>
+          <p:cNvPr id="5" name="Picture 9" descr="Icon&#10;&#10;Description automatically generated">
+            <a:extLst>
+              <a:ext uri="{FF2B5EF4-FFF2-40B4-BE49-F238E27FC236}">
+                <a16:creationId xmlns:a16="http://schemas.microsoft.com/office/drawing/2014/main" id="{B7089E27-8384-4D52-A4BA-40D0E6D413C3}"/>
+              </a:ext>
+            </a:extLst>
+          </p:cNvPr>
+          <p:cNvPicPr>
+            <a:picLocks noChangeAspect="1"/>
+          </p:cNvPicPr>
+          <p:nvPr/>
+        </p:nvPicPr>
+        <p:blipFill>
+          <a:blip r:embed="rId3"/>
+          <a:stretch>
+            <a:fillRect/>
+          </a:stretch>
+        </p:blipFill>
+        <p:spPr>
+          <a:xfrm>
+            <a:off x="9860372" y="5617341"/>
+            <a:ext cx="327950" cy="319182"/>
+          </a:xfrm>
+          <a:prstGeom prst="rect">
+            <a:avLst/>
+          </a:prstGeom>
+        </p:spPr>
+      </p:pic>
+      <p:pic>
+        <p:nvPicPr>
+          <p:cNvPr id="2" name="Picture 9" descr="Icon&#10;&#10;Description automatically generated">
+            <a:extLst>
+              <a:ext uri="{FF2B5EF4-FFF2-40B4-BE49-F238E27FC236}">
+                <a16:creationId xmlns:a16="http://schemas.microsoft.com/office/drawing/2014/main" id="{0641A489-4088-4547-A7CB-F55B386DC83B}"/>
+              </a:ext>
+            </a:extLst>
+          </p:cNvPr>
+          <p:cNvPicPr>
+            <a:picLocks noChangeAspect="1"/>
+          </p:cNvPicPr>
+          <p:nvPr/>
+        </p:nvPicPr>
+        <p:blipFill>
+          <a:blip r:embed="rId3"/>
+          <a:stretch>
+            <a:fillRect/>
+          </a:stretch>
+        </p:blipFill>
+        <p:spPr>
+          <a:xfrm>
+            <a:off x="2349612" y="3729273"/>
+            <a:ext cx="360745" cy="351100"/>
+          </a:xfrm>
+          <a:prstGeom prst="rect">
+            <a:avLst/>
+          </a:prstGeom>
+        </p:spPr>
+      </p:pic>
+      <p:pic>
+        <p:nvPicPr>
+          <p:cNvPr id="3" name="Picture 9" descr="Icon&#10;&#10;Description automatically generated">
+            <a:extLst>
+              <a:ext uri="{FF2B5EF4-FFF2-40B4-BE49-F238E27FC236}">
+                <a16:creationId xmlns:a16="http://schemas.microsoft.com/office/drawing/2014/main" id="{ADA9468D-30FE-4B0D-8B94-78BEC3D7975F}"/>
+              </a:ext>
+            </a:extLst>
+          </p:cNvPr>
+          <p:cNvPicPr>
+            <a:picLocks noChangeAspect="1"/>
+          </p:cNvPicPr>
+          <p:nvPr/>
+        </p:nvPicPr>
+        <p:blipFill>
+          <a:blip r:embed="rId3"/>
+          <a:stretch>
+            <a:fillRect/>
+          </a:stretch>
+        </p:blipFill>
+        <p:spPr>
+          <a:xfrm>
+            <a:off x="9185472" y="3164614"/>
+            <a:ext cx="360745" cy="351100"/>
+          </a:xfrm>
+          <a:prstGeom prst="rect">
+            <a:avLst/>
+          </a:prstGeom>
+        </p:spPr>
+      </p:pic>
+      <p:sp>
+        <p:nvSpPr>
+          <p:cNvPr id="13" name="Rectangle 12">
+            <a:extLst>
+              <a:ext uri="{FF2B5EF4-FFF2-40B4-BE49-F238E27FC236}">
+                <a16:creationId xmlns:a16="http://schemas.microsoft.com/office/drawing/2014/main" id="{817C4192-73F7-4C9F-AF6A-149C6B90EEA8}"/>
+              </a:ext>
+            </a:extLst>
+          </p:cNvPr>
+          <p:cNvSpPr/>
+          <p:nvPr/>
+        </p:nvSpPr>
+        <p:spPr>
+          <a:xfrm>
+            <a:off x="5422564" y="3670720"/>
+            <a:ext cx="5758248" cy="45719"/>
+          </a:xfrm>
+          <a:prstGeom prst="rect">
+            <a:avLst/>
+          </a:prstGeom>
+          <a:solidFill>
+            <a:srgbClr val="00B050"/>
+          </a:solidFill>
+          <a:ln>
+            <a:noFill/>
+          </a:ln>
+        </p:spPr>
+        <p:style>
+          <a:lnRef idx="2">
+            <a:schemeClr val="accent1">
+              <a:shade val="50000"/>
+            </a:schemeClr>
+          </a:lnRef>
+          <a:fillRef idx="1">
+            <a:schemeClr val="accent1"/>
+          </a:fillRef>
+          <a:effectRef idx="0">
+            <a:schemeClr val="accent1"/>
+          </a:effectRef>
+          <a:fontRef idx="minor">
+            <a:schemeClr val="lt1"/>
+          </a:fontRef>
+        </p:style>
+        <p:txBody>
+          <a:bodyPr rtlCol="0" anchor="ctr"/>
+          <a:lstStyle/>
+          <a:p>
+            <a:pPr algn="ctr"/>
+            <a:endParaRPr lang="pt-BR"/>
+          </a:p>
+        </p:txBody>
+      </p:sp>
+      <p:sp>
+        <p:nvSpPr>
+          <p:cNvPr id="15" name="Rectangle 14">
+            <a:extLst>
+              <a:ext uri="{FF2B5EF4-FFF2-40B4-BE49-F238E27FC236}">
+                <a16:creationId xmlns:a16="http://schemas.microsoft.com/office/drawing/2014/main" id="{6310B8D3-5933-430D-BC76-878B954D9032}"/>
+              </a:ext>
+            </a:extLst>
+          </p:cNvPr>
+          <p:cNvSpPr/>
+          <p:nvPr/>
+        </p:nvSpPr>
+        <p:spPr>
+          <a:xfrm>
+            <a:off x="5422564" y="2595408"/>
+            <a:ext cx="5758248" cy="45719"/>
+          </a:xfrm>
+          <a:prstGeom prst="rect">
+            <a:avLst/>
+          </a:prstGeom>
+          <a:solidFill>
+            <a:srgbClr val="00B050"/>
+          </a:solidFill>
+          <a:ln>
+            <a:noFill/>
+          </a:ln>
+        </p:spPr>
+        <p:style>
+          <a:lnRef idx="2">
+            <a:schemeClr val="accent1">
+              <a:shade val="50000"/>
+            </a:schemeClr>
+          </a:lnRef>
+          <a:fillRef idx="1">
+            <a:schemeClr val="accent1"/>
+          </a:fillRef>
+          <a:effectRef idx="0">
+            <a:schemeClr val="accent1"/>
+          </a:effectRef>
+          <a:fontRef idx="minor">
+            <a:schemeClr val="lt1"/>
+          </a:fontRef>
+        </p:style>
+        <p:txBody>
+          <a:bodyPr rtlCol="0" anchor="ctr"/>
+          <a:lstStyle/>
+          <a:p>
+            <a:pPr algn="ctr"/>
+            <a:endParaRPr lang="pt-BR"/>
+          </a:p>
+        </p:txBody>
+      </p:sp>
+      <p:sp>
+        <p:nvSpPr>
+          <p:cNvPr id="17" name="Rectangle 16">
+            <a:extLst>
+              <a:ext uri="{FF2B5EF4-FFF2-40B4-BE49-F238E27FC236}">
+                <a16:creationId xmlns:a16="http://schemas.microsoft.com/office/drawing/2014/main" id="{983B4702-F9A2-45AA-8182-5604900D9465}"/>
+              </a:ext>
+            </a:extLst>
+          </p:cNvPr>
+          <p:cNvSpPr/>
+          <p:nvPr/>
+        </p:nvSpPr>
+        <p:spPr>
+          <a:xfrm>
+            <a:off x="3913364" y="6128705"/>
+            <a:ext cx="5758248" cy="45719"/>
+          </a:xfrm>
+          <a:prstGeom prst="rect">
+            <a:avLst/>
+          </a:prstGeom>
+          <a:solidFill>
+            <a:srgbClr val="00B050"/>
+          </a:solidFill>
+          <a:ln>
+            <a:noFill/>
+          </a:ln>
+        </p:spPr>
+        <p:style>
+          <a:lnRef idx="2">
+            <a:schemeClr val="accent1">
+              <a:shade val="50000"/>
+            </a:schemeClr>
+          </a:lnRef>
+          <a:fillRef idx="1">
+            <a:schemeClr val="accent1"/>
+          </a:fillRef>
+          <a:effectRef idx="0">
+            <a:schemeClr val="accent1"/>
+          </a:effectRef>
+          <a:fontRef idx="minor">
+            <a:schemeClr val="lt1"/>
+          </a:fontRef>
+        </p:style>
+        <p:txBody>
+          <a:bodyPr rtlCol="0" anchor="ctr"/>
+          <a:lstStyle/>
+          <a:p>
+            <a:pPr algn="ctr"/>
+            <a:endParaRPr lang="pt-BR"/>
+          </a:p>
+        </p:txBody>
+      </p:sp>
+      <p:pic>
+        <p:nvPicPr>
+          <p:cNvPr id="9" name="Picture 15" descr="Icon&#10;&#10;Description automatically generated">
+            <a:extLst>
+              <a:ext uri="{FF2B5EF4-FFF2-40B4-BE49-F238E27FC236}">
+                <a16:creationId xmlns:a16="http://schemas.microsoft.com/office/drawing/2014/main" id="{EA9C2ED5-0FBA-4F7E-8E8C-8EFFFE432006}"/>
               </a:ext>
             </a:extLst>
           </p:cNvPr>
@@ -6485,80 +6671,269 @@
         </p:blipFill>
         <p:spPr>
           <a:xfrm>
-            <a:off x="10684487" y="4872596"/>
-            <a:ext cx="283580" cy="273935"/>
+            <a:off x="10727523" y="2117203"/>
+            <a:ext cx="322162" cy="293226"/>
           </a:xfrm>
           <a:prstGeom prst="rect">
             <a:avLst/>
           </a:prstGeom>
         </p:spPr>
       </p:pic>
+      <p:sp>
+        <p:nvSpPr>
+          <p:cNvPr id="10" name="Sinal de Adição 9">
+            <a:extLst>
+              <a:ext uri="{FF2B5EF4-FFF2-40B4-BE49-F238E27FC236}">
+                <a16:creationId xmlns:a16="http://schemas.microsoft.com/office/drawing/2014/main" id="{6ECFB6F4-41C4-4E7D-BE03-22D1BE57F6EC}"/>
+              </a:ext>
+            </a:extLst>
+          </p:cNvPr>
+          <p:cNvSpPr/>
+          <p:nvPr/>
+        </p:nvSpPr>
+        <p:spPr>
+          <a:xfrm>
+            <a:off x="9296081" y="656573"/>
+            <a:ext cx="300901" cy="369332"/>
+          </a:xfrm>
+          <a:prstGeom prst="mathPlus">
+            <a:avLst/>
+          </a:prstGeom>
+        </p:spPr>
+        <p:style>
+          <a:lnRef idx="2">
+            <a:schemeClr val="accent4"/>
+          </a:lnRef>
+          <a:fillRef idx="1">
+            <a:schemeClr val="lt1"/>
+          </a:fillRef>
+          <a:effectRef idx="0">
+            <a:schemeClr val="accent4"/>
+          </a:effectRef>
+          <a:fontRef idx="minor">
+            <a:schemeClr val="dk1"/>
+          </a:fontRef>
+        </p:style>
+        <p:txBody>
+          <a:bodyPr rtlCol="0" anchor="ctr"/>
+          <a:lstStyle/>
+          <a:p>
+            <a:pPr algn="ctr"/>
+            <a:endParaRPr lang="pt-BR" b="1" spc="50">
+              <a:ln w="0"/>
+              <a:solidFill>
+                <a:schemeClr val="bg2"/>
+              </a:solidFill>
+              <a:effectLst>
+                <a:innerShdw blurRad="63500" dist="50800" dir="13500000">
+                  <a:srgbClr val="000000">
+                    <a:alpha val="50000"/>
+                  </a:srgbClr>
+                </a:innerShdw>
+              </a:effectLst>
+            </a:endParaRPr>
+          </a:p>
+        </p:txBody>
+      </p:sp>
+      <p:sp>
+        <p:nvSpPr>
+          <p:cNvPr id="11" name="TextBox 53">
+            <a:extLst>
+              <a:ext uri="{FF2B5EF4-FFF2-40B4-BE49-F238E27FC236}">
+                <a16:creationId xmlns:a16="http://schemas.microsoft.com/office/drawing/2014/main" id="{A1257C31-BCC3-488F-9595-234877A13CAF}"/>
+              </a:ext>
+            </a:extLst>
+          </p:cNvPr>
+          <p:cNvSpPr txBox="1"/>
+          <p:nvPr/>
+        </p:nvSpPr>
+        <p:spPr>
+          <a:xfrm>
+            <a:off x="9593375" y="694506"/>
+            <a:ext cx="1986779" cy="369332"/>
+          </a:xfrm>
+          <a:prstGeom prst="rect">
+            <a:avLst/>
+          </a:prstGeom>
+          <a:noFill/>
+        </p:spPr>
+        <p:txBody>
+          <a:bodyPr rot="0" spcFirstLastPara="0" vertOverflow="overflow" horzOverflow="overflow" vert="horz" wrap="square" lIns="91440" tIns="45720" rIns="91440" bIns="45720" numCol="1" spcCol="0" rtlCol="0" fromWordArt="0" anchor="t" anchorCtr="0" forceAA="0" compatLnSpc="1">
+            <a:prstTxWarp prst="textNoShape">
+              <a:avLst/>
+            </a:prstTxWarp>
+            <a:spAutoFit/>
+          </a:bodyPr>
+          <a:lstStyle/>
+          <a:p>
+            <a:r>
+              <a:rPr lang="en-US" b="1" dirty="0">
+                <a:solidFill>
+                  <a:schemeClr val="tx1">
+                    <a:lumMod val="75000"/>
+                    <a:lumOff val="25000"/>
+                  </a:schemeClr>
+                </a:solidFill>
+              </a:rPr>
+              <a:t>EM VALIDAÇÃO</a:t>
+            </a:r>
+          </a:p>
+        </p:txBody>
+      </p:sp>
+      <p:sp>
+        <p:nvSpPr>
+          <p:cNvPr id="14" name="Sinal de Adição 13">
+            <a:extLst>
+              <a:ext uri="{FF2B5EF4-FFF2-40B4-BE49-F238E27FC236}">
+                <a16:creationId xmlns:a16="http://schemas.microsoft.com/office/drawing/2014/main" id="{6D782245-099B-4506-ADA8-BD65693F5B2F}"/>
+              </a:ext>
+            </a:extLst>
+          </p:cNvPr>
+          <p:cNvSpPr/>
+          <p:nvPr/>
+        </p:nvSpPr>
+        <p:spPr>
+          <a:xfrm>
+            <a:off x="530874" y="3693579"/>
+            <a:ext cx="300901" cy="369332"/>
+          </a:xfrm>
+          <a:prstGeom prst="mathPlus">
+            <a:avLst/>
+          </a:prstGeom>
+        </p:spPr>
+        <p:style>
+          <a:lnRef idx="2">
+            <a:schemeClr val="accent4"/>
+          </a:lnRef>
+          <a:fillRef idx="1">
+            <a:schemeClr val="lt1"/>
+          </a:fillRef>
+          <a:effectRef idx="0">
+            <a:schemeClr val="accent4"/>
+          </a:effectRef>
+          <a:fontRef idx="minor">
+            <a:schemeClr val="dk1"/>
+          </a:fontRef>
+        </p:style>
+        <p:txBody>
+          <a:bodyPr rtlCol="0" anchor="ctr"/>
+          <a:lstStyle/>
+          <a:p>
+            <a:pPr algn="ctr"/>
+            <a:endParaRPr lang="pt-BR" b="1" spc="50">
+              <a:ln w="0"/>
+              <a:solidFill>
+                <a:schemeClr val="bg2"/>
+              </a:solidFill>
+              <a:effectLst>
+                <a:innerShdw blurRad="63500" dist="50800" dir="13500000">
+                  <a:srgbClr val="000000">
+                    <a:alpha val="50000"/>
+                  </a:srgbClr>
+                </a:innerShdw>
+              </a:effectLst>
+            </a:endParaRPr>
+          </a:p>
+        </p:txBody>
+      </p:sp>
+      <p:sp>
+        <p:nvSpPr>
+          <p:cNvPr id="16" name="Sinal de Adição 15">
+            <a:extLst>
+              <a:ext uri="{FF2B5EF4-FFF2-40B4-BE49-F238E27FC236}">
+                <a16:creationId xmlns:a16="http://schemas.microsoft.com/office/drawing/2014/main" id="{ADC49103-8062-44E2-93C3-892812891EED}"/>
+              </a:ext>
+            </a:extLst>
+          </p:cNvPr>
+          <p:cNvSpPr/>
+          <p:nvPr/>
+        </p:nvSpPr>
+        <p:spPr>
+          <a:xfrm>
+            <a:off x="3823315" y="4860877"/>
+            <a:ext cx="300901" cy="369332"/>
+          </a:xfrm>
+          <a:prstGeom prst="mathPlus">
+            <a:avLst/>
+          </a:prstGeom>
+        </p:spPr>
+        <p:style>
+          <a:lnRef idx="2">
+            <a:schemeClr val="accent4"/>
+          </a:lnRef>
+          <a:fillRef idx="1">
+            <a:schemeClr val="lt1"/>
+          </a:fillRef>
+          <a:effectRef idx="0">
+            <a:schemeClr val="accent4"/>
+          </a:effectRef>
+          <a:fontRef idx="minor">
+            <a:schemeClr val="dk1"/>
+          </a:fontRef>
+        </p:style>
+        <p:txBody>
+          <a:bodyPr rtlCol="0" anchor="ctr"/>
+          <a:lstStyle/>
+          <a:p>
+            <a:pPr algn="ctr"/>
+            <a:endParaRPr lang="pt-BR" b="1" spc="50">
+              <a:ln w="0"/>
+              <a:solidFill>
+                <a:schemeClr val="bg2"/>
+              </a:solidFill>
+              <a:effectLst>
+                <a:innerShdw blurRad="63500" dist="50800" dir="13500000">
+                  <a:srgbClr val="000000">
+                    <a:alpha val="50000"/>
+                  </a:srgbClr>
+                </a:innerShdw>
+              </a:effectLst>
+            </a:endParaRPr>
+          </a:p>
+        </p:txBody>
+      </p:sp>
+      <p:sp>
+        <p:nvSpPr>
+          <p:cNvPr id="19" name="CaixaDeTexto 18">
+            <a:extLst>
+              <a:ext uri="{FF2B5EF4-FFF2-40B4-BE49-F238E27FC236}">
+                <a16:creationId xmlns:a16="http://schemas.microsoft.com/office/drawing/2014/main" id="{994D1197-176F-4328-A00C-02ABACB140D0}"/>
+              </a:ext>
+            </a:extLst>
+          </p:cNvPr>
+          <p:cNvSpPr txBox="1"/>
+          <p:nvPr/>
+        </p:nvSpPr>
+        <p:spPr>
+          <a:xfrm>
+            <a:off x="2508501" y="5239877"/>
+            <a:ext cx="1563752" cy="307777"/>
+          </a:xfrm>
+          <a:prstGeom prst="rect">
+            <a:avLst/>
+          </a:prstGeom>
+          <a:noFill/>
+        </p:spPr>
+        <p:txBody>
+          <a:bodyPr wrap="square" rtlCol="0">
+            <a:spAutoFit/>
+          </a:bodyPr>
+          <a:lstStyle/>
+          <a:p>
+            <a:r>
+              <a:rPr lang="en-US" sz="1400" dirty="0"/>
+              <a:t>Falta tempo real</a:t>
+            </a:r>
+            <a:endParaRPr lang="pt-BR" sz="1400" dirty="0"/>
+          </a:p>
+        </p:txBody>
+      </p:sp>
       <p:pic>
         <p:nvPicPr>
-          <p:cNvPr id="57" name="Picture 11" descr="Icon&#10;&#10;Description automatically generated">
-            <a:extLst>
-              <a:ext uri="{FF2B5EF4-FFF2-40B4-BE49-F238E27FC236}">
-                <a16:creationId xmlns:a16="http://schemas.microsoft.com/office/drawing/2014/main" id="{23997025-AFCA-4ED0-8DBE-F1E67C6B2DE5}"/>
-              </a:ext>
-            </a:extLst>
-          </p:cNvPr>
-          <p:cNvPicPr>
-            <a:picLocks noChangeAspect="1"/>
-          </p:cNvPicPr>
-          <p:nvPr/>
-        </p:nvPicPr>
-        <p:blipFill>
-          <a:blip r:embed="rId4"/>
-          <a:stretch>
-            <a:fillRect/>
-          </a:stretch>
-        </p:blipFill>
-        <p:spPr>
-          <a:xfrm>
-            <a:off x="9194234" y="3192463"/>
-            <a:ext cx="283580" cy="273935"/>
-          </a:xfrm>
-          <a:prstGeom prst="rect">
-            <a:avLst/>
-          </a:prstGeom>
-        </p:spPr>
-      </p:pic>
-      <p:pic>
-        <p:nvPicPr>
-          <p:cNvPr id="58" name="Picture 15" descr="Icon&#10;&#10;Description automatically generated">
-            <a:extLst>
-              <a:ext uri="{FF2B5EF4-FFF2-40B4-BE49-F238E27FC236}">
-                <a16:creationId xmlns:a16="http://schemas.microsoft.com/office/drawing/2014/main" id="{C9C79A4F-9100-49CE-B7B5-A01823F33F54}"/>
-              </a:ext>
-            </a:extLst>
-          </p:cNvPr>
-          <p:cNvPicPr>
-            <a:picLocks noChangeAspect="1"/>
-          </p:cNvPicPr>
-          <p:nvPr/>
-        </p:nvPicPr>
-        <p:blipFill>
-          <a:blip r:embed="rId5"/>
-          <a:stretch>
-            <a:fillRect/>
-          </a:stretch>
-        </p:blipFill>
-        <p:spPr>
-          <a:xfrm>
-            <a:off x="10715335" y="3552773"/>
-            <a:ext cx="322162" cy="293226"/>
-          </a:xfrm>
-          <a:prstGeom prst="rect">
-            <a:avLst/>
-          </a:prstGeom>
-        </p:spPr>
-      </p:pic>
-      <p:pic>
-        <p:nvPicPr>
-          <p:cNvPr id="60" name="Picture 9" descr="Icon&#10;&#10;Description automatically generated">
-            <a:extLst>
-              <a:ext uri="{FF2B5EF4-FFF2-40B4-BE49-F238E27FC236}">
-                <a16:creationId xmlns:a16="http://schemas.microsoft.com/office/drawing/2014/main" id="{83F18A33-1B03-44AF-9B42-B388697078FC}"/>
+          <p:cNvPr id="20" name="Picture 9" descr="Icon&#10;&#10;Description automatically generated">
+            <a:extLst>
+              <a:ext uri="{FF2B5EF4-FFF2-40B4-BE49-F238E27FC236}">
+                <a16:creationId xmlns:a16="http://schemas.microsoft.com/office/drawing/2014/main" id="{7C2DE499-00FC-4EF4-99B2-06C2127673B3}"/>
               </a:ext>
             </a:extLst>
           </p:cNvPr>
@@ -6575,67 +6950,7 @@
         </p:blipFill>
         <p:spPr>
           <a:xfrm>
-            <a:off x="1739664" y="4432697"/>
-            <a:ext cx="360745" cy="351100"/>
-          </a:xfrm>
-          <a:prstGeom prst="rect">
-            <a:avLst/>
-          </a:prstGeom>
-        </p:spPr>
-      </p:pic>
-      <p:pic>
-        <p:nvPicPr>
-          <p:cNvPr id="4" name="Picture 9" descr="Icon&#10;&#10;Description automatically generated">
-            <a:extLst>
-              <a:ext uri="{FF2B5EF4-FFF2-40B4-BE49-F238E27FC236}">
-                <a16:creationId xmlns:a16="http://schemas.microsoft.com/office/drawing/2014/main" id="{A010762D-ACD2-4E16-918B-F70E2FC85E33}"/>
-              </a:ext>
-            </a:extLst>
-          </p:cNvPr>
-          <p:cNvPicPr>
-            <a:picLocks noChangeAspect="1"/>
-          </p:cNvPicPr>
-          <p:nvPr/>
-        </p:nvPicPr>
-        <p:blipFill>
-          <a:blip r:embed="rId3"/>
-          <a:stretch>
-            <a:fillRect/>
-          </a:stretch>
-        </p:blipFill>
-        <p:spPr>
-          <a:xfrm>
-            <a:off x="11180891" y="5167962"/>
-            <a:ext cx="360745" cy="351100"/>
-          </a:xfrm>
-          <a:prstGeom prst="rect">
-            <a:avLst/>
-          </a:prstGeom>
-        </p:spPr>
-      </p:pic>
-      <p:pic>
-        <p:nvPicPr>
-          <p:cNvPr id="5" name="Picture 9" descr="Icon&#10;&#10;Description automatically generated">
-            <a:extLst>
-              <a:ext uri="{FF2B5EF4-FFF2-40B4-BE49-F238E27FC236}">
-                <a16:creationId xmlns:a16="http://schemas.microsoft.com/office/drawing/2014/main" id="{B7089E27-8384-4D52-A4BA-40D0E6D413C3}"/>
-              </a:ext>
-            </a:extLst>
-          </p:cNvPr>
-          <p:cNvPicPr>
-            <a:picLocks noChangeAspect="1"/>
-          </p:cNvPicPr>
-          <p:nvPr/>
-        </p:nvPicPr>
-        <p:blipFill>
-          <a:blip r:embed="rId3"/>
-          <a:stretch>
-            <a:fillRect/>
-          </a:stretch>
-        </p:blipFill>
-        <p:spPr>
-          <a:xfrm>
-            <a:off x="9860451" y="5527240"/>
+            <a:off x="10688940" y="4858474"/>
             <a:ext cx="360745" cy="351100"/>
           </a:xfrm>
           <a:prstGeom prst="rect">
@@ -6999,10 +7314,10 @@
       </p:pic>
       <p:pic>
         <p:nvPicPr>
-          <p:cNvPr id="6" name="Picture 11" descr="Icon&#10;&#10;Description automatically generated">
-            <a:extLst>
-              <a:ext uri="{FF2B5EF4-FFF2-40B4-BE49-F238E27FC236}">
-                <a16:creationId xmlns:a16="http://schemas.microsoft.com/office/drawing/2014/main" id="{C5134A0C-2F9D-461C-AA98-D0EC18B9D36C}"/>
+          <p:cNvPr id="7" name="Picture 15" descr="Icon&#10;&#10;Description automatically generated">
+            <a:extLst>
+              <a:ext uri="{FF2B5EF4-FFF2-40B4-BE49-F238E27FC236}">
+                <a16:creationId xmlns:a16="http://schemas.microsoft.com/office/drawing/2014/main" id="{4414CAE9-7D55-4DA0-9A44-BA397F67C2BD}"/>
               </a:ext>
             </a:extLst>
           </p:cNvPr>
@@ -7019,36 +7334,6 @@
         </p:blipFill>
         <p:spPr>
           <a:xfrm>
-            <a:off x="3200400" y="6031375"/>
-            <a:ext cx="283580" cy="273935"/>
-          </a:xfrm>
-          <a:prstGeom prst="rect">
-            <a:avLst/>
-          </a:prstGeom>
-        </p:spPr>
-      </p:pic>
-      <p:pic>
-        <p:nvPicPr>
-          <p:cNvPr id="7" name="Picture 15" descr="Icon&#10;&#10;Description automatically generated">
-            <a:extLst>
-              <a:ext uri="{FF2B5EF4-FFF2-40B4-BE49-F238E27FC236}">
-                <a16:creationId xmlns:a16="http://schemas.microsoft.com/office/drawing/2014/main" id="{4414CAE9-7D55-4DA0-9A44-BA397F67C2BD}"/>
-              </a:ext>
-            </a:extLst>
-          </p:cNvPr>
-          <p:cNvPicPr>
-            <a:picLocks noChangeAspect="1"/>
-          </p:cNvPicPr>
-          <p:nvPr/>
-        </p:nvPicPr>
-        <p:blipFill>
-          <a:blip r:embed="rId5"/>
-          <a:stretch>
-            <a:fillRect/>
-          </a:stretch>
-        </p:blipFill>
-        <p:spPr>
-          <a:xfrm>
             <a:off x="6190524" y="4922133"/>
             <a:ext cx="312517" cy="302871"/>
           </a:xfrm>
@@ -7179,10 +7464,10 @@
       </p:pic>
       <p:pic>
         <p:nvPicPr>
-          <p:cNvPr id="25" name="Picture 15" descr="Icon&#10;&#10;Description automatically generated">
-            <a:extLst>
-              <a:ext uri="{FF2B5EF4-FFF2-40B4-BE49-F238E27FC236}">
-                <a16:creationId xmlns:a16="http://schemas.microsoft.com/office/drawing/2014/main" id="{4437882C-E62D-447C-A114-B1731AD2BAB1}"/>
+          <p:cNvPr id="8" name="Picture 9" descr="Icon&#10;&#10;Description automatically generated">
+            <a:extLst>
+              <a:ext uri="{FF2B5EF4-FFF2-40B4-BE49-F238E27FC236}">
+                <a16:creationId xmlns:a16="http://schemas.microsoft.com/office/drawing/2014/main" id="{B4B370D7-8D8B-43D6-846D-09FF44CA9EF9}"/>
               </a:ext>
             </a:extLst>
           </p:cNvPr>
@@ -7192,15 +7477,15 @@
           <p:nvPr/>
         </p:nvPicPr>
         <p:blipFill>
-          <a:blip r:embed="rId5"/>
+          <a:blip r:embed="rId3"/>
           <a:stretch>
             <a:fillRect/>
           </a:stretch>
         </p:blipFill>
         <p:spPr>
           <a:xfrm>
-            <a:off x="6894650" y="3427069"/>
-            <a:ext cx="312517" cy="302871"/>
+            <a:off x="10106626" y="543045"/>
+            <a:ext cx="360745" cy="351100"/>
           </a:xfrm>
           <a:prstGeom prst="rect">
             <a:avLst/>
@@ -7209,10 +7494,10 @@
       </p:pic>
       <p:pic>
         <p:nvPicPr>
-          <p:cNvPr id="26" name="Picture 11" descr="Icon&#10;&#10;Description automatically generated">
-            <a:extLst>
-              <a:ext uri="{FF2B5EF4-FFF2-40B4-BE49-F238E27FC236}">
-                <a16:creationId xmlns:a16="http://schemas.microsoft.com/office/drawing/2014/main" id="{7B44414F-0D31-4540-AF2A-0057132619AC}"/>
+          <p:cNvPr id="9" name="Picture 15" descr="Icon&#10;&#10;Description automatically generated">
+            <a:extLst>
+              <a:ext uri="{FF2B5EF4-FFF2-40B4-BE49-F238E27FC236}">
+                <a16:creationId xmlns:a16="http://schemas.microsoft.com/office/drawing/2014/main" id="{6D351F39-0186-491B-89C4-35C6D9498A2A}"/>
               </a:ext>
             </a:extLst>
           </p:cNvPr>
@@ -7229,8 +7514,8 @@
         </p:blipFill>
         <p:spPr>
           <a:xfrm>
-            <a:off x="4232474" y="3812893"/>
-            <a:ext cx="283580" cy="273935"/>
+            <a:off x="10125917" y="1411145"/>
+            <a:ext cx="322162" cy="293226"/>
           </a:xfrm>
           <a:prstGeom prst="rect">
             <a:avLst/>
@@ -7239,70 +7524,10 @@
       </p:pic>
       <p:pic>
         <p:nvPicPr>
-          <p:cNvPr id="27" name="Picture 11" descr="Icon&#10;&#10;Description automatically generated">
-            <a:extLst>
-              <a:ext uri="{FF2B5EF4-FFF2-40B4-BE49-F238E27FC236}">
-                <a16:creationId xmlns:a16="http://schemas.microsoft.com/office/drawing/2014/main" id="{8E0B1506-FD28-427C-BE61-6DC22ABEC9B0}"/>
-              </a:ext>
-            </a:extLst>
-          </p:cNvPr>
-          <p:cNvPicPr>
-            <a:picLocks noChangeAspect="1"/>
-          </p:cNvPicPr>
-          <p:nvPr/>
-        </p:nvPicPr>
-        <p:blipFill>
-          <a:blip r:embed="rId4"/>
-          <a:stretch>
-            <a:fillRect/>
-          </a:stretch>
-        </p:blipFill>
-        <p:spPr>
-          <a:xfrm>
-            <a:off x="8862347" y="3050892"/>
-            <a:ext cx="283580" cy="273935"/>
-          </a:xfrm>
-          <a:prstGeom prst="rect">
-            <a:avLst/>
-          </a:prstGeom>
-        </p:spPr>
-      </p:pic>
-      <p:pic>
-        <p:nvPicPr>
-          <p:cNvPr id="8" name="Picture 9" descr="Icon&#10;&#10;Description automatically generated">
-            <a:extLst>
-              <a:ext uri="{FF2B5EF4-FFF2-40B4-BE49-F238E27FC236}">
-                <a16:creationId xmlns:a16="http://schemas.microsoft.com/office/drawing/2014/main" id="{B4B370D7-8D8B-43D6-846D-09FF44CA9EF9}"/>
-              </a:ext>
-            </a:extLst>
-          </p:cNvPr>
-          <p:cNvPicPr>
-            <a:picLocks noChangeAspect="1"/>
-          </p:cNvPicPr>
-          <p:nvPr/>
-        </p:nvPicPr>
-        <p:blipFill>
-          <a:blip r:embed="rId3"/>
-          <a:stretch>
-            <a:fillRect/>
-          </a:stretch>
-        </p:blipFill>
-        <p:spPr>
-          <a:xfrm>
-            <a:off x="10106626" y="543045"/>
-            <a:ext cx="360745" cy="351100"/>
-          </a:xfrm>
-          <a:prstGeom prst="rect">
-            <a:avLst/>
-          </a:prstGeom>
-        </p:spPr>
-      </p:pic>
-      <p:pic>
-        <p:nvPicPr>
-          <p:cNvPr id="9" name="Picture 15" descr="Icon&#10;&#10;Description automatically generated">
-            <a:extLst>
-              <a:ext uri="{FF2B5EF4-FFF2-40B4-BE49-F238E27FC236}">
-                <a16:creationId xmlns:a16="http://schemas.microsoft.com/office/drawing/2014/main" id="{6D351F39-0186-491B-89C4-35C6D9498A2A}"/>
+          <p:cNvPr id="10" name="Picture 11" descr="Icon&#10;&#10;Description automatically generated">
+            <a:extLst>
+              <a:ext uri="{FF2B5EF4-FFF2-40B4-BE49-F238E27FC236}">
+                <a16:creationId xmlns:a16="http://schemas.microsoft.com/office/drawing/2014/main" id="{EF99B988-4C33-4092-9CBA-B35B2DD50C56}"/>
               </a:ext>
             </a:extLst>
           </p:cNvPr>
@@ -7313,36 +7538,6 @@
         </p:nvPicPr>
         <p:blipFill>
           <a:blip r:embed="rId5"/>
-          <a:stretch>
-            <a:fillRect/>
-          </a:stretch>
-        </p:blipFill>
-        <p:spPr>
-          <a:xfrm>
-            <a:off x="10125917" y="1411145"/>
-            <a:ext cx="322162" cy="293226"/>
-          </a:xfrm>
-          <a:prstGeom prst="rect">
-            <a:avLst/>
-          </a:prstGeom>
-        </p:spPr>
-      </p:pic>
-      <p:pic>
-        <p:nvPicPr>
-          <p:cNvPr id="10" name="Picture 11" descr="Icon&#10;&#10;Description automatically generated">
-            <a:extLst>
-              <a:ext uri="{FF2B5EF4-FFF2-40B4-BE49-F238E27FC236}">
-                <a16:creationId xmlns:a16="http://schemas.microsoft.com/office/drawing/2014/main" id="{EF99B988-4C33-4092-9CBA-B35B2DD50C56}"/>
-              </a:ext>
-            </a:extLst>
-          </p:cNvPr>
-          <p:cNvPicPr>
-            <a:picLocks noChangeAspect="1"/>
-          </p:cNvPicPr>
-          <p:nvPr/>
-        </p:nvPicPr>
-        <p:blipFill>
-          <a:blip r:embed="rId4"/>
           <a:stretch>
             <a:fillRect/>
           </a:stretch>
@@ -7497,10 +7692,10 @@
       </p:sp>
       <p:pic>
         <p:nvPicPr>
-          <p:cNvPr id="28" name="Picture 9" descr="Icon&#10;&#10;Description automatically generated">
-            <a:extLst>
-              <a:ext uri="{FF2B5EF4-FFF2-40B4-BE49-F238E27FC236}">
-                <a16:creationId xmlns:a16="http://schemas.microsoft.com/office/drawing/2014/main" id="{F77A05C5-BF4F-4CB4-B80D-EECF7B0C363B}"/>
+          <p:cNvPr id="15" name="Picture 9" descr="Icon&#10;&#10;Description automatically generated">
+            <a:extLst>
+              <a:ext uri="{FF2B5EF4-FFF2-40B4-BE49-F238E27FC236}">
+                <a16:creationId xmlns:a16="http://schemas.microsoft.com/office/drawing/2014/main" id="{1FA75C6B-5149-4971-B8B1-884B4D818C59}"/>
               </a:ext>
             </a:extLst>
           </p:cNvPr>
@@ -7517,8 +7712,128 @@
         </p:blipFill>
         <p:spPr>
           <a:xfrm>
-            <a:off x="3158288" y="5654467"/>
+            <a:off x="3158288" y="5994480"/>
             <a:ext cx="360745" cy="351100"/>
+          </a:xfrm>
+          <a:prstGeom prst="rect">
+            <a:avLst/>
+          </a:prstGeom>
+        </p:spPr>
+      </p:pic>
+      <p:pic>
+        <p:nvPicPr>
+          <p:cNvPr id="16" name="Picture 15" descr="Icon&#10;&#10;Description automatically generated">
+            <a:extLst>
+              <a:ext uri="{FF2B5EF4-FFF2-40B4-BE49-F238E27FC236}">
+                <a16:creationId xmlns:a16="http://schemas.microsoft.com/office/drawing/2014/main" id="{3D4B42A6-425A-405C-80CF-C1BC7F34B69F}"/>
+              </a:ext>
+            </a:extLst>
+          </p:cNvPr>
+          <p:cNvPicPr>
+            <a:picLocks noChangeAspect="1"/>
+          </p:cNvPicPr>
+          <p:nvPr/>
+        </p:nvPicPr>
+        <p:blipFill>
+          <a:blip r:embed="rId4"/>
+          <a:stretch>
+            <a:fillRect/>
+          </a:stretch>
+        </p:blipFill>
+        <p:spPr>
+          <a:xfrm>
+            <a:off x="4249630" y="3818550"/>
+            <a:ext cx="312517" cy="302871"/>
+          </a:xfrm>
+          <a:prstGeom prst="rect">
+            <a:avLst/>
+          </a:prstGeom>
+        </p:spPr>
+      </p:pic>
+      <p:pic>
+        <p:nvPicPr>
+          <p:cNvPr id="17" name="Picture 15" descr="Icon&#10;&#10;Description automatically generated">
+            <a:extLst>
+              <a:ext uri="{FF2B5EF4-FFF2-40B4-BE49-F238E27FC236}">
+                <a16:creationId xmlns:a16="http://schemas.microsoft.com/office/drawing/2014/main" id="{017C4B1D-6309-4308-9D06-521C02871999}"/>
+              </a:ext>
+            </a:extLst>
+          </p:cNvPr>
+          <p:cNvPicPr>
+            <a:picLocks noChangeAspect="1"/>
+          </p:cNvPicPr>
+          <p:nvPr/>
+        </p:nvPicPr>
+        <p:blipFill>
+          <a:blip r:embed="rId4"/>
+          <a:stretch>
+            <a:fillRect/>
+          </a:stretch>
+        </p:blipFill>
+        <p:spPr>
+          <a:xfrm>
+            <a:off x="6923846" y="3429000"/>
+            <a:ext cx="312517" cy="302871"/>
+          </a:xfrm>
+          <a:prstGeom prst="rect">
+            <a:avLst/>
+          </a:prstGeom>
+        </p:spPr>
+      </p:pic>
+      <p:pic>
+        <p:nvPicPr>
+          <p:cNvPr id="18" name="Picture 15" descr="Icon&#10;&#10;Description automatically generated">
+            <a:extLst>
+              <a:ext uri="{FF2B5EF4-FFF2-40B4-BE49-F238E27FC236}">
+                <a16:creationId xmlns:a16="http://schemas.microsoft.com/office/drawing/2014/main" id="{BDFE947F-5F01-4E0E-9C94-EC77C73C54B9}"/>
+              </a:ext>
+            </a:extLst>
+          </p:cNvPr>
+          <p:cNvPicPr>
+            <a:picLocks noChangeAspect="1"/>
+          </p:cNvPicPr>
+          <p:nvPr/>
+        </p:nvPicPr>
+        <p:blipFill>
+          <a:blip r:embed="rId4"/>
+          <a:stretch>
+            <a:fillRect/>
+          </a:stretch>
+        </p:blipFill>
+        <p:spPr>
+          <a:xfrm>
+            <a:off x="9001245" y="3026518"/>
+            <a:ext cx="312517" cy="302871"/>
+          </a:xfrm>
+          <a:prstGeom prst="rect">
+            <a:avLst/>
+          </a:prstGeom>
+        </p:spPr>
+      </p:pic>
+      <p:pic>
+        <p:nvPicPr>
+          <p:cNvPr id="20" name="Picture 11" descr="Icon&#10;&#10;Description automatically generated">
+            <a:extLst>
+              <a:ext uri="{FF2B5EF4-FFF2-40B4-BE49-F238E27FC236}">
+                <a16:creationId xmlns:a16="http://schemas.microsoft.com/office/drawing/2014/main" id="{B99438B0-5640-47A9-9861-54EDC03439EC}"/>
+              </a:ext>
+            </a:extLst>
+          </p:cNvPr>
+          <p:cNvPicPr>
+            <a:picLocks noChangeAspect="1"/>
+          </p:cNvPicPr>
+          <p:nvPr/>
+        </p:nvPicPr>
+        <p:blipFill>
+          <a:blip r:embed="rId5"/>
+          <a:stretch>
+            <a:fillRect/>
+          </a:stretch>
+        </p:blipFill>
+        <p:spPr>
+          <a:xfrm>
+            <a:off x="3196870" y="5706298"/>
+            <a:ext cx="283580" cy="273935"/>
           </a:xfrm>
           <a:prstGeom prst="rect">
             <a:avLst/>

--- a/Documentação/Orientações/Orientações.pptx
+++ b/Documentação/Orientações/Orientações.pptx
@@ -279,7 +279,7 @@
           <a:p>
             <a:fld id="{02AC24A9-CCB6-4F8D-B8DB-C2F3692CFA5A}" type="datetimeFigureOut">
               <a:rPr lang="en-US" smtClean="0"/>
-              <a:t>10/16/2020</a:t>
+              <a:t>10/23/2020</a:t>
             </a:fld>
             <a:endParaRPr lang="en-US" dirty="0"/>
           </a:p>
@@ -649,7 +649,7 @@
           <a:p>
             <a:fld id="{02AC24A9-CCB6-4F8D-B8DB-C2F3692CFA5A}" type="datetimeFigureOut">
               <a:rPr lang="en-US" smtClean="0"/>
-              <a:t>10/16/2020</a:t>
+              <a:t>10/23/2020</a:t>
             </a:fld>
             <a:endParaRPr lang="en-US"/>
           </a:p>
@@ -858,7 +858,7 @@
           <a:p>
             <a:fld id="{02AC24A9-CCB6-4F8D-B8DB-C2F3692CFA5A}" type="datetimeFigureOut">
               <a:rPr lang="en-US" smtClean="0"/>
-              <a:t>10/16/2020</a:t>
+              <a:t>10/23/2020</a:t>
             </a:fld>
             <a:endParaRPr lang="en-US"/>
           </a:p>
@@ -1328,7 +1328,7 @@
           <a:p>
             <a:fld id="{02AC24A9-CCB6-4F8D-B8DB-C2F3692CFA5A}" type="datetimeFigureOut">
               <a:rPr lang="en-US" smtClean="0"/>
-              <a:t>10/16/2020</a:t>
+              <a:t>10/23/2020</a:t>
             </a:fld>
             <a:endParaRPr lang="en-US"/>
           </a:p>
@@ -1782,7 +1782,7 @@
           <a:p>
             <a:fld id="{02AC24A9-CCB6-4F8D-B8DB-C2F3692CFA5A}" type="datetimeFigureOut">
               <a:rPr lang="en-US" smtClean="0"/>
-              <a:t>10/16/2020</a:t>
+              <a:t>10/23/2020</a:t>
             </a:fld>
             <a:endParaRPr lang="en-US"/>
           </a:p>
@@ -2314,7 +2314,7 @@
           <a:p>
             <a:fld id="{02AC24A9-CCB6-4F8D-B8DB-C2F3692CFA5A}" type="datetimeFigureOut">
               <a:rPr lang="en-US" smtClean="0"/>
-              <a:t>10/16/2020</a:t>
+              <a:t>10/23/2020</a:t>
             </a:fld>
             <a:endParaRPr lang="en-US"/>
           </a:p>
@@ -3013,7 +3013,7 @@
           <a:p>
             <a:fld id="{02AC24A9-CCB6-4F8D-B8DB-C2F3692CFA5A}" type="datetimeFigureOut">
               <a:rPr lang="en-US" smtClean="0"/>
-              <a:t>10/16/2020</a:t>
+              <a:t>10/23/2020</a:t>
             </a:fld>
             <a:endParaRPr lang="en-US"/>
           </a:p>
@@ -3342,7 +3342,7 @@
           <a:p>
             <a:fld id="{02AC24A9-CCB6-4F8D-B8DB-C2F3692CFA5A}" type="datetimeFigureOut">
               <a:rPr lang="en-US" smtClean="0"/>
-              <a:t>10/16/2020</a:t>
+              <a:t>10/23/2020</a:t>
             </a:fld>
             <a:endParaRPr lang="en-US"/>
           </a:p>
@@ -3455,7 +3455,7 @@
           <a:p>
             <a:fld id="{02AC24A9-CCB6-4F8D-B8DB-C2F3692CFA5A}" type="datetimeFigureOut">
               <a:rPr lang="en-US" smtClean="0"/>
-              <a:t>10/16/2020</a:t>
+              <a:t>10/23/2020</a:t>
             </a:fld>
             <a:endParaRPr lang="en-US"/>
           </a:p>
@@ -3950,7 +3950,7 @@
           <a:p>
             <a:fld id="{02AC24A9-CCB6-4F8D-B8DB-C2F3692CFA5A}" type="datetimeFigureOut">
               <a:rPr lang="en-US" smtClean="0"/>
-              <a:t>10/16/2020</a:t>
+              <a:t>10/23/2020</a:t>
             </a:fld>
             <a:endParaRPr lang="en-US" dirty="0"/>
           </a:p>
@@ -4427,7 +4427,7 @@
           <a:p>
             <a:fld id="{02AC24A9-CCB6-4F8D-B8DB-C2F3692CFA5A}" type="datetimeFigureOut">
               <a:rPr lang="en-US" smtClean="0"/>
-              <a:t>10/16/2020</a:t>
+              <a:t>10/23/2020</a:t>
             </a:fld>
             <a:endParaRPr lang="en-US"/>
           </a:p>
@@ -4670,7 +4670,7 @@
           <a:p>
             <a:fld id="{02AC24A9-CCB6-4F8D-B8DB-C2F3692CFA5A}" type="datetimeFigureOut">
               <a:rPr lang="en-US" smtClean="0"/>
-              <a:t>10/16/2020</a:t>
+              <a:t>10/23/2020</a:t>
             </a:fld>
             <a:endParaRPr lang="en-US"/>
           </a:p>
@@ -5723,7 +5723,7 @@
         </p:blipFill>
         <p:spPr>
           <a:xfrm>
-            <a:off x="352751" y="302429"/>
+            <a:off x="352751" y="222917"/>
             <a:ext cx="11550506" cy="6053920"/>
           </a:xfrm>
           <a:prstGeom prst="rect">
@@ -5897,7 +5897,7 @@
         </p:nvSpPr>
         <p:spPr>
           <a:xfrm>
-            <a:off x="5744899" y="1795040"/>
+            <a:off x="5744899" y="1702276"/>
             <a:ext cx="4629873" cy="299014"/>
           </a:xfrm>
           <a:prstGeom prst="rect">
@@ -6782,10 +6782,10 @@
       </p:sp>
       <p:sp>
         <p:nvSpPr>
-          <p:cNvPr id="14" name="Sinal de Adição 13">
-            <a:extLst>
-              <a:ext uri="{FF2B5EF4-FFF2-40B4-BE49-F238E27FC236}">
-                <a16:creationId xmlns:a16="http://schemas.microsoft.com/office/drawing/2014/main" id="{6D782245-099B-4506-ADA8-BD65693F5B2F}"/>
+          <p:cNvPr id="16" name="Sinal de Adição 15">
+            <a:extLst>
+              <a:ext uri="{FF2B5EF4-FFF2-40B4-BE49-F238E27FC236}">
+                <a16:creationId xmlns:a16="http://schemas.microsoft.com/office/drawing/2014/main" id="{ADC49103-8062-44E2-93C3-892812891EED}"/>
               </a:ext>
             </a:extLst>
           </p:cNvPr>
@@ -6794,7 +6794,7 @@
         </p:nvSpPr>
         <p:spPr>
           <a:xfrm>
-            <a:off x="530874" y="3693579"/>
+            <a:off x="3823315" y="4860877"/>
             <a:ext cx="300901" cy="369332"/>
           </a:xfrm>
           <a:prstGeom prst="mathPlus">
@@ -6838,62 +6838,6 @@
       </p:sp>
       <p:sp>
         <p:nvSpPr>
-          <p:cNvPr id="16" name="Sinal de Adição 15">
-            <a:extLst>
-              <a:ext uri="{FF2B5EF4-FFF2-40B4-BE49-F238E27FC236}">
-                <a16:creationId xmlns:a16="http://schemas.microsoft.com/office/drawing/2014/main" id="{ADC49103-8062-44E2-93C3-892812891EED}"/>
-              </a:ext>
-            </a:extLst>
-          </p:cNvPr>
-          <p:cNvSpPr/>
-          <p:nvPr/>
-        </p:nvSpPr>
-        <p:spPr>
-          <a:xfrm>
-            <a:off x="3823315" y="4860877"/>
-            <a:ext cx="300901" cy="369332"/>
-          </a:xfrm>
-          <a:prstGeom prst="mathPlus">
-            <a:avLst/>
-          </a:prstGeom>
-        </p:spPr>
-        <p:style>
-          <a:lnRef idx="2">
-            <a:schemeClr val="accent4"/>
-          </a:lnRef>
-          <a:fillRef idx="1">
-            <a:schemeClr val="lt1"/>
-          </a:fillRef>
-          <a:effectRef idx="0">
-            <a:schemeClr val="accent4"/>
-          </a:effectRef>
-          <a:fontRef idx="minor">
-            <a:schemeClr val="dk1"/>
-          </a:fontRef>
-        </p:style>
-        <p:txBody>
-          <a:bodyPr rtlCol="0" anchor="ctr"/>
-          <a:lstStyle/>
-          <a:p>
-            <a:pPr algn="ctr"/>
-            <a:endParaRPr lang="pt-BR" b="1" spc="50">
-              <a:ln w="0"/>
-              <a:solidFill>
-                <a:schemeClr val="bg2"/>
-              </a:solidFill>
-              <a:effectLst>
-                <a:innerShdw blurRad="63500" dist="50800" dir="13500000">
-                  <a:srgbClr val="000000">
-                    <a:alpha val="50000"/>
-                  </a:srgbClr>
-                </a:innerShdw>
-              </a:effectLst>
-            </a:endParaRPr>
-          </a:p>
-        </p:txBody>
-      </p:sp>
-      <p:sp>
-        <p:nvSpPr>
           <p:cNvPr id="19" name="CaixaDeTexto 18">
             <a:extLst>
               <a:ext uri="{FF2B5EF4-FFF2-40B4-BE49-F238E27FC236}">
@@ -6906,7 +6850,7 @@
         </p:nvSpPr>
         <p:spPr>
           <a:xfrm>
-            <a:off x="2508501" y="5239877"/>
+            <a:off x="11508762" y="5230209"/>
             <a:ext cx="1563752" cy="307777"/>
           </a:xfrm>
           <a:prstGeom prst="rect">
@@ -6922,7 +6866,7 @@
           <a:p>
             <a:r>
               <a:rPr lang="en-US" sz="1400" dirty="0"/>
-              <a:t>Falta tempo real</a:t>
+              <a:t>tempo real</a:t>
             </a:r>
             <a:endParaRPr lang="pt-BR" sz="1400" dirty="0"/>
           </a:p>
@@ -6958,6 +6902,172 @@
           </a:prstGeom>
         </p:spPr>
       </p:pic>
+      <p:sp>
+        <p:nvSpPr>
+          <p:cNvPr id="21" name="CaixaDeTexto 20">
+            <a:extLst>
+              <a:ext uri="{FF2B5EF4-FFF2-40B4-BE49-F238E27FC236}">
+                <a16:creationId xmlns:a16="http://schemas.microsoft.com/office/drawing/2014/main" id="{18C07325-9E0D-4AC6-972F-962BED2D30DE}"/>
+              </a:ext>
+            </a:extLst>
+          </p:cNvPr>
+          <p:cNvSpPr txBox="1"/>
+          <p:nvPr/>
+        </p:nvSpPr>
+        <p:spPr>
+          <a:xfrm>
+            <a:off x="298044" y="4625048"/>
+            <a:ext cx="3195010" cy="2339102"/>
+          </a:xfrm>
+          <a:prstGeom prst="rect">
+            <a:avLst/>
+          </a:prstGeom>
+          <a:noFill/>
+        </p:spPr>
+        <p:txBody>
+          <a:bodyPr wrap="square" rtlCol="0">
+            <a:spAutoFit/>
+          </a:bodyPr>
+          <a:lstStyle/>
+          <a:p>
+            <a:r>
+              <a:rPr lang="en-US" sz="1600" dirty="0">
+                <a:highlight>
+                  <a:srgbClr val="FFFF00"/>
+                </a:highlight>
+              </a:rPr>
+              <a:t>A FAZER:</a:t>
+            </a:r>
+          </a:p>
+          <a:p>
+            <a:r>
+              <a:rPr lang="en-US" sz="1600" dirty="0"/>
+              <a:t>Ul e UX  (</a:t>
+            </a:r>
+            <a:r>
+              <a:rPr lang="en-US" sz="1600" dirty="0" err="1"/>
+              <a:t>quinta</a:t>
+            </a:r>
+            <a:r>
+              <a:rPr lang="en-US" sz="1600" dirty="0"/>
+              <a:t>) </a:t>
+            </a:r>
+            <a:br>
+              <a:rPr lang="en-US" sz="1600" dirty="0"/>
+            </a:br>
+            <a:r>
+              <a:rPr lang="en-US" sz="1600" dirty="0"/>
+              <a:t>Login, </a:t>
+            </a:r>
+            <a:r>
+              <a:rPr lang="en-US" sz="1600" dirty="0" err="1"/>
+              <a:t>cadastro</a:t>
+            </a:r>
+            <a:r>
+              <a:rPr lang="en-US" sz="1600" dirty="0"/>
+              <a:t> – Java (</a:t>
+            </a:r>
+            <a:r>
+              <a:rPr lang="en-US" sz="1600" dirty="0" err="1"/>
+              <a:t>sexta</a:t>
+            </a:r>
+            <a:r>
+              <a:rPr lang="en-US" sz="1600" dirty="0"/>
+              <a:t>)</a:t>
+            </a:r>
+            <a:br>
+              <a:rPr lang="en-US" sz="1600" dirty="0"/>
+            </a:br>
+            <a:r>
+              <a:rPr lang="en-US" sz="1600" dirty="0"/>
+              <a:t>Dashboard</a:t>
+            </a:r>
+          </a:p>
+          <a:p>
+            <a:r>
+              <a:rPr lang="en-US" sz="1600" dirty="0" err="1"/>
+              <a:t>Automação</a:t>
+            </a:r>
+            <a:r>
+              <a:rPr lang="en-US" sz="1600" dirty="0"/>
+              <a:t> JS (</a:t>
+            </a:r>
+            <a:r>
+              <a:rPr lang="en-US" sz="1600" dirty="0" err="1"/>
+              <a:t>domingo</a:t>
+            </a:r>
+            <a:r>
+              <a:rPr lang="en-US" sz="1600" dirty="0"/>
+              <a:t>)</a:t>
+            </a:r>
+          </a:p>
+          <a:p>
+            <a:r>
+              <a:rPr lang="en-US" sz="1600" dirty="0"/>
+              <a:t>Slides (</a:t>
+            </a:r>
+            <a:r>
+              <a:rPr lang="en-US" sz="1600" dirty="0" err="1"/>
+              <a:t>segunda</a:t>
+            </a:r>
+            <a:r>
+              <a:rPr lang="en-US" sz="1600" dirty="0"/>
+              <a:t>)</a:t>
+            </a:r>
+          </a:p>
+          <a:p>
+            <a:r>
+              <a:rPr lang="en-US" sz="1600" dirty="0" err="1"/>
+              <a:t>Ensaio</a:t>
+            </a:r>
+            <a:r>
+              <a:rPr lang="en-US" sz="1600" dirty="0"/>
+              <a:t> (</a:t>
+            </a:r>
+            <a:r>
+              <a:rPr lang="en-US" sz="1600" dirty="0" err="1"/>
+              <a:t>terça</a:t>
+            </a:r>
+            <a:r>
+              <a:rPr lang="en-US" sz="1600" dirty="0"/>
+              <a:t>, </a:t>
+            </a:r>
+            <a:r>
+              <a:rPr lang="en-US" sz="1600" dirty="0" err="1"/>
+              <a:t>quarta</a:t>
+            </a:r>
+            <a:r>
+              <a:rPr lang="en-US" sz="1600" dirty="0"/>
+              <a:t>)</a:t>
+            </a:r>
+          </a:p>
+          <a:p>
+            <a:r>
+              <a:rPr lang="en-US" sz="1600" dirty="0" err="1"/>
+              <a:t>Arrumar</a:t>
+            </a:r>
+            <a:r>
+              <a:rPr lang="en-US" sz="1600" dirty="0"/>
+              <a:t> imagens do </a:t>
+            </a:r>
+            <a:r>
+              <a:rPr lang="en-US" sz="1600" dirty="0" err="1"/>
+              <a:t>protótipo</a:t>
+            </a:r>
+            <a:r>
+              <a:rPr lang="en-US" sz="1600" dirty="0"/>
+              <a:t> </a:t>
+            </a:r>
+          </a:p>
+          <a:p>
+            <a:r>
+              <a:rPr lang="en-US" sz="1600" dirty="0"/>
+              <a:t>API OSHI</a:t>
+            </a:r>
+            <a:endParaRPr lang="pt-BR" sz="1600" dirty="0"/>
+          </a:p>
+        </p:txBody>
+      </p:sp>
     </p:spTree>
     <p:extLst>
       <p:ext uri="{BB962C8B-B14F-4D97-AF65-F5344CB8AC3E}">

--- a/Documentação/Orientações/Orientações.pptx
+++ b/Documentação/Orientações/Orientações.pptx
@@ -279,7 +279,7 @@
           <a:p>
             <a:fld id="{02AC24A9-CCB6-4F8D-B8DB-C2F3692CFA5A}" type="datetimeFigureOut">
               <a:rPr lang="en-US" smtClean="0"/>
-              <a:t>10/23/2020</a:t>
+              <a:t>10/26/2020</a:t>
             </a:fld>
             <a:endParaRPr lang="en-US" dirty="0"/>
           </a:p>
@@ -338,7 +338,7 @@
           <a:p>
             <a:fld id="{B2DC25EE-239B-4C5F-AAD1-255A7D5F1EE2}" type="slidenum">
               <a:rPr lang="en-US" smtClean="0"/>
-              <a:t>‹nº›</a:t>
+              <a:t>‹#›</a:t>
             </a:fld>
             <a:endParaRPr lang="en-US" dirty="0"/>
           </a:p>
@@ -649,7 +649,7 @@
           <a:p>
             <a:fld id="{02AC24A9-CCB6-4F8D-B8DB-C2F3692CFA5A}" type="datetimeFigureOut">
               <a:rPr lang="en-US" smtClean="0"/>
-              <a:t>10/23/2020</a:t>
+              <a:t>10/26/2020</a:t>
             </a:fld>
             <a:endParaRPr lang="en-US"/>
           </a:p>
@@ -703,7 +703,7 @@
           <a:p>
             <a:fld id="{B2DC25EE-239B-4C5F-AAD1-255A7D5F1EE2}" type="slidenum">
               <a:rPr lang="en-US" smtClean="0"/>
-              <a:t>‹nº›</a:t>
+              <a:t>‹#›</a:t>
             </a:fld>
             <a:endParaRPr lang="en-US"/>
           </a:p>
@@ -858,7 +858,7 @@
           <a:p>
             <a:fld id="{02AC24A9-CCB6-4F8D-B8DB-C2F3692CFA5A}" type="datetimeFigureOut">
               <a:rPr lang="en-US" smtClean="0"/>
-              <a:t>10/23/2020</a:t>
+              <a:t>10/26/2020</a:t>
             </a:fld>
             <a:endParaRPr lang="en-US"/>
           </a:p>
@@ -912,7 +912,7 @@
           <a:p>
             <a:fld id="{B2DC25EE-239B-4C5F-AAD1-255A7D5F1EE2}" type="slidenum">
               <a:rPr lang="en-US" smtClean="0"/>
-              <a:t>‹nº›</a:t>
+              <a:t>‹#›</a:t>
             </a:fld>
             <a:endParaRPr lang="en-US"/>
           </a:p>
@@ -1328,7 +1328,7 @@
           <a:p>
             <a:fld id="{02AC24A9-CCB6-4F8D-B8DB-C2F3692CFA5A}" type="datetimeFigureOut">
               <a:rPr lang="en-US" smtClean="0"/>
-              <a:t>10/23/2020</a:t>
+              <a:t>10/26/2020</a:t>
             </a:fld>
             <a:endParaRPr lang="en-US"/>
           </a:p>
@@ -1387,7 +1387,7 @@
           <a:p>
             <a:fld id="{B2DC25EE-239B-4C5F-AAD1-255A7D5F1EE2}" type="slidenum">
               <a:rPr lang="en-US" smtClean="0"/>
-              <a:t>‹nº›</a:t>
+              <a:t>‹#›</a:t>
             </a:fld>
             <a:endParaRPr lang="en-US"/>
           </a:p>
@@ -1782,7 +1782,7 @@
           <a:p>
             <a:fld id="{02AC24A9-CCB6-4F8D-B8DB-C2F3692CFA5A}" type="datetimeFigureOut">
               <a:rPr lang="en-US" smtClean="0"/>
-              <a:t>10/23/2020</a:t>
+              <a:t>10/26/2020</a:t>
             </a:fld>
             <a:endParaRPr lang="en-US"/>
           </a:p>
@@ -1836,7 +1836,7 @@
           <a:p>
             <a:fld id="{B2DC25EE-239B-4C5F-AAD1-255A7D5F1EE2}" type="slidenum">
               <a:rPr lang="en-US" smtClean="0"/>
-              <a:t>‹nº›</a:t>
+              <a:t>‹#›</a:t>
             </a:fld>
             <a:endParaRPr lang="en-US"/>
           </a:p>
@@ -2314,7 +2314,7 @@
           <a:p>
             <a:fld id="{02AC24A9-CCB6-4F8D-B8DB-C2F3692CFA5A}" type="datetimeFigureOut">
               <a:rPr lang="en-US" smtClean="0"/>
-              <a:t>10/23/2020</a:t>
+              <a:t>10/26/2020</a:t>
             </a:fld>
             <a:endParaRPr lang="en-US"/>
           </a:p>
@@ -2373,7 +2373,7 @@
           <a:p>
             <a:fld id="{B2DC25EE-239B-4C5F-AAD1-255A7D5F1EE2}" type="slidenum">
               <a:rPr lang="en-US" smtClean="0"/>
-              <a:t>‹nº›</a:t>
+              <a:t>‹#›</a:t>
             </a:fld>
             <a:endParaRPr lang="en-US"/>
           </a:p>
@@ -3013,7 +3013,7 @@
           <a:p>
             <a:fld id="{02AC24A9-CCB6-4F8D-B8DB-C2F3692CFA5A}" type="datetimeFigureOut">
               <a:rPr lang="en-US" smtClean="0"/>
-              <a:t>10/23/2020</a:t>
+              <a:t>10/26/2020</a:t>
             </a:fld>
             <a:endParaRPr lang="en-US"/>
           </a:p>
@@ -3072,7 +3072,7 @@
           <a:p>
             <a:fld id="{B2DC25EE-239B-4C5F-AAD1-255A7D5F1EE2}" type="slidenum">
               <a:rPr lang="en-US" smtClean="0"/>
-              <a:t>‹nº›</a:t>
+              <a:t>‹#›</a:t>
             </a:fld>
             <a:endParaRPr lang="en-US"/>
           </a:p>
@@ -3342,7 +3342,7 @@
           <a:p>
             <a:fld id="{02AC24A9-CCB6-4F8D-B8DB-C2F3692CFA5A}" type="datetimeFigureOut">
               <a:rPr lang="en-US" smtClean="0"/>
-              <a:t>10/23/2020</a:t>
+              <a:t>10/26/2020</a:t>
             </a:fld>
             <a:endParaRPr lang="en-US"/>
           </a:p>
@@ -3396,7 +3396,7 @@
           <a:p>
             <a:fld id="{B2DC25EE-239B-4C5F-AAD1-255A7D5F1EE2}" type="slidenum">
               <a:rPr lang="en-US" smtClean="0"/>
-              <a:t>‹nº›</a:t>
+              <a:t>‹#›</a:t>
             </a:fld>
             <a:endParaRPr lang="en-US"/>
           </a:p>
@@ -3455,7 +3455,7 @@
           <a:p>
             <a:fld id="{02AC24A9-CCB6-4F8D-B8DB-C2F3692CFA5A}" type="datetimeFigureOut">
               <a:rPr lang="en-US" smtClean="0"/>
-              <a:t>10/23/2020</a:t>
+              <a:t>10/26/2020</a:t>
             </a:fld>
             <a:endParaRPr lang="en-US"/>
           </a:p>
@@ -3509,7 +3509,7 @@
           <a:p>
             <a:fld id="{B2DC25EE-239B-4C5F-AAD1-255A7D5F1EE2}" type="slidenum">
               <a:rPr lang="en-US" smtClean="0"/>
-              <a:t>‹nº›</a:t>
+              <a:t>‹#›</a:t>
             </a:fld>
             <a:endParaRPr lang="en-US"/>
           </a:p>
@@ -3950,7 +3950,7 @@
           <a:p>
             <a:fld id="{02AC24A9-CCB6-4F8D-B8DB-C2F3692CFA5A}" type="datetimeFigureOut">
               <a:rPr lang="en-US" smtClean="0"/>
-              <a:t>10/23/2020</a:t>
+              <a:t>10/26/2020</a:t>
             </a:fld>
             <a:endParaRPr lang="en-US" dirty="0"/>
           </a:p>
@@ -4004,7 +4004,7 @@
           <a:p>
             <a:fld id="{B2DC25EE-239B-4C5F-AAD1-255A7D5F1EE2}" type="slidenum">
               <a:rPr lang="en-US" smtClean="0"/>
-              <a:t>‹nº›</a:t>
+              <a:t>‹#›</a:t>
             </a:fld>
             <a:endParaRPr lang="en-US"/>
           </a:p>
@@ -4427,7 +4427,7 @@
           <a:p>
             <a:fld id="{02AC24A9-CCB6-4F8D-B8DB-C2F3692CFA5A}" type="datetimeFigureOut">
               <a:rPr lang="en-US" smtClean="0"/>
-              <a:t>10/23/2020</a:t>
+              <a:t>10/26/2020</a:t>
             </a:fld>
             <a:endParaRPr lang="en-US"/>
           </a:p>
@@ -4481,7 +4481,7 @@
           <a:p>
             <a:fld id="{B2DC25EE-239B-4C5F-AAD1-255A7D5F1EE2}" type="slidenum">
               <a:rPr lang="en-US" smtClean="0"/>
-              <a:t>‹nº›</a:t>
+              <a:t>‹#›</a:t>
             </a:fld>
             <a:endParaRPr lang="en-US"/>
           </a:p>
@@ -4670,7 +4670,7 @@
           <a:p>
             <a:fld id="{02AC24A9-CCB6-4F8D-B8DB-C2F3692CFA5A}" type="datetimeFigureOut">
               <a:rPr lang="en-US" smtClean="0"/>
-              <a:t>10/23/2020</a:t>
+              <a:t>10/26/2020</a:t>
             </a:fld>
             <a:endParaRPr lang="en-US"/>
           </a:p>
@@ -4760,7 +4760,7 @@
           <a:p>
             <a:fld id="{B2DC25EE-239B-4C5F-AAD1-255A7D5F1EE2}" type="slidenum">
               <a:rPr lang="en-US" smtClean="0"/>
-              <a:t>‹nº›</a:t>
+              <a:t>‹#›</a:t>
             </a:fld>
             <a:endParaRPr lang="en-US"/>
           </a:p>
@@ -6507,7 +6507,7 @@
         </p:nvSpPr>
         <p:spPr>
           <a:xfrm>
-            <a:off x="5422564" y="3670720"/>
+            <a:off x="5422564" y="3596578"/>
             <a:ext cx="5758248" cy="45719"/>
           </a:xfrm>
           <a:prstGeom prst="rect">
@@ -6559,7 +6559,7 @@
         </p:nvSpPr>
         <p:spPr>
           <a:xfrm>
-            <a:off x="5422564" y="2595408"/>
+            <a:off x="5422564" y="2513028"/>
             <a:ext cx="5758248" cy="45719"/>
           </a:xfrm>
           <a:prstGeom prst="rect">
@@ -6611,8 +6611,8 @@
         </p:nvSpPr>
         <p:spPr>
           <a:xfrm>
-            <a:off x="3913364" y="6128705"/>
-            <a:ext cx="5758248" cy="45719"/>
+            <a:off x="3913364" y="6062801"/>
+            <a:ext cx="5055083" cy="45719"/>
           </a:xfrm>
           <a:prstGeom prst="rect">
             <a:avLst/>
@@ -6649,36 +6649,6 @@
           </a:p>
         </p:txBody>
       </p:sp>
-      <p:pic>
-        <p:nvPicPr>
-          <p:cNvPr id="9" name="Picture 15" descr="Icon&#10;&#10;Description automatically generated">
-            <a:extLst>
-              <a:ext uri="{FF2B5EF4-FFF2-40B4-BE49-F238E27FC236}">
-                <a16:creationId xmlns:a16="http://schemas.microsoft.com/office/drawing/2014/main" id="{EA9C2ED5-0FBA-4F7E-8E8C-8EFFFE432006}"/>
-              </a:ext>
-            </a:extLst>
-          </p:cNvPr>
-          <p:cNvPicPr>
-            <a:picLocks noChangeAspect="1"/>
-          </p:cNvPicPr>
-          <p:nvPr/>
-        </p:nvPicPr>
-        <p:blipFill>
-          <a:blip r:embed="rId4"/>
-          <a:stretch>
-            <a:fillRect/>
-          </a:stretch>
-        </p:blipFill>
-        <p:spPr>
-          <a:xfrm>
-            <a:off x="10727523" y="2117203"/>
-            <a:ext cx="322162" cy="293226"/>
-          </a:xfrm>
-          <a:prstGeom prst="rect">
-            <a:avLst/>
-          </a:prstGeom>
-        </p:spPr>
-      </p:pic>
       <p:sp>
         <p:nvSpPr>
           <p:cNvPr id="10" name="Sinal de Adição 9">
@@ -6782,62 +6752,6 @@
       </p:sp>
       <p:sp>
         <p:nvSpPr>
-          <p:cNvPr id="16" name="Sinal de Adição 15">
-            <a:extLst>
-              <a:ext uri="{FF2B5EF4-FFF2-40B4-BE49-F238E27FC236}">
-                <a16:creationId xmlns:a16="http://schemas.microsoft.com/office/drawing/2014/main" id="{ADC49103-8062-44E2-93C3-892812891EED}"/>
-              </a:ext>
-            </a:extLst>
-          </p:cNvPr>
-          <p:cNvSpPr/>
-          <p:nvPr/>
-        </p:nvSpPr>
-        <p:spPr>
-          <a:xfrm>
-            <a:off x="3823315" y="4860877"/>
-            <a:ext cx="300901" cy="369332"/>
-          </a:xfrm>
-          <a:prstGeom prst="mathPlus">
-            <a:avLst/>
-          </a:prstGeom>
-        </p:spPr>
-        <p:style>
-          <a:lnRef idx="2">
-            <a:schemeClr val="accent4"/>
-          </a:lnRef>
-          <a:fillRef idx="1">
-            <a:schemeClr val="lt1"/>
-          </a:fillRef>
-          <a:effectRef idx="0">
-            <a:schemeClr val="accent4"/>
-          </a:effectRef>
-          <a:fontRef idx="minor">
-            <a:schemeClr val="dk1"/>
-          </a:fontRef>
-        </p:style>
-        <p:txBody>
-          <a:bodyPr rtlCol="0" anchor="ctr"/>
-          <a:lstStyle/>
-          <a:p>
-            <a:pPr algn="ctr"/>
-            <a:endParaRPr lang="pt-BR" b="1" spc="50">
-              <a:ln w="0"/>
-              <a:solidFill>
-                <a:schemeClr val="bg2"/>
-              </a:solidFill>
-              <a:effectLst>
-                <a:innerShdw blurRad="63500" dist="50800" dir="13500000">
-                  <a:srgbClr val="000000">
-                    <a:alpha val="50000"/>
-                  </a:srgbClr>
-                </a:innerShdw>
-              </a:effectLst>
-            </a:endParaRPr>
-          </a:p>
-        </p:txBody>
-      </p:sp>
-      <p:sp>
-        <p:nvSpPr>
           <p:cNvPr id="19" name="CaixaDeTexto 18">
             <a:extLst>
               <a:ext uri="{FF2B5EF4-FFF2-40B4-BE49-F238E27FC236}">
@@ -6916,8 +6830,8 @@
         </p:nvSpPr>
         <p:spPr>
           <a:xfrm>
-            <a:off x="298044" y="4625048"/>
-            <a:ext cx="3195010" cy="2339102"/>
+            <a:off x="167091" y="4515520"/>
+            <a:ext cx="3195010" cy="830997"/>
           </a:xfrm>
           <a:prstGeom prst="rect">
             <a:avLst/>
@@ -6938,136 +6852,80 @@
               </a:rPr>
               <a:t>A FAZER:</a:t>
             </a:r>
-          </a:p>
-          <a:p>
-            <a:r>
-              <a:rPr lang="en-US" sz="1600" dirty="0"/>
-              <a:t>Ul e UX  (</a:t>
-            </a:r>
-            <a:r>
-              <a:rPr lang="en-US" sz="1600" dirty="0" err="1"/>
-              <a:t>quinta</a:t>
-            </a:r>
-            <a:r>
-              <a:rPr lang="en-US" sz="1600" dirty="0"/>
-              <a:t>) </a:t>
-            </a:r>
             <a:br>
               <a:rPr lang="en-US" sz="1600" dirty="0"/>
             </a:br>
             <a:r>
               <a:rPr lang="en-US" sz="1600" dirty="0"/>
-              <a:t>Login, </a:t>
+              <a:t>Slides (</a:t>
             </a:r>
             <a:r>
               <a:rPr lang="en-US" sz="1600" dirty="0" err="1"/>
-              <a:t>cadastro</a:t>
-            </a:r>
-            <a:r>
-              <a:rPr lang="en-US" sz="1600" dirty="0"/>
-              <a:t> – Java (</a:t>
-            </a:r>
-            <a:r>
-              <a:rPr lang="en-US" sz="1600" dirty="0" err="1"/>
-              <a:t>sexta</a:t>
+              <a:t>segunda</a:t>
             </a:r>
             <a:r>
               <a:rPr lang="en-US" sz="1600" dirty="0"/>
               <a:t>)</a:t>
             </a:r>
-            <a:br>
+          </a:p>
+          <a:p>
+            <a:r>
+              <a:rPr lang="en-US" sz="1600" dirty="0" err="1"/>
+              <a:t>Ensaio</a:t>
+            </a:r>
+            <a:r>
               <a:rPr lang="en-US" sz="1600" dirty="0"/>
-            </a:br>
+              <a:t> (</a:t>
+            </a:r>
+            <a:r>
+              <a:rPr lang="en-US" sz="1600" dirty="0" err="1"/>
+              <a:t>terça</a:t>
+            </a:r>
             <a:r>
               <a:rPr lang="en-US" sz="1600" dirty="0"/>
-              <a:t>Dashboard</a:t>
-            </a:r>
-          </a:p>
-          <a:p>
+              <a:t>, </a:t>
+            </a:r>
             <a:r>
               <a:rPr lang="en-US" sz="1600" dirty="0" err="1"/>
-              <a:t>Automação</a:t>
-            </a:r>
-            <a:r>
-              <a:rPr lang="en-US" sz="1600" dirty="0"/>
-              <a:t> JS (</a:t>
-            </a:r>
-            <a:r>
-              <a:rPr lang="en-US" sz="1600" dirty="0" err="1"/>
-              <a:t>domingo</a:t>
+              <a:t>quarta</a:t>
             </a:r>
             <a:r>
               <a:rPr lang="en-US" sz="1600" dirty="0"/>
               <a:t>)</a:t>
             </a:r>
           </a:p>
-          <a:p>
-            <a:r>
-              <a:rPr lang="en-US" sz="1600" dirty="0"/>
-              <a:t>Slides (</a:t>
-            </a:r>
-            <a:r>
-              <a:rPr lang="en-US" sz="1600" dirty="0" err="1"/>
-              <a:t>segunda</a:t>
-            </a:r>
-            <a:r>
-              <a:rPr lang="en-US" sz="1600" dirty="0"/>
-              <a:t>)</a:t>
-            </a:r>
-          </a:p>
-          <a:p>
-            <a:r>
-              <a:rPr lang="en-US" sz="1600" dirty="0" err="1"/>
-              <a:t>Ensaio</a:t>
-            </a:r>
-            <a:r>
-              <a:rPr lang="en-US" sz="1600" dirty="0"/>
-              <a:t> (</a:t>
-            </a:r>
-            <a:r>
-              <a:rPr lang="en-US" sz="1600" dirty="0" err="1"/>
-              <a:t>terça</a:t>
-            </a:r>
-            <a:r>
-              <a:rPr lang="en-US" sz="1600" dirty="0"/>
-              <a:t>, </a:t>
-            </a:r>
-            <a:r>
-              <a:rPr lang="en-US" sz="1600" dirty="0" err="1"/>
-              <a:t>quarta</a:t>
-            </a:r>
-            <a:r>
-              <a:rPr lang="en-US" sz="1600" dirty="0"/>
-              <a:t>)</a:t>
-            </a:r>
-          </a:p>
-          <a:p>
-            <a:r>
-              <a:rPr lang="en-US" sz="1600" dirty="0" err="1"/>
-              <a:t>Arrumar</a:t>
-            </a:r>
-            <a:r>
-              <a:rPr lang="en-US" sz="1600" dirty="0"/>
-              <a:t> imagens do </a:t>
-            </a:r>
-            <a:r>
-              <a:rPr lang="en-US" sz="1600" dirty="0" err="1"/>
-              <a:t>protótipo</a:t>
-            </a:r>
-            <a:r>
-              <a:rPr lang="en-US" sz="1600" dirty="0"/>
-              <a:t> </a:t>
-            </a:r>
-          </a:p>
-          <a:p>
-            <a:r>
-              <a:rPr lang="en-US" sz="1600" dirty="0"/>
-              <a:t>API OSHI</a:t>
-            </a:r>
-            <a:endParaRPr lang="pt-BR" sz="1600" dirty="0"/>
-          </a:p>
-        </p:txBody>
-      </p:sp>
+        </p:txBody>
+      </p:sp>
+      <p:pic>
+        <p:nvPicPr>
+          <p:cNvPr id="6" name="Picture 9" descr="Icon&#10;&#10;Description automatically generated">
+            <a:extLst>
+              <a:ext uri="{FF2B5EF4-FFF2-40B4-BE49-F238E27FC236}">
+                <a16:creationId xmlns:a16="http://schemas.microsoft.com/office/drawing/2014/main" id="{AFB84636-A206-4CF3-B25E-5B60FA634BF7}"/>
+              </a:ext>
+            </a:extLst>
+          </p:cNvPr>
+          <p:cNvPicPr>
+            <a:picLocks noChangeAspect="1"/>
+          </p:cNvPicPr>
+          <p:nvPr/>
+        </p:nvPicPr>
+        <p:blipFill>
+          <a:blip r:embed="rId3"/>
+          <a:stretch>
+            <a:fillRect/>
+          </a:stretch>
+        </p:blipFill>
+        <p:spPr>
+          <a:xfrm>
+            <a:off x="10677894" y="1992937"/>
+            <a:ext cx="360745" cy="351100"/>
+          </a:xfrm>
+          <a:prstGeom prst="rect">
+            <a:avLst/>
+          </a:prstGeom>
+        </p:spPr>
+      </p:pic>
     </p:spTree>
     <p:extLst>
       <p:ext uri="{BB962C8B-B14F-4D97-AF65-F5344CB8AC3E}">
